--- a/Fall2018 Lecture Notes/Chapter 11 Lecture.pptx
+++ b/Fall2018 Lecture Notes/Chapter 11 Lecture.pptx
@@ -5,7 +5,7 @@
     <p:sldMasterId id="2147483774" r:id="rId1"/>
   </p:sldMasterIdLst>
   <p:notesMasterIdLst>
-    <p:notesMasterId r:id="rId34"/>
+    <p:notesMasterId r:id="rId33"/>
   </p:notesMasterIdLst>
   <p:sldIdLst>
     <p:sldId id="256" r:id="rId2"/>
@@ -16,30 +16,29 @@
     <p:sldId id="286" r:id="rId7"/>
     <p:sldId id="303" r:id="rId8"/>
     <p:sldId id="318" r:id="rId9"/>
-    <p:sldId id="319" r:id="rId10"/>
-    <p:sldId id="322" r:id="rId11"/>
-    <p:sldId id="320" r:id="rId12"/>
-    <p:sldId id="309" r:id="rId13"/>
-    <p:sldId id="330" r:id="rId14"/>
-    <p:sldId id="305" r:id="rId15"/>
-    <p:sldId id="332" r:id="rId16"/>
-    <p:sldId id="323" r:id="rId17"/>
-    <p:sldId id="331" r:id="rId18"/>
-    <p:sldId id="333" r:id="rId19"/>
-    <p:sldId id="334" r:id="rId20"/>
-    <p:sldId id="335" r:id="rId21"/>
-    <p:sldId id="336" r:id="rId22"/>
-    <p:sldId id="337" r:id="rId23"/>
-    <p:sldId id="338" r:id="rId24"/>
-    <p:sldId id="339" r:id="rId25"/>
-    <p:sldId id="341" r:id="rId26"/>
-    <p:sldId id="342" r:id="rId27"/>
-    <p:sldId id="344" r:id="rId28"/>
-    <p:sldId id="345" r:id="rId29"/>
-    <p:sldId id="301" r:id="rId30"/>
-    <p:sldId id="346" r:id="rId31"/>
-    <p:sldId id="292" r:id="rId32"/>
-    <p:sldId id="347" r:id="rId33"/>
+    <p:sldId id="322" r:id="rId10"/>
+    <p:sldId id="320" r:id="rId11"/>
+    <p:sldId id="330" r:id="rId12"/>
+    <p:sldId id="305" r:id="rId13"/>
+    <p:sldId id="332" r:id="rId14"/>
+    <p:sldId id="323" r:id="rId15"/>
+    <p:sldId id="331" r:id="rId16"/>
+    <p:sldId id="333" r:id="rId17"/>
+    <p:sldId id="334" r:id="rId18"/>
+    <p:sldId id="339" r:id="rId19"/>
+    <p:sldId id="341" r:id="rId20"/>
+    <p:sldId id="342" r:id="rId21"/>
+    <p:sldId id="345" r:id="rId22"/>
+    <p:sldId id="301" r:id="rId23"/>
+    <p:sldId id="346" r:id="rId24"/>
+    <p:sldId id="292" r:id="rId25"/>
+    <p:sldId id="347" r:id="rId26"/>
+    <p:sldId id="348" r:id="rId27"/>
+    <p:sldId id="349" r:id="rId28"/>
+    <p:sldId id="350" r:id="rId29"/>
+    <p:sldId id="351" r:id="rId30"/>
+    <p:sldId id="352" r:id="rId31"/>
+    <p:sldId id="353" r:id="rId32"/>
   </p:sldIdLst>
   <p:sldSz cx="9144000" cy="6858000" type="screen4x3"/>
   <p:notesSz cx="6858000" cy="9144000"/>
@@ -161,8 +160,8 @@
 <pc:chgInfo xmlns:a="http://schemas.openxmlformats.org/drawingml/2006/main" xmlns:r="http://schemas.openxmlformats.org/officeDocument/2006/relationships" xmlns:ac="http://schemas.microsoft.com/office/drawing/2013/main/command" xmlns:pc="http://schemas.microsoft.com/office/powerpoint/2013/main/command">
   <pc:docChgLst>
     <pc:chgData name="Tabetha Hopke" userId="5e7e88d54752368c" providerId="LiveId" clId="{13038F25-CF6D-409F-BD01-5B156A01075F}"/>
-    <pc:docChg chg="undo redo custSel modSld">
-      <pc:chgData name="Tabetha Hopke" userId="5e7e88d54752368c" providerId="LiveId" clId="{13038F25-CF6D-409F-BD01-5B156A01075F}" dt="2018-07-31T18:34:28.360" v="207" actId="1076"/>
+    <pc:docChg chg="undo redo custSel addSld delSld modSld modMainMaster">
+      <pc:chgData name="Tabetha Hopke" userId="5e7e88d54752368c" providerId="LiveId" clId="{13038F25-CF6D-409F-BD01-5B156A01075F}" dt="2018-08-08T17:56:24.832" v="2373" actId="1076"/>
       <pc:docMkLst>
         <pc:docMk/>
       </pc:docMkLst>
@@ -173,7 +172,7 @@
           <pc:sldMk cId="0" sldId="256"/>
         </pc:sldMkLst>
         <pc:spChg chg="add del mod">
-          <ac:chgData name="Tabetha Hopke" userId="5e7e88d54752368c" providerId="LiveId" clId="{13038F25-CF6D-409F-BD01-5B156A01075F}" dt="2018-07-31T18:20:19.576" v="14"/>
+          <ac:chgData name="Tabetha Hopke" userId="5e7e88d54752368c" providerId="LiveId" clId="{13038F25-CF6D-409F-BD01-5B156A01075F}" dt="2018-07-31T18:20:19.576" v="14" actId="114"/>
           <ac:spMkLst>
             <pc:docMk/>
             <pc:sldMk cId="0" sldId="256"/>
@@ -205,8 +204,8 @@
           </ac:picMkLst>
         </pc:picChg>
       </pc:sldChg>
-      <pc:sldChg chg="addSp delSp modSp">
-        <pc:chgData name="Tabetha Hopke" userId="5e7e88d54752368c" providerId="LiveId" clId="{13038F25-CF6D-409F-BD01-5B156A01075F}" dt="2018-07-31T18:23:22.575" v="85" actId="1076"/>
+      <pc:sldChg chg="addSp delSp modSp modNotesTx">
+        <pc:chgData name="Tabetha Hopke" userId="5e7e88d54752368c" providerId="LiveId" clId="{13038F25-CF6D-409F-BD01-5B156A01075F}" dt="2018-07-31T19:20:53.083" v="225" actId="20577"/>
         <pc:sldMkLst>
           <pc:docMk/>
           <pc:sldMk cId="0" sldId="286"/>
@@ -220,7 +219,7 @@
           </ac:spMkLst>
         </pc:spChg>
         <pc:spChg chg="add del mod">
-          <ac:chgData name="Tabetha Hopke" userId="5e7e88d54752368c" providerId="LiveId" clId="{13038F25-CF6D-409F-BD01-5B156A01075F}" dt="2018-07-31T18:23:17.044" v="83"/>
+          <ac:chgData name="Tabetha Hopke" userId="5e7e88d54752368c" providerId="LiveId" clId="{13038F25-CF6D-409F-BD01-5B156A01075F}" dt="2018-07-31T18:23:17.044" v="83" actId="1076"/>
           <ac:spMkLst>
             <pc:docMk/>
             <pc:sldMk cId="0" sldId="286"/>
@@ -236,7 +235,7 @@
           </ac:spMkLst>
         </pc:spChg>
         <pc:picChg chg="add mod">
-          <ac:chgData name="Tabetha Hopke" userId="5e7e88d54752368c" providerId="LiveId" clId="{13038F25-CF6D-409F-BD01-5B156A01075F}" dt="2018-07-31T18:23:22.575" v="85" actId="1076"/>
+          <ac:chgData name="Tabetha Hopke" userId="5e7e88d54752368c" providerId="LiveId" clId="{13038F25-CF6D-409F-BD01-5B156A01075F}" dt="2018-07-31T19:20:07.562" v="208" actId="1076"/>
           <ac:picMkLst>
             <pc:docMk/>
             <pc:sldMk cId="0" sldId="286"/>
@@ -244,7 +243,7 @@
           </ac:picMkLst>
         </pc:picChg>
         <pc:picChg chg="del">
-          <ac:chgData name="Tabetha Hopke" userId="5e7e88d54752368c" providerId="LiveId" clId="{13038F25-CF6D-409F-BD01-5B156A01075F}" dt="2018-07-31T18:23:15.375" v="82"/>
+          <ac:chgData name="Tabetha Hopke" userId="5e7e88d54752368c" providerId="LiveId" clId="{13038F25-CF6D-409F-BD01-5B156A01075F}" dt="2018-07-31T18:23:15.375" v="82" actId="1076"/>
           <ac:picMkLst>
             <pc:docMk/>
             <pc:sldMk cId="0" sldId="286"/>
@@ -253,13 +252,13 @@
         </pc:picChg>
       </pc:sldChg>
       <pc:sldChg chg="addSp delSp modSp">
-        <pc:chgData name="Tabetha Hopke" userId="5e7e88d54752368c" providerId="LiveId" clId="{13038F25-CF6D-409F-BD01-5B156A01075F}" dt="2018-07-31T18:31:45.967" v="174"/>
+        <pc:chgData name="Tabetha Hopke" userId="5e7e88d54752368c" providerId="LiveId" clId="{13038F25-CF6D-409F-BD01-5B156A01075F}" dt="2018-07-31T18:31:45.967" v="174" actId="1076"/>
         <pc:sldMkLst>
           <pc:docMk/>
           <pc:sldMk cId="0" sldId="292"/>
         </pc:sldMkLst>
         <pc:spChg chg="add mod">
-          <ac:chgData name="Tabetha Hopke" userId="5e7e88d54752368c" providerId="LiveId" clId="{13038F25-CF6D-409F-BD01-5B156A01075F}" dt="2018-07-31T18:31:45.967" v="174"/>
+          <ac:chgData name="Tabetha Hopke" userId="5e7e88d54752368c" providerId="LiveId" clId="{13038F25-CF6D-409F-BD01-5B156A01075F}" dt="2018-07-31T18:31:45.967" v="174" actId="1076"/>
           <ac:spMkLst>
             <pc:docMk/>
             <pc:sldMk cId="0" sldId="292"/>
@@ -290,7 +289,7 @@
           </ac:spMkLst>
         </pc:spChg>
         <pc:spChg chg="del mod">
-          <ac:chgData name="Tabetha Hopke" userId="5e7e88d54752368c" providerId="LiveId" clId="{13038F25-CF6D-409F-BD01-5B156A01075F}" dt="2018-07-31T18:21:15.148" v="41"/>
+          <ac:chgData name="Tabetha Hopke" userId="5e7e88d54752368c" providerId="LiveId" clId="{13038F25-CF6D-409F-BD01-5B156A01075F}" dt="2018-07-31T18:21:15.148" v="41" actId="114"/>
           <ac:spMkLst>
             <pc:docMk/>
             <pc:sldMk cId="0" sldId="299"/>
@@ -306,14 +305,14 @@
           </ac:spMkLst>
         </pc:spChg>
       </pc:sldChg>
-      <pc:sldChg chg="addSp delSp modSp">
-        <pc:chgData name="Tabetha Hopke" userId="5e7e88d54752368c" providerId="LiveId" clId="{13038F25-CF6D-409F-BD01-5B156A01075F}" dt="2018-07-31T18:32:38.394" v="182" actId="114"/>
+      <pc:sldChg chg="addSp delSp modSp modNotesTx">
+        <pc:chgData name="Tabetha Hopke" userId="5e7e88d54752368c" providerId="LiveId" clId="{13038F25-CF6D-409F-BD01-5B156A01075F}" dt="2018-07-31T19:34:13.923" v="443" actId="20577"/>
         <pc:sldMkLst>
           <pc:docMk/>
           <pc:sldMk cId="0" sldId="301"/>
         </pc:sldMkLst>
         <pc:spChg chg="add mod">
-          <ac:chgData name="Tabetha Hopke" userId="5e7e88d54752368c" providerId="LiveId" clId="{13038F25-CF6D-409F-BD01-5B156A01075F}" dt="2018-07-31T18:30:01.197" v="145"/>
+          <ac:chgData name="Tabetha Hopke" userId="5e7e88d54752368c" providerId="LiveId" clId="{13038F25-CF6D-409F-BD01-5B156A01075F}" dt="2018-07-31T18:30:01.197" v="145" actId="114"/>
           <ac:spMkLst>
             <pc:docMk/>
             <pc:sldMk cId="0" sldId="301"/>
@@ -329,7 +328,7 @@
           </ac:spMkLst>
         </pc:spChg>
         <pc:spChg chg="del mod">
-          <ac:chgData name="Tabetha Hopke" userId="5e7e88d54752368c" providerId="LiveId" clId="{13038F25-CF6D-409F-BD01-5B156A01075F}" dt="2018-07-31T18:29:57.015" v="143"/>
+          <ac:chgData name="Tabetha Hopke" userId="5e7e88d54752368c" providerId="LiveId" clId="{13038F25-CF6D-409F-BD01-5B156A01075F}" dt="2018-07-31T18:29:57.015" v="143" actId="114"/>
           <ac:spMkLst>
             <pc:docMk/>
             <pc:sldMk cId="0" sldId="301"/>
@@ -337,14 +336,14 @@
           </ac:spMkLst>
         </pc:spChg>
       </pc:sldChg>
-      <pc:sldChg chg="addSp delSp modSp">
-        <pc:chgData name="Tabetha Hopke" userId="5e7e88d54752368c" providerId="LiveId" clId="{13038F25-CF6D-409F-BD01-5B156A01075F}" dt="2018-07-31T18:23:43.524" v="92"/>
+      <pc:sldChg chg="addSp delSp modSp modNotesTx">
+        <pc:chgData name="Tabetha Hopke" userId="5e7e88d54752368c" providerId="LiveId" clId="{13038F25-CF6D-409F-BD01-5B156A01075F}" dt="2018-07-31T19:22:15.199" v="252" actId="20577"/>
         <pc:sldMkLst>
           <pc:docMk/>
           <pc:sldMk cId="0" sldId="303"/>
         </pc:sldMkLst>
         <pc:spChg chg="add mod">
-          <ac:chgData name="Tabetha Hopke" userId="5e7e88d54752368c" providerId="LiveId" clId="{13038F25-CF6D-409F-BD01-5B156A01075F}" dt="2018-07-31T18:23:39.785" v="90"/>
+          <ac:chgData name="Tabetha Hopke" userId="5e7e88d54752368c" providerId="LiveId" clId="{13038F25-CF6D-409F-BD01-5B156A01075F}" dt="2018-07-31T18:23:39.785" v="90" actId="1076"/>
           <ac:spMkLst>
             <pc:docMk/>
             <pc:sldMk cId="0" sldId="303"/>
@@ -352,7 +351,7 @@
           </ac:spMkLst>
         </pc:spChg>
         <pc:spChg chg="add del mod">
-          <ac:chgData name="Tabetha Hopke" userId="5e7e88d54752368c" providerId="LiveId" clId="{13038F25-CF6D-409F-BD01-5B156A01075F}" dt="2018-07-31T18:23:43.524" v="92"/>
+          <ac:chgData name="Tabetha Hopke" userId="5e7e88d54752368c" providerId="LiveId" clId="{13038F25-CF6D-409F-BD01-5B156A01075F}" dt="2018-07-31T18:23:43.524" v="92" actId="1076"/>
           <ac:spMkLst>
             <pc:docMk/>
             <pc:sldMk cId="0" sldId="303"/>
@@ -368,7 +367,7 @@
           </ac:spMkLst>
         </pc:spChg>
         <pc:picChg chg="add">
-          <ac:chgData name="Tabetha Hopke" userId="5e7e88d54752368c" providerId="LiveId" clId="{13038F25-CF6D-409F-BD01-5B156A01075F}" dt="2018-07-31T18:23:43.524" v="92"/>
+          <ac:chgData name="Tabetha Hopke" userId="5e7e88d54752368c" providerId="LiveId" clId="{13038F25-CF6D-409F-BD01-5B156A01075F}" dt="2018-07-31T18:23:43.524" v="92" actId="1076"/>
           <ac:picMkLst>
             <pc:docMk/>
             <pc:sldMk cId="0" sldId="303"/>
@@ -376,7 +375,7 @@
           </ac:picMkLst>
         </pc:picChg>
         <pc:picChg chg="del">
-          <ac:chgData name="Tabetha Hopke" userId="5e7e88d54752368c" providerId="LiveId" clId="{13038F25-CF6D-409F-BD01-5B156A01075F}" dt="2018-07-31T18:23:41.994" v="91"/>
+          <ac:chgData name="Tabetha Hopke" userId="5e7e88d54752368c" providerId="LiveId" clId="{13038F25-CF6D-409F-BD01-5B156A01075F}" dt="2018-07-31T18:23:41.994" v="91" actId="1076"/>
           <ac:picMkLst>
             <pc:docMk/>
             <pc:sldMk cId="0" sldId="303"/>
@@ -385,7 +384,7 @@
         </pc:picChg>
       </pc:sldChg>
       <pc:sldChg chg="addSp delSp modSp">
-        <pc:chgData name="Tabetha Hopke" userId="5e7e88d54752368c" providerId="LiveId" clId="{13038F25-CF6D-409F-BD01-5B156A01075F}" dt="2018-07-31T18:26:26.897" v="127" actId="20577"/>
+        <pc:chgData name="Tabetha Hopke" userId="5e7e88d54752368c" providerId="LiveId" clId="{13038F25-CF6D-409F-BD01-5B156A01075F}" dt="2018-08-08T17:23:01.418" v="525" actId="20577"/>
         <pc:sldMkLst>
           <pc:docMk/>
           <pc:sldMk cId="0" sldId="305"/>
@@ -399,7 +398,7 @@
           </ac:spMkLst>
         </pc:spChg>
         <pc:spChg chg="add mod">
-          <ac:chgData name="Tabetha Hopke" userId="5e7e88d54752368c" providerId="LiveId" clId="{13038F25-CF6D-409F-BD01-5B156A01075F}" dt="2018-07-31T18:26:26.897" v="127" actId="20577"/>
+          <ac:chgData name="Tabetha Hopke" userId="5e7e88d54752368c" providerId="LiveId" clId="{13038F25-CF6D-409F-BD01-5B156A01075F}" dt="2018-08-08T17:23:01.418" v="525" actId="20577"/>
           <ac:spMkLst>
             <pc:docMk/>
             <pc:sldMk cId="0" sldId="305"/>
@@ -415,100 +414,13 @@
           </ac:spMkLst>
         </pc:spChg>
         <pc:spChg chg="del mod">
-          <ac:chgData name="Tabetha Hopke" userId="5e7e88d54752368c" providerId="LiveId" clId="{13038F25-CF6D-409F-BD01-5B156A01075F}" dt="2018-07-31T18:26:20.976" v="123"/>
+          <ac:chgData name="Tabetha Hopke" userId="5e7e88d54752368c" providerId="LiveId" clId="{13038F25-CF6D-409F-BD01-5B156A01075F}" dt="2018-07-31T18:26:20.976" v="123" actId="20577"/>
           <ac:spMkLst>
             <pc:docMk/>
             <pc:sldMk cId="0" sldId="305"/>
             <ac:spMk id="14339" creationId="{00000000-0000-0000-0000-000000000000}"/>
           </ac:spMkLst>
         </pc:spChg>
-      </pc:sldChg>
-      <pc:sldChg chg="addSp delSp modSp">
-        <pc:chgData name="Tabetha Hopke" userId="5e7e88d54752368c" providerId="LiveId" clId="{13038F25-CF6D-409F-BD01-5B156A01075F}" dt="2018-07-31T18:34:28.360" v="207" actId="1076"/>
-        <pc:sldMkLst>
-          <pc:docMk/>
-          <pc:sldMk cId="0" sldId="309"/>
-        </pc:sldMkLst>
-        <pc:spChg chg="add del mod">
-          <ac:chgData name="Tabetha Hopke" userId="5e7e88d54752368c" providerId="LiveId" clId="{13038F25-CF6D-409F-BD01-5B156A01075F}" dt="2018-07-31T18:34:16.883" v="203"/>
-          <ac:spMkLst>
-            <pc:docMk/>
-            <pc:sldMk cId="0" sldId="309"/>
-            <ac:spMk id="2" creationId="{43674EF1-1271-44FD-BE8A-BF1A026639EC}"/>
-          </ac:spMkLst>
-        </pc:spChg>
-        <pc:spChg chg="add del mod">
-          <ac:chgData name="Tabetha Hopke" userId="5e7e88d54752368c" providerId="LiveId" clId="{13038F25-CF6D-409F-BD01-5B156A01075F}" dt="2018-07-31T18:33:35.063" v="192"/>
-          <ac:spMkLst>
-            <pc:docMk/>
-            <pc:sldMk cId="0" sldId="309"/>
-            <ac:spMk id="3" creationId="{4B9C85F2-52B4-4544-9B91-7BA314EB8D3E}"/>
-          </ac:spMkLst>
-        </pc:spChg>
-        <pc:spChg chg="add del mod">
-          <ac:chgData name="Tabetha Hopke" userId="5e7e88d54752368c" providerId="LiveId" clId="{13038F25-CF6D-409F-BD01-5B156A01075F}" dt="2018-07-31T18:33:40.737" v="193"/>
-          <ac:spMkLst>
-            <pc:docMk/>
-            <pc:sldMk cId="0" sldId="309"/>
-            <ac:spMk id="4" creationId="{7798EE73-7632-4C8F-A4AC-4A312FD40901}"/>
-          </ac:spMkLst>
-        </pc:spChg>
-        <pc:spChg chg="add del mod">
-          <ac:chgData name="Tabetha Hopke" userId="5e7e88d54752368c" providerId="LiveId" clId="{13038F25-CF6D-409F-BD01-5B156A01075F}" dt="2018-07-31T18:33:51.422" v="196"/>
-          <ac:spMkLst>
-            <pc:docMk/>
-            <pc:sldMk cId="0" sldId="309"/>
-            <ac:spMk id="6" creationId="{1126A092-CAC2-4DA3-9355-2562B15A3232}"/>
-          </ac:spMkLst>
-        </pc:spChg>
-        <pc:spChg chg="add mod">
-          <ac:chgData name="Tabetha Hopke" userId="5e7e88d54752368c" providerId="LiveId" clId="{13038F25-CF6D-409F-BD01-5B156A01075F}" dt="2018-07-31T18:34:21.955" v="205"/>
-          <ac:spMkLst>
-            <pc:docMk/>
-            <pc:sldMk cId="0" sldId="309"/>
-            <ac:spMk id="7" creationId="{FE09348E-F022-4522-9559-E33252B0B7A6}"/>
-          </ac:spMkLst>
-        </pc:spChg>
-        <pc:spChg chg="del mod">
-          <ac:chgData name="Tabetha Hopke" userId="5e7e88d54752368c" providerId="LiveId" clId="{13038F25-CF6D-409F-BD01-5B156A01075F}" dt="2018-07-31T18:33:09.814" v="184" actId="478"/>
-          <ac:spMkLst>
-            <pc:docMk/>
-            <pc:sldMk cId="0" sldId="309"/>
-            <ac:spMk id="3076" creationId="{00000000-0000-0000-0000-000000000000}"/>
-          </ac:spMkLst>
-        </pc:spChg>
-        <pc:graphicFrameChg chg="add del">
-          <ac:chgData name="Tabetha Hopke" userId="5e7e88d54752368c" providerId="LiveId" clId="{13038F25-CF6D-409F-BD01-5B156A01075F}" dt="2018-07-31T18:33:47.220" v="194" actId="478"/>
-          <ac:graphicFrameMkLst>
-            <pc:docMk/>
-            <pc:sldMk cId="0" sldId="309"/>
-            <ac:graphicFrameMk id="8" creationId="{72044E76-EE70-44BF-B6A5-FC1731633F3D}"/>
-          </ac:graphicFrameMkLst>
-        </pc:graphicFrameChg>
-        <pc:graphicFrameChg chg="add mod">
-          <ac:chgData name="Tabetha Hopke" userId="5e7e88d54752368c" providerId="LiveId" clId="{13038F25-CF6D-409F-BD01-5B156A01075F}" dt="2018-07-31T18:34:28.360" v="207" actId="1076"/>
-          <ac:graphicFrameMkLst>
-            <pc:docMk/>
-            <pc:sldMk cId="0" sldId="309"/>
-            <ac:graphicFrameMk id="11" creationId="{57D7EC62-409A-4479-B836-FC95DE7D11A5}"/>
-          </ac:graphicFrameMkLst>
-        </pc:graphicFrameChg>
-        <pc:graphicFrameChg chg="del mod">
-          <ac:chgData name="Tabetha Hopke" userId="5e7e88d54752368c" providerId="LiveId" clId="{13038F25-CF6D-409F-BD01-5B156A01075F}" dt="2018-07-31T18:33:49.720" v="195"/>
-          <ac:graphicFrameMkLst>
-            <pc:docMk/>
-            <pc:sldMk cId="0" sldId="309"/>
-            <ac:graphicFrameMk id="3074" creationId="{00000000-0000-0000-0000-000000000000}"/>
-          </ac:graphicFrameMkLst>
-        </pc:graphicFrameChg>
-        <pc:graphicFrameChg chg="mod">
-          <ac:chgData name="Tabetha Hopke" userId="5e7e88d54752368c" providerId="LiveId" clId="{13038F25-CF6D-409F-BD01-5B156A01075F}" dt="2018-07-31T18:34:05.253" v="200" actId="1076"/>
-          <ac:graphicFrameMkLst>
-            <pc:docMk/>
-            <pc:sldMk cId="0" sldId="309"/>
-            <ac:graphicFrameMk id="3075" creationId="{00000000-0000-0000-0000-000000000000}"/>
-          </ac:graphicFrameMkLst>
-        </pc:graphicFrameChg>
       </pc:sldChg>
       <pc:sldChg chg="modSp">
         <pc:chgData name="Tabetha Hopke" userId="5e7e88d54752368c" providerId="LiveId" clId="{13038F25-CF6D-409F-BD01-5B156A01075F}" dt="2018-07-31T18:21:02.116" v="39" actId="20577"/>
@@ -570,29 +482,45 @@
           </ac:graphicFrameMkLst>
         </pc:graphicFrameChg>
       </pc:sldChg>
-      <pc:sldChg chg="delSp modSp">
-        <pc:chgData name="Tabetha Hopke" userId="5e7e88d54752368c" providerId="LiveId" clId="{13038F25-CF6D-409F-BD01-5B156A01075F}" dt="2018-07-31T18:25:07.924" v="106" actId="478"/>
+      <pc:sldChg chg="modSp">
+        <pc:chgData name="Tabetha Hopke" userId="5e7e88d54752368c" providerId="LiveId" clId="{13038F25-CF6D-409F-BD01-5B156A01075F}" dt="2018-07-31T19:28:39.132" v="295" actId="115"/>
         <pc:sldMkLst>
           <pc:docMk/>
-          <pc:sldMk cId="2037292784" sldId="319"/>
+          <pc:sldMk cId="2139327827" sldId="320"/>
         </pc:sldMkLst>
-        <pc:spChg chg="del mod">
-          <ac:chgData name="Tabetha Hopke" userId="5e7e88d54752368c" providerId="LiveId" clId="{13038F25-CF6D-409F-BD01-5B156A01075F}" dt="2018-07-31T18:25:07.924" v="106" actId="478"/>
-          <ac:spMkLst>
+        <pc:graphicFrameChg chg="mod modGraphic">
+          <ac:chgData name="Tabetha Hopke" userId="5e7e88d54752368c" providerId="LiveId" clId="{13038F25-CF6D-409F-BD01-5B156A01075F}" dt="2018-07-31T19:28:39.132" v="295" actId="115"/>
+          <ac:graphicFrameMkLst>
             <pc:docMk/>
-            <pc:sldMk cId="2037292784" sldId="319"/>
-            <ac:spMk id="16" creationId="{00000000-0000-0000-0000-000000000000}"/>
-          </ac:spMkLst>
-        </pc:spChg>
+            <pc:sldMk cId="2139327827" sldId="320"/>
+            <ac:graphicFrameMk id="4" creationId="{00000000-0000-0000-0000-000000000000}"/>
+          </ac:graphicFrameMkLst>
+        </pc:graphicFrameChg>
       </pc:sldChg>
-      <pc:sldChg chg="delSp modSp">
-        <pc:chgData name="Tabetha Hopke" userId="5e7e88d54752368c" providerId="LiveId" clId="{13038F25-CF6D-409F-BD01-5B156A01075F}" dt="2018-07-31T18:25:34.712" v="108" actId="14100"/>
+      <pc:sldChg chg="addSp delSp modSp modNotesTx">
+        <pc:chgData name="Tabetha Hopke" userId="5e7e88d54752368c" providerId="LiveId" clId="{13038F25-CF6D-409F-BD01-5B156A01075F}" dt="2018-07-31T20:25:51.675" v="509"/>
         <pc:sldMkLst>
           <pc:docMk/>
           <pc:sldMk cId="3329505346" sldId="322"/>
         </pc:sldMkLst>
-        <pc:spChg chg="mod">
-          <ac:chgData name="Tabetha Hopke" userId="5e7e88d54752368c" providerId="LiveId" clId="{13038F25-CF6D-409F-BD01-5B156A01075F}" dt="2018-07-31T18:25:34.712" v="108" actId="14100"/>
+        <pc:spChg chg="add del">
+          <ac:chgData name="Tabetha Hopke" userId="5e7e88d54752368c" providerId="LiveId" clId="{13038F25-CF6D-409F-BD01-5B156A01075F}" dt="2018-07-31T20:21:43.129" v="449"/>
+          <ac:spMkLst>
+            <pc:docMk/>
+            <pc:sldMk cId="3329505346" sldId="322"/>
+            <ac:spMk id="2" creationId="{4150BB5F-FF69-4997-BDED-9E65C77E0027}"/>
+          </ac:spMkLst>
+        </pc:spChg>
+        <pc:spChg chg="add del">
+          <ac:chgData name="Tabetha Hopke" userId="5e7e88d54752368c" providerId="LiveId" clId="{13038F25-CF6D-409F-BD01-5B156A01075F}" dt="2018-07-31T20:25:51.675" v="509"/>
+          <ac:spMkLst>
+            <pc:docMk/>
+            <pc:sldMk cId="3329505346" sldId="322"/>
+            <ac:spMk id="3" creationId="{CB66B010-C5EA-47FE-8230-01D0A65EE298}"/>
+          </ac:spMkLst>
+        </pc:spChg>
+        <pc:spChg chg="del mod">
+          <ac:chgData name="Tabetha Hopke" userId="5e7e88d54752368c" providerId="LiveId" clId="{13038F25-CF6D-409F-BD01-5B156A01075F}" dt="2018-07-31T20:22:40.975" v="457" actId="478"/>
           <ac:spMkLst>
             <pc:docMk/>
             <pc:sldMk cId="3329505346" sldId="322"/>
@@ -615,15 +543,23 @@
             <ac:spMk id="13" creationId="{00000000-0000-0000-0000-000000000000}"/>
           </ac:spMkLst>
         </pc:spChg>
+        <pc:graphicFrameChg chg="add del mod">
+          <ac:chgData name="Tabetha Hopke" userId="5e7e88d54752368c" providerId="LiveId" clId="{13038F25-CF6D-409F-BD01-5B156A01075F}" dt="2018-07-31T20:24:36.745" v="507" actId="478"/>
+          <ac:graphicFrameMkLst>
+            <pc:docMk/>
+            <pc:sldMk cId="3329505346" sldId="322"/>
+            <ac:graphicFrameMk id="13" creationId="{C02E7B43-1341-43B6-88CC-7EDF7DC75035}"/>
+          </ac:graphicFrameMkLst>
+        </pc:graphicFrameChg>
       </pc:sldChg>
       <pc:sldChg chg="modSp">
-        <pc:chgData name="Tabetha Hopke" userId="5e7e88d54752368c" providerId="LiveId" clId="{13038F25-CF6D-409F-BD01-5B156A01075F}" dt="2018-07-31T18:26:58.126" v="138" actId="20577"/>
+        <pc:chgData name="Tabetha Hopke" userId="5e7e88d54752368c" providerId="LiveId" clId="{13038F25-CF6D-409F-BD01-5B156A01075F}" dt="2018-08-08T17:23:23.380" v="527" actId="20577"/>
         <pc:sldMkLst>
           <pc:docMk/>
           <pc:sldMk cId="2148708099" sldId="323"/>
         </pc:sldMkLst>
-        <pc:graphicFrameChg chg="modGraphic">
-          <ac:chgData name="Tabetha Hopke" userId="5e7e88d54752368c" providerId="LiveId" clId="{13038F25-CF6D-409F-BD01-5B156A01075F}" dt="2018-07-31T18:26:58.126" v="138" actId="20577"/>
+        <pc:graphicFrameChg chg="mod modGraphic">
+          <ac:chgData name="Tabetha Hopke" userId="5e7e88d54752368c" providerId="LiveId" clId="{13038F25-CF6D-409F-BD01-5B156A01075F}" dt="2018-08-08T17:23:23.380" v="527" actId="20577"/>
           <ac:graphicFrameMkLst>
             <pc:docMk/>
             <pc:sldMk cId="2148708099" sldId="323"/>
@@ -632,13 +568,13 @@
         </pc:graphicFrameChg>
       </pc:sldChg>
       <pc:sldChg chg="modSp">
-        <pc:chgData name="Tabetha Hopke" userId="5e7e88d54752368c" providerId="LiveId" clId="{13038F25-CF6D-409F-BD01-5B156A01075F}" dt="2018-07-31T18:27:23.625" v="141"/>
+        <pc:chgData name="Tabetha Hopke" userId="5e7e88d54752368c" providerId="LiveId" clId="{13038F25-CF6D-409F-BD01-5B156A01075F}" dt="2018-07-31T18:27:23.625" v="141" actId="1076"/>
         <pc:sldMkLst>
           <pc:docMk/>
           <pc:sldMk cId="236248749" sldId="331"/>
         </pc:sldMkLst>
         <pc:spChg chg="mod">
-          <ac:chgData name="Tabetha Hopke" userId="5e7e88d54752368c" providerId="LiveId" clId="{13038F25-CF6D-409F-BD01-5B156A01075F}" dt="2018-07-31T18:27:23.625" v="141"/>
+          <ac:chgData name="Tabetha Hopke" userId="5e7e88d54752368c" providerId="LiveId" clId="{13038F25-CF6D-409F-BD01-5B156A01075F}" dt="2018-07-31T18:27:23.625" v="141" actId="1076"/>
           <ac:spMkLst>
             <pc:docMk/>
             <pc:sldMk cId="236248749" sldId="331"/>
@@ -647,13 +583,139 @@
         </pc:spChg>
       </pc:sldChg>
       <pc:sldChg chg="modSp">
-        <pc:chgData name="Tabetha Hopke" userId="5e7e88d54752368c" providerId="LiveId" clId="{13038F25-CF6D-409F-BD01-5B156A01075F}" dt="2018-07-31T18:31:22.991" v="169" actId="20577"/>
+        <pc:chgData name="Tabetha Hopke" userId="5e7e88d54752368c" providerId="LiveId" clId="{13038F25-CF6D-409F-BD01-5B156A01075F}" dt="2018-08-08T17:25:27.678" v="572" actId="20577"/>
+        <pc:sldMkLst>
+          <pc:docMk/>
+          <pc:sldMk cId="1207367642" sldId="333"/>
+        </pc:sldMkLst>
+        <pc:spChg chg="mod">
+          <ac:chgData name="Tabetha Hopke" userId="5e7e88d54752368c" providerId="LiveId" clId="{13038F25-CF6D-409F-BD01-5B156A01075F}" dt="2018-08-08T17:25:27.678" v="572" actId="20577"/>
+          <ac:spMkLst>
+            <pc:docMk/>
+            <pc:sldMk cId="1207367642" sldId="333"/>
+            <ac:spMk id="3" creationId="{00000000-0000-0000-0000-000000000000}"/>
+          </ac:spMkLst>
+        </pc:spChg>
+      </pc:sldChg>
+      <pc:sldChg chg="modSp modNotesTx">
+        <pc:chgData name="Tabetha Hopke" userId="5e7e88d54752368c" providerId="LiveId" clId="{13038F25-CF6D-409F-BD01-5B156A01075F}" dt="2018-07-31T19:32:42.309" v="391" actId="20577"/>
+        <pc:sldMkLst>
+          <pc:docMk/>
+          <pc:sldMk cId="2054314433" sldId="334"/>
+        </pc:sldMkLst>
+        <pc:graphicFrameChg chg="modGraphic">
+          <ac:chgData name="Tabetha Hopke" userId="5e7e88d54752368c" providerId="LiveId" clId="{13038F25-CF6D-409F-BD01-5B156A01075F}" dt="2018-07-31T19:32:17.728" v="337" actId="2165"/>
+          <ac:graphicFrameMkLst>
+            <pc:docMk/>
+            <pc:sldMk cId="2054314433" sldId="334"/>
+            <ac:graphicFrameMk id="4" creationId="{00000000-0000-0000-0000-000000000000}"/>
+          </ac:graphicFrameMkLst>
+        </pc:graphicFrameChg>
+      </pc:sldChg>
+      <pc:sldChg chg="del">
+        <pc:chgData name="Tabetha Hopke" userId="5e7e88d54752368c" providerId="LiveId" clId="{13038F25-CF6D-409F-BD01-5B156A01075F}" dt="2018-08-08T17:25:40.260" v="573" actId="2696"/>
+        <pc:sldMkLst>
+          <pc:docMk/>
+          <pc:sldMk cId="655488153" sldId="335"/>
+        </pc:sldMkLst>
+      </pc:sldChg>
+      <pc:sldChg chg="del">
+        <pc:chgData name="Tabetha Hopke" userId="5e7e88d54752368c" providerId="LiveId" clId="{13038F25-CF6D-409F-BD01-5B156A01075F}" dt="2018-08-08T17:25:41.765" v="574" actId="2696"/>
+        <pc:sldMkLst>
+          <pc:docMk/>
+          <pc:sldMk cId="1811604509" sldId="336"/>
+        </pc:sldMkLst>
+      </pc:sldChg>
+      <pc:sldChg chg="del">
+        <pc:chgData name="Tabetha Hopke" userId="5e7e88d54752368c" providerId="LiveId" clId="{13038F25-CF6D-409F-BD01-5B156A01075F}" dt="2018-08-08T17:25:43.981" v="575" actId="2696"/>
+        <pc:sldMkLst>
+          <pc:docMk/>
+          <pc:sldMk cId="1426256101" sldId="337"/>
+        </pc:sldMkLst>
+      </pc:sldChg>
+      <pc:sldChg chg="del">
+        <pc:chgData name="Tabetha Hopke" userId="5e7e88d54752368c" providerId="LiveId" clId="{13038F25-CF6D-409F-BD01-5B156A01075F}" dt="2018-08-08T17:25:46.875" v="576" actId="2696"/>
+        <pc:sldMkLst>
+          <pc:docMk/>
+          <pc:sldMk cId="1837931494" sldId="338"/>
+        </pc:sldMkLst>
+      </pc:sldChg>
+      <pc:sldChg chg="modSp">
+        <pc:chgData name="Tabetha Hopke" userId="5e7e88d54752368c" providerId="LiveId" clId="{13038F25-CF6D-409F-BD01-5B156A01075F}" dt="2018-07-31T19:30:52.167" v="308" actId="20577"/>
+        <pc:sldMkLst>
+          <pc:docMk/>
+          <pc:sldMk cId="1179435045" sldId="339"/>
+        </pc:sldMkLst>
+        <pc:spChg chg="mod">
+          <ac:chgData name="Tabetha Hopke" userId="5e7e88d54752368c" providerId="LiveId" clId="{13038F25-CF6D-409F-BD01-5B156A01075F}" dt="2018-07-31T19:30:52.167" v="308" actId="20577"/>
+          <ac:spMkLst>
+            <pc:docMk/>
+            <pc:sldMk cId="1179435045" sldId="339"/>
+            <ac:spMk id="3" creationId="{00000000-0000-0000-0000-000000000000}"/>
+          </ac:spMkLst>
+        </pc:spChg>
+      </pc:sldChg>
+      <pc:sldChg chg="addSp delSp modSp modNotesTx">
+        <pc:chgData name="Tabetha Hopke" userId="5e7e88d54752368c" providerId="LiveId" clId="{13038F25-CF6D-409F-BD01-5B156A01075F}" dt="2018-08-08T17:26:40.222" v="585" actId="20577"/>
+        <pc:sldMkLst>
+          <pc:docMk/>
+          <pc:sldMk cId="1821122758" sldId="341"/>
+        </pc:sldMkLst>
+        <pc:spChg chg="mod">
+          <ac:chgData name="Tabetha Hopke" userId="5e7e88d54752368c" providerId="LiveId" clId="{13038F25-CF6D-409F-BD01-5B156A01075F}" dt="2018-08-08T17:26:02.825" v="577" actId="6549"/>
+          <ac:spMkLst>
+            <pc:docMk/>
+            <pc:sldMk cId="1821122758" sldId="341"/>
+            <ac:spMk id="3" creationId="{00000000-0000-0000-0000-000000000000}"/>
+          </ac:spMkLst>
+        </pc:spChg>
+        <pc:spChg chg="del mod">
+          <ac:chgData name="Tabetha Hopke" userId="5e7e88d54752368c" providerId="LiveId" clId="{13038F25-CF6D-409F-BD01-5B156A01075F}" dt="2018-08-08T17:26:34.096" v="583" actId="478"/>
+          <ac:spMkLst>
+            <pc:docMk/>
+            <pc:sldMk cId="1821122758" sldId="341"/>
+            <ac:spMk id="4" creationId="{00000000-0000-0000-0000-000000000000}"/>
+          </ac:spMkLst>
+        </pc:spChg>
+        <pc:picChg chg="add mod">
+          <ac:chgData name="Tabetha Hopke" userId="5e7e88d54752368c" providerId="LiveId" clId="{13038F25-CF6D-409F-BD01-5B156A01075F}" dt="2018-08-08T17:26:22.537" v="580" actId="1076"/>
+          <ac:picMkLst>
+            <pc:docMk/>
+            <pc:sldMk cId="1821122758" sldId="341"/>
+            <ac:picMk id="5" creationId="{55525AA7-2F58-48A9-8923-7E09025A3A3C}"/>
+          </ac:picMkLst>
+        </pc:picChg>
+      </pc:sldChg>
+      <pc:sldChg chg="modSp">
+        <pc:chgData name="Tabetha Hopke" userId="5e7e88d54752368c" providerId="LiveId" clId="{13038F25-CF6D-409F-BD01-5B156A01075F}" dt="2018-08-08T17:29:21.982" v="617" actId="20577"/>
+        <pc:sldMkLst>
+          <pc:docMk/>
+          <pc:sldMk cId="207572466" sldId="342"/>
+        </pc:sldMkLst>
+        <pc:spChg chg="mod">
+          <ac:chgData name="Tabetha Hopke" userId="5e7e88d54752368c" providerId="LiveId" clId="{13038F25-CF6D-409F-BD01-5B156A01075F}" dt="2018-08-08T17:29:21.982" v="617" actId="20577"/>
+          <ac:spMkLst>
+            <pc:docMk/>
+            <pc:sldMk cId="207572466" sldId="342"/>
+            <ac:spMk id="3" creationId="{00000000-0000-0000-0000-000000000000}"/>
+          </ac:spMkLst>
+        </pc:spChg>
+      </pc:sldChg>
+      <pc:sldChg chg="del">
+        <pc:chgData name="Tabetha Hopke" userId="5e7e88d54752368c" providerId="LiveId" clId="{13038F25-CF6D-409F-BD01-5B156A01075F}" dt="2018-08-08T17:29:25.071" v="618" actId="2696"/>
+        <pc:sldMkLst>
+          <pc:docMk/>
+          <pc:sldMk cId="13709544" sldId="344"/>
+        </pc:sldMkLst>
+      </pc:sldChg>
+      <pc:sldChg chg="modSp">
+        <pc:chgData name="Tabetha Hopke" userId="5e7e88d54752368c" providerId="LiveId" clId="{13038F25-CF6D-409F-BD01-5B156A01075F}" dt="2018-08-08T17:30:06.398" v="623" actId="20577"/>
         <pc:sldMkLst>
           <pc:docMk/>
           <pc:sldMk cId="1336984490" sldId="346"/>
         </pc:sldMkLst>
         <pc:spChg chg="mod">
-          <ac:chgData name="Tabetha Hopke" userId="5e7e88d54752368c" providerId="LiveId" clId="{13038F25-CF6D-409F-BD01-5B156A01075F}" dt="2018-07-31T18:31:22.991" v="169" actId="20577"/>
+          <ac:chgData name="Tabetha Hopke" userId="5e7e88d54752368c" providerId="LiveId" clId="{13038F25-CF6D-409F-BD01-5B156A01075F}" dt="2018-08-08T17:30:06.398" v="623" actId="20577"/>
           <ac:spMkLst>
             <pc:docMk/>
             <pc:sldMk cId="1336984490" sldId="346"/>
@@ -661,6 +723,346 @@
           </ac:spMkLst>
         </pc:spChg>
       </pc:sldChg>
+      <pc:sldChg chg="del">
+        <pc:chgData name="Tabetha Hopke" userId="5e7e88d54752368c" providerId="LiveId" clId="{13038F25-CF6D-409F-BD01-5B156A01075F}" dt="2018-08-08T17:31:17.641" v="624" actId="2696"/>
+        <pc:sldMkLst>
+          <pc:docMk/>
+          <pc:sldMk cId="1978445837" sldId="347"/>
+        </pc:sldMkLst>
+      </pc:sldChg>
+      <pc:sldChg chg="addSp modSp add">
+        <pc:chgData name="Tabetha Hopke" userId="5e7e88d54752368c" providerId="LiveId" clId="{13038F25-CF6D-409F-BD01-5B156A01075F}" dt="2018-08-08T17:35:50.471" v="872" actId="1076"/>
+        <pc:sldMkLst>
+          <pc:docMk/>
+          <pc:sldMk cId="3623156821" sldId="347"/>
+        </pc:sldMkLst>
+        <pc:spChg chg="mod">
+          <ac:chgData name="Tabetha Hopke" userId="5e7e88d54752368c" providerId="LiveId" clId="{13038F25-CF6D-409F-BD01-5B156A01075F}" dt="2018-08-08T17:31:27.139" v="636" actId="20577"/>
+          <ac:spMkLst>
+            <pc:docMk/>
+            <pc:sldMk cId="3623156821" sldId="347"/>
+            <ac:spMk id="2" creationId="{184F3D04-E01B-46FB-9838-6EA747A4112D}"/>
+          </ac:spMkLst>
+        </pc:spChg>
+        <pc:spChg chg="mod">
+          <ac:chgData name="Tabetha Hopke" userId="5e7e88d54752368c" providerId="LiveId" clId="{13038F25-CF6D-409F-BD01-5B156A01075F}" dt="2018-08-08T17:35:25.202" v="866" actId="20577"/>
+          <ac:spMkLst>
+            <pc:docMk/>
+            <pc:sldMk cId="3623156821" sldId="347"/>
+            <ac:spMk id="3" creationId="{0A66CF44-B4AD-41BF-A239-3C9468E02FC0}"/>
+          </ac:spMkLst>
+        </pc:spChg>
+        <pc:picChg chg="add mod modCrop">
+          <ac:chgData name="Tabetha Hopke" userId="5e7e88d54752368c" providerId="LiveId" clId="{13038F25-CF6D-409F-BD01-5B156A01075F}" dt="2018-08-08T17:35:50.471" v="872" actId="1076"/>
+          <ac:picMkLst>
+            <pc:docMk/>
+            <pc:sldMk cId="3623156821" sldId="347"/>
+            <ac:picMk id="4" creationId="{9B936519-F592-42B5-90E7-71544405D72F}"/>
+          </ac:picMkLst>
+        </pc:picChg>
+      </pc:sldChg>
+      <pc:sldChg chg="addSp modSp add">
+        <pc:chgData name="Tabetha Hopke" userId="5e7e88d54752368c" providerId="LiveId" clId="{13038F25-CF6D-409F-BD01-5B156A01075F}" dt="2018-08-08T17:39:17.922" v="1114"/>
+        <pc:sldMkLst>
+          <pc:docMk/>
+          <pc:sldMk cId="1812530148" sldId="348"/>
+        </pc:sldMkLst>
+        <pc:spChg chg="mod">
+          <ac:chgData name="Tabetha Hopke" userId="5e7e88d54752368c" providerId="LiveId" clId="{13038F25-CF6D-409F-BD01-5B156A01075F}" dt="2018-08-08T17:36:01.319" v="884" actId="20577"/>
+          <ac:spMkLst>
+            <pc:docMk/>
+            <pc:sldMk cId="1812530148" sldId="348"/>
+            <ac:spMk id="2" creationId="{2D646D89-BEF7-4015-BC97-7B1CCE0FFDE6}"/>
+          </ac:spMkLst>
+        </pc:spChg>
+        <pc:spChg chg="mod">
+          <ac:chgData name="Tabetha Hopke" userId="5e7e88d54752368c" providerId="LiveId" clId="{13038F25-CF6D-409F-BD01-5B156A01075F}" dt="2018-08-08T17:37:36.930" v="1101" actId="20577"/>
+          <ac:spMkLst>
+            <pc:docMk/>
+            <pc:sldMk cId="1812530148" sldId="348"/>
+            <ac:spMk id="3" creationId="{E1BE9584-3D3D-4422-AA6A-BD706F6853F6}"/>
+          </ac:spMkLst>
+        </pc:spChg>
+        <pc:spChg chg="add mod">
+          <ac:chgData name="Tabetha Hopke" userId="5e7e88d54752368c" providerId="LiveId" clId="{13038F25-CF6D-409F-BD01-5B156A01075F}" dt="2018-08-08T17:39:17.922" v="1114"/>
+          <ac:spMkLst>
+            <pc:docMk/>
+            <pc:sldMk cId="1812530148" sldId="348"/>
+            <ac:spMk id="5" creationId="{28B256DE-F29C-45A9-B297-246C4CE09761}"/>
+          </ac:spMkLst>
+        </pc:spChg>
+        <pc:picChg chg="add mod modCrop">
+          <ac:chgData name="Tabetha Hopke" userId="5e7e88d54752368c" providerId="LiveId" clId="{13038F25-CF6D-409F-BD01-5B156A01075F}" dt="2018-08-08T17:38:23.264" v="1106" actId="1076"/>
+          <ac:picMkLst>
+            <pc:docMk/>
+            <pc:sldMk cId="1812530148" sldId="348"/>
+            <ac:picMk id="4" creationId="{52ACDBFC-7C7C-4FC6-83E2-BB00BD5F48DA}"/>
+          </ac:picMkLst>
+        </pc:picChg>
+        <pc:picChg chg="add mod modCrop">
+          <ac:chgData name="Tabetha Hopke" userId="5e7e88d54752368c" providerId="LiveId" clId="{13038F25-CF6D-409F-BD01-5B156A01075F}" dt="2018-08-08T17:38:55.734" v="1112" actId="1076"/>
+          <ac:picMkLst>
+            <pc:docMk/>
+            <pc:sldMk cId="1812530148" sldId="348"/>
+            <ac:picMk id="6" creationId="{81C76028-E6AF-4C5E-96CC-57D7C7118ADB}"/>
+          </ac:picMkLst>
+        </pc:picChg>
+      </pc:sldChg>
+      <pc:sldChg chg="modSp add">
+        <pc:chgData name="Tabetha Hopke" userId="5e7e88d54752368c" providerId="LiveId" clId="{13038F25-CF6D-409F-BD01-5B156A01075F}" dt="2018-08-08T17:44:22.550" v="1597" actId="20577"/>
+        <pc:sldMkLst>
+          <pc:docMk/>
+          <pc:sldMk cId="1625740698" sldId="349"/>
+        </pc:sldMkLst>
+        <pc:spChg chg="mod">
+          <ac:chgData name="Tabetha Hopke" userId="5e7e88d54752368c" providerId="LiveId" clId="{13038F25-CF6D-409F-BD01-5B156A01075F}" dt="2018-08-08T17:39:36.266" v="1126" actId="20577"/>
+          <ac:spMkLst>
+            <pc:docMk/>
+            <pc:sldMk cId="1625740698" sldId="349"/>
+            <ac:spMk id="2" creationId="{8F4D65DA-04B7-4FD8-AC38-E84C1D807F67}"/>
+          </ac:spMkLst>
+        </pc:spChg>
+        <pc:spChg chg="mod">
+          <ac:chgData name="Tabetha Hopke" userId="5e7e88d54752368c" providerId="LiveId" clId="{13038F25-CF6D-409F-BD01-5B156A01075F}" dt="2018-08-08T17:44:22.550" v="1597" actId="20577"/>
+          <ac:spMkLst>
+            <pc:docMk/>
+            <pc:sldMk cId="1625740698" sldId="349"/>
+            <ac:spMk id="3" creationId="{6EF64C3B-6B27-4C5F-B7D9-7F24D175E288}"/>
+          </ac:spMkLst>
+        </pc:spChg>
+      </pc:sldChg>
+      <pc:sldChg chg="addSp modSp add">
+        <pc:chgData name="Tabetha Hopke" userId="5e7e88d54752368c" providerId="LiveId" clId="{13038F25-CF6D-409F-BD01-5B156A01075F}" dt="2018-08-08T17:48:51.653" v="2040" actId="20577"/>
+        <pc:sldMkLst>
+          <pc:docMk/>
+          <pc:sldMk cId="991879815" sldId="350"/>
+        </pc:sldMkLst>
+        <pc:spChg chg="mod">
+          <ac:chgData name="Tabetha Hopke" userId="5e7e88d54752368c" providerId="LiveId" clId="{13038F25-CF6D-409F-BD01-5B156A01075F}" dt="2018-08-08T17:44:33.583" v="1611" actId="20577"/>
+          <ac:spMkLst>
+            <pc:docMk/>
+            <pc:sldMk cId="991879815" sldId="350"/>
+            <ac:spMk id="2" creationId="{27B558F6-2363-4FA4-8394-B462E770E2C9}"/>
+          </ac:spMkLst>
+        </pc:spChg>
+        <pc:spChg chg="mod">
+          <ac:chgData name="Tabetha Hopke" userId="5e7e88d54752368c" providerId="LiveId" clId="{13038F25-CF6D-409F-BD01-5B156A01075F}" dt="2018-08-08T17:48:51.653" v="2040" actId="20577"/>
+          <ac:spMkLst>
+            <pc:docMk/>
+            <pc:sldMk cId="991879815" sldId="350"/>
+            <ac:spMk id="3" creationId="{3A0680D2-997A-4E81-9AD9-96F1DA91DA24}"/>
+          </ac:spMkLst>
+        </pc:spChg>
+        <pc:picChg chg="add mod">
+          <ac:chgData name="Tabetha Hopke" userId="5e7e88d54752368c" providerId="LiveId" clId="{13038F25-CF6D-409F-BD01-5B156A01075F}" dt="2018-08-08T17:45:42.208" v="1660" actId="1076"/>
+          <ac:picMkLst>
+            <pc:docMk/>
+            <pc:sldMk cId="991879815" sldId="350"/>
+            <ac:picMk id="4" creationId="{A9B58C7D-91B1-4735-AE75-81BC226619C2}"/>
+          </ac:picMkLst>
+        </pc:picChg>
+      </pc:sldChg>
+      <pc:sldChg chg="addSp modSp add">
+        <pc:chgData name="Tabetha Hopke" userId="5e7e88d54752368c" providerId="LiveId" clId="{13038F25-CF6D-409F-BD01-5B156A01075F}" dt="2018-08-08T17:52:55.935" v="2229" actId="1076"/>
+        <pc:sldMkLst>
+          <pc:docMk/>
+          <pc:sldMk cId="2550090494" sldId="351"/>
+        </pc:sldMkLst>
+        <pc:spChg chg="mod">
+          <ac:chgData name="Tabetha Hopke" userId="5e7e88d54752368c" providerId="LiveId" clId="{13038F25-CF6D-409F-BD01-5B156A01075F}" dt="2018-08-08T17:49:18.557" v="2052" actId="20577"/>
+          <ac:spMkLst>
+            <pc:docMk/>
+            <pc:sldMk cId="2550090494" sldId="351"/>
+            <ac:spMk id="2" creationId="{88358F18-1246-4FB8-8277-7A7A21E59794}"/>
+          </ac:spMkLst>
+        </pc:spChg>
+        <pc:spChg chg="mod">
+          <ac:chgData name="Tabetha Hopke" userId="5e7e88d54752368c" providerId="LiveId" clId="{13038F25-CF6D-409F-BD01-5B156A01075F}" dt="2018-08-08T17:51:44.610" v="2214" actId="20577"/>
+          <ac:spMkLst>
+            <pc:docMk/>
+            <pc:sldMk cId="2550090494" sldId="351"/>
+            <ac:spMk id="3" creationId="{589874D7-4F10-4B40-B893-08A570AB4363}"/>
+          </ac:spMkLst>
+        </pc:spChg>
+        <pc:picChg chg="add mod">
+          <ac:chgData name="Tabetha Hopke" userId="5e7e88d54752368c" providerId="LiveId" clId="{13038F25-CF6D-409F-BD01-5B156A01075F}" dt="2018-08-08T17:52:00.112" v="2216" actId="1076"/>
+          <ac:picMkLst>
+            <pc:docMk/>
+            <pc:sldMk cId="2550090494" sldId="351"/>
+            <ac:picMk id="4" creationId="{BB69864C-FE35-4C86-A346-F532DE04A008}"/>
+          </ac:picMkLst>
+        </pc:picChg>
+        <pc:picChg chg="add mod">
+          <ac:chgData name="Tabetha Hopke" userId="5e7e88d54752368c" providerId="LiveId" clId="{13038F25-CF6D-409F-BD01-5B156A01075F}" dt="2018-08-08T17:52:55.935" v="2229" actId="1076"/>
+          <ac:picMkLst>
+            <pc:docMk/>
+            <pc:sldMk cId="2550090494" sldId="351"/>
+            <ac:picMk id="5" creationId="{94BC08D7-9308-4F7F-B816-92E19EFE7F62}"/>
+          </ac:picMkLst>
+        </pc:picChg>
+      </pc:sldChg>
+      <pc:sldChg chg="addSp modSp add">
+        <pc:chgData name="Tabetha Hopke" userId="5e7e88d54752368c" providerId="LiveId" clId="{13038F25-CF6D-409F-BD01-5B156A01075F}" dt="2018-08-08T17:53:52.143" v="2347" actId="1076"/>
+        <pc:sldMkLst>
+          <pc:docMk/>
+          <pc:sldMk cId="2879575017" sldId="352"/>
+        </pc:sldMkLst>
+        <pc:spChg chg="mod">
+          <ac:chgData name="Tabetha Hopke" userId="5e7e88d54752368c" providerId="LiveId" clId="{13038F25-CF6D-409F-BD01-5B156A01075F}" dt="2018-08-08T17:53:13.911" v="2245" actId="20577"/>
+          <ac:spMkLst>
+            <pc:docMk/>
+            <pc:sldMk cId="2879575017" sldId="352"/>
+            <ac:spMk id="2" creationId="{CB788A03-1E9A-4932-AFE7-D884B1D38324}"/>
+          </ac:spMkLst>
+        </pc:spChg>
+        <pc:spChg chg="mod">
+          <ac:chgData name="Tabetha Hopke" userId="5e7e88d54752368c" providerId="LiveId" clId="{13038F25-CF6D-409F-BD01-5B156A01075F}" dt="2018-08-08T17:53:47.163" v="2346" actId="20577"/>
+          <ac:spMkLst>
+            <pc:docMk/>
+            <pc:sldMk cId="2879575017" sldId="352"/>
+            <ac:spMk id="3" creationId="{F32BE9EE-124D-4ADC-AF2D-4E0465DEF110}"/>
+          </ac:spMkLst>
+        </pc:spChg>
+        <pc:picChg chg="add mod">
+          <ac:chgData name="Tabetha Hopke" userId="5e7e88d54752368c" providerId="LiveId" clId="{13038F25-CF6D-409F-BD01-5B156A01075F}" dt="2018-08-08T17:53:52.143" v="2347" actId="1076"/>
+          <ac:picMkLst>
+            <pc:docMk/>
+            <pc:sldMk cId="2879575017" sldId="352"/>
+            <ac:picMk id="4" creationId="{FDCF41A5-C4B9-4B99-9F67-E2AD24B55ABD}"/>
+          </ac:picMkLst>
+        </pc:picChg>
+      </pc:sldChg>
+      <pc:sldChg chg="addSp modSp add">
+        <pc:chgData name="Tabetha Hopke" userId="5e7e88d54752368c" providerId="LiveId" clId="{13038F25-CF6D-409F-BD01-5B156A01075F}" dt="2018-08-08T17:56:24.832" v="2373" actId="1076"/>
+        <pc:sldMkLst>
+          <pc:docMk/>
+          <pc:sldMk cId="2733884956" sldId="353"/>
+        </pc:sldMkLst>
+        <pc:spChg chg="mod">
+          <ac:chgData name="Tabetha Hopke" userId="5e7e88d54752368c" providerId="LiveId" clId="{13038F25-CF6D-409F-BD01-5B156A01075F}" dt="2018-08-08T17:54:01.194" v="2361" actId="20577"/>
+          <ac:spMkLst>
+            <pc:docMk/>
+            <pc:sldMk cId="2733884956" sldId="353"/>
+            <ac:spMk id="2" creationId="{362A1E0F-03AA-431A-A1B0-6AFBC89C6B8A}"/>
+          </ac:spMkLst>
+        </pc:spChg>
+        <pc:spChg chg="mod">
+          <ac:chgData name="Tabetha Hopke" userId="5e7e88d54752368c" providerId="LiveId" clId="{13038F25-CF6D-409F-BD01-5B156A01075F}" dt="2018-08-08T17:55:22.591" v="2367" actId="20577"/>
+          <ac:spMkLst>
+            <pc:docMk/>
+            <pc:sldMk cId="2733884956" sldId="353"/>
+            <ac:spMk id="3" creationId="{6527D935-1F48-4574-8080-6EC37C18FE39}"/>
+          </ac:spMkLst>
+        </pc:spChg>
+        <pc:picChg chg="add mod">
+          <ac:chgData name="Tabetha Hopke" userId="5e7e88d54752368c" providerId="LiveId" clId="{13038F25-CF6D-409F-BD01-5B156A01075F}" dt="2018-08-08T17:56:24.832" v="2373" actId="1076"/>
+          <ac:picMkLst>
+            <pc:docMk/>
+            <pc:sldMk cId="2733884956" sldId="353"/>
+            <ac:picMk id="4" creationId="{147AF958-701A-4FEA-92BE-1A4E21462028}"/>
+          </ac:picMkLst>
+        </pc:picChg>
+        <pc:picChg chg="add mod">
+          <ac:chgData name="Tabetha Hopke" userId="5e7e88d54752368c" providerId="LiveId" clId="{13038F25-CF6D-409F-BD01-5B156A01075F}" dt="2018-08-08T17:56:22.947" v="2372" actId="1076"/>
+          <ac:picMkLst>
+            <pc:docMk/>
+            <pc:sldMk cId="2733884956" sldId="353"/>
+            <ac:picMk id="5" creationId="{01ACE675-5A4C-439E-B753-3D88944F13B6}"/>
+          </ac:picMkLst>
+        </pc:picChg>
+      </pc:sldChg>
+      <pc:sldMasterChg chg="modSp modSldLayout">
+        <pc:chgData name="Tabetha Hopke" userId="5e7e88d54752368c" providerId="LiveId" clId="{13038F25-CF6D-409F-BD01-5B156A01075F}" dt="2018-08-08T17:22:10.166" v="519" actId="255"/>
+        <pc:sldMasterMkLst>
+          <pc:docMk/>
+          <pc:sldMasterMk cId="173888721" sldId="2147483774"/>
+        </pc:sldMasterMkLst>
+        <pc:spChg chg="mod">
+          <ac:chgData name="Tabetha Hopke" userId="5e7e88d54752368c" providerId="LiveId" clId="{13038F25-CF6D-409F-BD01-5B156A01075F}" dt="2018-08-08T17:22:10.166" v="519" actId="255"/>
+          <ac:spMkLst>
+            <pc:docMk/>
+            <pc:sldMasterMk cId="173888721" sldId="2147483774"/>
+            <ac:spMk id="3" creationId="{00000000-0000-0000-0000-000000000000}"/>
+          </ac:spMkLst>
+        </pc:spChg>
+        <pc:sldLayoutChg chg="modSp">
+          <pc:chgData name="Tabetha Hopke" userId="5e7e88d54752368c" providerId="LiveId" clId="{13038F25-CF6D-409F-BD01-5B156A01075F}" dt="2018-08-08T17:21:06.350" v="510" actId="255"/>
+          <pc:sldLayoutMkLst>
+            <pc:docMk/>
+            <pc:sldMasterMk cId="173888721" sldId="2147483774"/>
+            <pc:sldLayoutMk cId="842108758" sldId="2147483775"/>
+          </pc:sldLayoutMkLst>
+          <pc:spChg chg="mod">
+            <ac:chgData name="Tabetha Hopke" userId="5e7e88d54752368c" providerId="LiveId" clId="{13038F25-CF6D-409F-BD01-5B156A01075F}" dt="2018-08-08T17:21:06.350" v="510" actId="255"/>
+            <ac:spMkLst>
+              <pc:docMk/>
+              <pc:sldMasterMk cId="173888721" sldId="2147483774"/>
+              <pc:sldLayoutMk cId="842108758" sldId="2147483775"/>
+              <ac:spMk id="2" creationId="{00000000-0000-0000-0000-000000000000}"/>
+            </ac:spMkLst>
+          </pc:spChg>
+        </pc:sldLayoutChg>
+        <pc:sldLayoutChg chg="modSp">
+          <pc:chgData name="Tabetha Hopke" userId="5e7e88d54752368c" providerId="LiveId" clId="{13038F25-CF6D-409F-BD01-5B156A01075F}" dt="2018-08-08T17:21:19.985" v="512" actId="255"/>
+          <pc:sldLayoutMkLst>
+            <pc:docMk/>
+            <pc:sldMasterMk cId="173888721" sldId="2147483774"/>
+            <pc:sldLayoutMk cId="4088032433" sldId="2147483776"/>
+          </pc:sldLayoutMkLst>
+          <pc:spChg chg="mod">
+            <ac:chgData name="Tabetha Hopke" userId="5e7e88d54752368c" providerId="LiveId" clId="{13038F25-CF6D-409F-BD01-5B156A01075F}" dt="2018-08-08T17:21:19.985" v="512" actId="255"/>
+            <ac:spMkLst>
+              <pc:docMk/>
+              <pc:sldMasterMk cId="173888721" sldId="2147483774"/>
+              <pc:sldLayoutMk cId="4088032433" sldId="2147483776"/>
+              <ac:spMk id="3" creationId="{00000000-0000-0000-0000-000000000000}"/>
+            </ac:spMkLst>
+          </pc:spChg>
+        </pc:sldLayoutChg>
+        <pc:sldLayoutChg chg="modSp">
+          <pc:chgData name="Tabetha Hopke" userId="5e7e88d54752368c" providerId="LiveId" clId="{13038F25-CF6D-409F-BD01-5B156A01075F}" dt="2018-08-08T17:21:28.068" v="513" actId="255"/>
+          <pc:sldLayoutMkLst>
+            <pc:docMk/>
+            <pc:sldMasterMk cId="173888721" sldId="2147483774"/>
+            <pc:sldLayoutMk cId="901826380" sldId="2147483777"/>
+          </pc:sldLayoutMkLst>
+          <pc:spChg chg="mod">
+            <ac:chgData name="Tabetha Hopke" userId="5e7e88d54752368c" providerId="LiveId" clId="{13038F25-CF6D-409F-BD01-5B156A01075F}" dt="2018-08-08T17:21:28.068" v="513" actId="255"/>
+            <ac:spMkLst>
+              <pc:docMk/>
+              <pc:sldMasterMk cId="173888721" sldId="2147483774"/>
+              <pc:sldLayoutMk cId="901826380" sldId="2147483777"/>
+              <ac:spMk id="2" creationId="{00000000-0000-0000-0000-000000000000}"/>
+            </ac:spMkLst>
+          </pc:spChg>
+        </pc:sldLayoutChg>
+        <pc:sldLayoutChg chg="modSp">
+          <pc:chgData name="Tabetha Hopke" userId="5e7e88d54752368c" providerId="LiveId" clId="{13038F25-CF6D-409F-BD01-5B156A01075F}" dt="2018-08-08T17:21:52.587" v="517" actId="255"/>
+          <pc:sldLayoutMkLst>
+            <pc:docMk/>
+            <pc:sldMasterMk cId="173888721" sldId="2147483774"/>
+            <pc:sldLayoutMk cId="1276776201" sldId="2147483778"/>
+          </pc:sldLayoutMkLst>
+          <pc:spChg chg="mod">
+            <ac:chgData name="Tabetha Hopke" userId="5e7e88d54752368c" providerId="LiveId" clId="{13038F25-CF6D-409F-BD01-5B156A01075F}" dt="2018-08-08T17:21:40.562" v="515" actId="255"/>
+            <ac:spMkLst>
+              <pc:docMk/>
+              <pc:sldMasterMk cId="173888721" sldId="2147483774"/>
+              <pc:sldLayoutMk cId="1276776201" sldId="2147483778"/>
+              <ac:spMk id="3" creationId="{00000000-0000-0000-0000-000000000000}"/>
+            </ac:spMkLst>
+          </pc:spChg>
+          <pc:spChg chg="mod">
+            <ac:chgData name="Tabetha Hopke" userId="5e7e88d54752368c" providerId="LiveId" clId="{13038F25-CF6D-409F-BD01-5B156A01075F}" dt="2018-08-08T17:21:52.587" v="517" actId="255"/>
+            <ac:spMkLst>
+              <pc:docMk/>
+              <pc:sldMasterMk cId="173888721" sldId="2147483774"/>
+              <pc:sldLayoutMk cId="1276776201" sldId="2147483778"/>
+              <ac:spMk id="4" creationId="{00000000-0000-0000-0000-000000000000}"/>
+            </ac:spMkLst>
+          </pc:spChg>
+        </pc:sldLayoutChg>
+      </pc:sldMasterChg>
     </pc:docChg>
   </pc:docChgLst>
 </pc:chgInfo>
@@ -1206,6 +1608,101 @@
 </p:notes>
 </file>
 
+<file path=ppt/notesSlides/notesSlide10.xml><?xml version="1.0" encoding="utf-8"?>
+<p:notes xmlns:a="http://schemas.openxmlformats.org/drawingml/2006/main" xmlns:r="http://schemas.openxmlformats.org/officeDocument/2006/relationships" xmlns:p="http://schemas.openxmlformats.org/presentationml/2006/main">
+  <p:cSld>
+    <p:spTree>
+      <p:nvGrpSpPr>
+        <p:cNvPr id="1" name=""/>
+        <p:cNvGrpSpPr/>
+        <p:nvPr/>
+      </p:nvGrpSpPr>
+      <p:grpSpPr>
+        <a:xfrm>
+          <a:off x="0" y="0"/>
+          <a:ext cx="0" cy="0"/>
+          <a:chOff x="0" y="0"/>
+          <a:chExt cx="0" cy="0"/>
+        </a:xfrm>
+      </p:grpSpPr>
+      <p:sp>
+        <p:nvSpPr>
+          <p:cNvPr id="45058" name="Slide Image Placeholder 1"/>
+          <p:cNvSpPr>
+            <a:spLocks noGrp="1" noRot="1" noChangeAspect="1" noTextEdit="1"/>
+          </p:cNvSpPr>
+          <p:nvPr>
+            <p:ph type="sldImg"/>
+          </p:nvPr>
+        </p:nvSpPr>
+        <p:spPr>
+          <a:ln/>
+        </p:spPr>
+      </p:sp>
+      <p:sp>
+        <p:nvSpPr>
+          <p:cNvPr id="45059" name="Notes Placeholder 2"/>
+          <p:cNvSpPr>
+            <a:spLocks noGrp="1"/>
+          </p:cNvSpPr>
+          <p:nvPr>
+            <p:ph type="body" idx="1"/>
+          </p:nvPr>
+        </p:nvSpPr>
+        <p:spPr>
+          <a:noFill/>
+          <a:ln/>
+        </p:spPr>
+        <p:txBody>
+          <a:bodyPr/>
+          <a:lstStyle/>
+          <a:p>
+            <a:endParaRPr lang="en-US">
+              <a:latin typeface="Lucida Grande" pitchFamily="-48" charset="0"/>
+              <a:ea typeface="Geneva" pitchFamily="-48" charset="-128"/>
+            </a:endParaRPr>
+          </a:p>
+        </p:txBody>
+      </p:sp>
+      <p:sp>
+        <p:nvSpPr>
+          <p:cNvPr id="45060" name="Slide Number Placeholder 3"/>
+          <p:cNvSpPr>
+            <a:spLocks noGrp="1"/>
+          </p:cNvSpPr>
+          <p:nvPr>
+            <p:ph type="sldNum" sz="quarter" idx="5"/>
+          </p:nvPr>
+        </p:nvSpPr>
+        <p:spPr>
+          <a:noFill/>
+        </p:spPr>
+        <p:txBody>
+          <a:bodyPr/>
+          <a:lstStyle/>
+          <a:p>
+            <a:fld id="{6E4EA473-0F13-4B50-9981-756B49486ED1}" type="slidenum">
+              <a:rPr lang="en-US" smtClean="0"/>
+              <a:pPr/>
+              <a:t>24</a:t>
+            </a:fld>
+            <a:endParaRPr lang="en-US"/>
+          </a:p>
+        </p:txBody>
+      </p:sp>
+    </p:spTree>
+    <p:extLst>
+      <p:ext uri="{BB962C8B-B14F-4D97-AF65-F5344CB8AC3E}">
+        <p14:creationId xmlns:p14="http://schemas.microsoft.com/office/powerpoint/2010/main" val="846231301"/>
+      </p:ext>
+    </p:extLst>
+  </p:cSld>
+  <p:clrMapOvr>
+    <a:masterClrMapping/>
+  </p:clrMapOvr>
+</p:notes>
+</file>
+
 <file path=ppt/notesSlides/notesSlide2.xml><?xml version="1.0" encoding="utf-8"?>
 <p:notes xmlns:a="http://schemas.openxmlformats.org/drawingml/2006/main" xmlns:r="http://schemas.openxmlformats.org/officeDocument/2006/relationships" xmlns:p="http://schemas.openxmlformats.org/presentationml/2006/main">
   <p:cSld>
@@ -1350,10 +1847,13 @@
           <a:bodyPr/>
           <a:lstStyle/>
           <a:p>
-            <a:endParaRPr lang="en-US">
-              <a:latin typeface="Lucida Grande" pitchFamily="-48" charset="0"/>
-              <a:ea typeface="Geneva" pitchFamily="-48" charset="-128"/>
-            </a:endParaRPr>
+            <a:r>
+              <a:rPr lang="en-US" dirty="0">
+                <a:latin typeface="Lucida Grande" pitchFamily="-48" charset="0"/>
+                <a:ea typeface="Geneva" pitchFamily="-48" charset="-128"/>
+              </a:rPr>
+              <a:t>Mean 1 – Mean 2</a:t>
+            </a:r>
           </a:p>
         </p:txBody>
       </p:sp>
@@ -1440,30 +1940,10 @@
           <a:bodyPr/>
           <a:lstStyle/>
           <a:p>
-            <a:pPr marL="0" marR="0" lvl="0" indent="0" algn="l" defTabSz="914400" rtl="0" eaLnBrk="0" fontAlgn="base" latinLnBrk="0" hangingPunct="0">
-              <a:lnSpc>
-                <a:spcPct val="100000"/>
-              </a:lnSpc>
-              <a:spcBef>
-                <a:spcPct val="30000"/>
-              </a:spcBef>
-              <a:spcAft>
-                <a:spcPct val="0"/>
-              </a:spcAft>
-              <a:buClrTx/>
-              <a:buSzTx/>
-              <a:buFontTx/>
-              <a:buNone/>
-              <a:tabLst/>
-              <a:defRPr/>
-            </a:pPr>
-            <a:r>
-              <a:rPr lang="en-US" dirty="0"/>
-              <a:t>Take the square root for standard deviation of these</a:t>
-            </a:r>
-          </a:p>
-          <a:p>
-            <a:endParaRPr lang="en-US" dirty="0"/>
+            <a:r>
+              <a:rPr lang="en-US" dirty="0"/>
+              <a:t>**paired-samples t = </a:t>
+            </a:r>
           </a:p>
         </p:txBody>
       </p:sp>
@@ -1490,7 +1970,7 @@
               <a:pPr>
                 <a:defRPr/>
               </a:pPr>
-              <a:t>9</a:t>
+              <a:t>7</a:t>
             </a:fld>
             <a:endParaRPr lang="en-US"/>
           </a:p>
@@ -1499,7 +1979,7 @@
     </p:spTree>
     <p:extLst>
       <p:ext uri="{BB962C8B-B14F-4D97-AF65-F5344CB8AC3E}">
-        <p14:creationId xmlns:p14="http://schemas.microsoft.com/office/powerpoint/2010/main" val="2955994561"/>
+        <p14:creationId xmlns:p14="http://schemas.microsoft.com/office/powerpoint/2010/main" val="2800462288"/>
       </p:ext>
     </p:extLst>
   </p:cSld>
@@ -1572,11 +2052,62 @@
             </a:pPr>
             <a:r>
               <a:rPr lang="en-US" dirty="0"/>
-              <a:t>Take the square root for standard deviation of these</a:t>
-            </a:r>
-          </a:p>
-          <a:p>
-            <a:endParaRPr lang="en-US" dirty="0"/>
+              <a:t>Variance = same for all tests, but paired </a:t>
+            </a:r>
+            <a:r>
+              <a:rPr lang="en-US" i="1" dirty="0"/>
+              <a:t>t</a:t>
+            </a:r>
+            <a:r>
+              <a:rPr lang="en-US" dirty="0"/>
+              <a:t> is on difference scores</a:t>
+            </a:r>
+          </a:p>
+          <a:p>
+            <a:pPr marL="0" marR="0" lvl="0" indent="0" algn="l" defTabSz="914400" rtl="0" eaLnBrk="0" fontAlgn="base" latinLnBrk="0" hangingPunct="0">
+              <a:lnSpc>
+                <a:spcPct val="100000"/>
+              </a:lnSpc>
+              <a:spcBef>
+                <a:spcPct val="30000"/>
+              </a:spcBef>
+              <a:spcAft>
+                <a:spcPct val="0"/>
+              </a:spcAft>
+              <a:buClrTx/>
+              <a:buSzTx/>
+              <a:buFontTx/>
+              <a:buNone/>
+              <a:tabLst/>
+              <a:defRPr/>
+            </a:pPr>
+            <a:r>
+              <a:rPr lang="en-US" dirty="0"/>
+              <a:t>Square root of variance = standard deviation</a:t>
+            </a:r>
+          </a:p>
+          <a:p>
+            <a:pPr marL="0" marR="0" lvl="0" indent="0" algn="l" defTabSz="914400" rtl="0" eaLnBrk="0" fontAlgn="base" latinLnBrk="0" hangingPunct="0">
+              <a:lnSpc>
+                <a:spcPct val="100000"/>
+              </a:lnSpc>
+              <a:spcBef>
+                <a:spcPct val="30000"/>
+              </a:spcBef>
+              <a:spcAft>
+                <a:spcPct val="0"/>
+              </a:spcAft>
+              <a:buClrTx/>
+              <a:buSzTx/>
+              <a:buFontTx/>
+              <a:buNone/>
+              <a:tabLst/>
+              <a:defRPr/>
+            </a:pPr>
+            <a:r>
+              <a:rPr lang="en-US" dirty="0"/>
+              <a:t>SE = s pooled/N for that group </a:t>
+            </a:r>
           </a:p>
         </p:txBody>
       </p:sp>
@@ -1603,7 +2134,7 @@
               <a:pPr>
                 <a:defRPr/>
               </a:pPr>
-              <a:t>10</a:t>
+              <a:t>9</a:t>
             </a:fld>
             <a:endParaRPr lang="en-US"/>
           </a:p>
@@ -1641,7 +2172,7 @@
       </p:grpSpPr>
       <p:sp>
         <p:nvSpPr>
-          <p:cNvPr id="34818" name="Slide Image Placeholder 1"/>
+          <p:cNvPr id="32770" name="Slide Image Placeholder 1"/>
           <p:cNvSpPr>
             <a:spLocks noGrp="1" noRot="1" noChangeAspect="1" noTextEdit="1"/>
           </p:cNvSpPr>
@@ -1655,7 +2186,7 @@
       </p:sp>
       <p:sp>
         <p:nvSpPr>
-          <p:cNvPr id="34819" name="Notes Placeholder 2"/>
+          <p:cNvPr id="32771" name="Notes Placeholder 2"/>
           <p:cNvSpPr>
             <a:spLocks noGrp="1"/>
           </p:cNvSpPr>
@@ -1671,7 +2202,7 @@
           <a:bodyPr/>
           <a:lstStyle/>
           <a:p>
-            <a:endParaRPr lang="en-US">
+            <a:endParaRPr lang="en-US" dirty="0">
               <a:latin typeface="Lucida Grande" pitchFamily="-48" charset="0"/>
               <a:ea typeface="Geneva" pitchFamily="-48" charset="-128"/>
             </a:endParaRPr>
@@ -1680,7 +2211,7 @@
       </p:sp>
       <p:sp>
         <p:nvSpPr>
-          <p:cNvPr id="34820" name="Slide Number Placeholder 3"/>
+          <p:cNvPr id="32772" name="Slide Number Placeholder 3"/>
           <p:cNvSpPr>
             <a:spLocks noGrp="1"/>
           </p:cNvSpPr>
@@ -1695,7 +2226,7 @@
           <a:bodyPr/>
           <a:lstStyle/>
           <a:p>
-            <a:fld id="{78CE1663-DF73-4BBC-B77C-6CB825E94518}" type="slidenum">
+            <a:fld id="{2AD487C1-C045-48C8-A227-D1DE1855B500}" type="slidenum">
               <a:rPr lang="en-US" smtClean="0"/>
               <a:pPr/>
               <a:t>12</a:t>
@@ -1707,7 +2238,7 @@
     </p:spTree>
     <p:extLst>
       <p:ext uri="{BB962C8B-B14F-4D97-AF65-F5344CB8AC3E}">
-        <p14:creationId xmlns:p14="http://schemas.microsoft.com/office/powerpoint/2010/main" val="881961379"/>
+        <p14:creationId xmlns:p14="http://schemas.microsoft.com/office/powerpoint/2010/main" val="1192765259"/>
       </p:ext>
     </p:extLst>
   </p:cSld>
@@ -1736,21 +2267,19 @@
       </p:grpSpPr>
       <p:sp>
         <p:nvSpPr>
-          <p:cNvPr id="32770" name="Slide Image Placeholder 1"/>
-          <p:cNvSpPr>
-            <a:spLocks noGrp="1" noRot="1" noChangeAspect="1" noTextEdit="1"/>
+          <p:cNvPr id="2" name="Slide Image Placeholder 1"/>
+          <p:cNvSpPr>
+            <a:spLocks noGrp="1" noRot="1" noChangeAspect="1"/>
           </p:cNvSpPr>
           <p:nvPr>
             <p:ph type="sldImg"/>
           </p:nvPr>
         </p:nvSpPr>
-        <p:spPr>
-          <a:ln/>
-        </p:spPr>
-      </p:sp>
-      <p:sp>
-        <p:nvSpPr>
-          <p:cNvPr id="32771" name="Notes Placeholder 2"/>
+        <p:spPr/>
+      </p:sp>
+      <p:sp>
+        <p:nvSpPr>
+          <p:cNvPr id="3" name="Notes Placeholder 2"/>
           <p:cNvSpPr>
             <a:spLocks noGrp="1"/>
           </p:cNvSpPr>
@@ -1758,42 +2287,42 @@
             <p:ph type="body" idx="1"/>
           </p:nvPr>
         </p:nvSpPr>
-        <p:spPr>
-          <a:noFill/>
-          <a:ln/>
-        </p:spPr>
+        <p:spPr/>
         <p:txBody>
           <a:bodyPr/>
           <a:lstStyle/>
           <a:p>
-            <a:endParaRPr lang="en-US" dirty="0">
-              <a:latin typeface="Lucida Grande" pitchFamily="-48" charset="0"/>
-              <a:ea typeface="Geneva" pitchFamily="-48" charset="-128"/>
-            </a:endParaRPr>
-          </a:p>
-        </p:txBody>
-      </p:sp>
-      <p:sp>
-        <p:nvSpPr>
-          <p:cNvPr id="32772" name="Slide Number Placeholder 3"/>
-          <p:cNvSpPr>
-            <a:spLocks noGrp="1"/>
-          </p:cNvSpPr>
-          <p:nvPr>
-            <p:ph type="sldNum" sz="quarter" idx="5"/>
-          </p:nvPr>
-        </p:nvSpPr>
-        <p:spPr>
-          <a:noFill/>
-        </p:spPr>
+            <a:r>
+              <a:rPr lang="en-US" dirty="0"/>
+              <a:t>**get s difference by clicking location parameter </a:t>
+            </a:r>
+          </a:p>
+        </p:txBody>
+      </p:sp>
+      <p:sp>
+        <p:nvSpPr>
+          <p:cNvPr id="4" name="Slide Number Placeholder 3"/>
+          <p:cNvSpPr>
+            <a:spLocks noGrp="1"/>
+          </p:cNvSpPr>
+          <p:nvPr>
+            <p:ph type="sldNum" sz="quarter" idx="10"/>
+          </p:nvPr>
+        </p:nvSpPr>
+        <p:spPr/>
         <p:txBody>
           <a:bodyPr/>
           <a:lstStyle/>
           <a:p>
-            <a:fld id="{2AD487C1-C045-48C8-A227-D1DE1855B500}" type="slidenum">
+            <a:pPr>
+              <a:defRPr/>
+            </a:pPr>
+            <a:fld id="{8EA83A99-367A-4ECB-A111-896BF9832E95}" type="slidenum">
               <a:rPr lang="en-US" smtClean="0"/>
-              <a:pPr/>
-              <a:t>14</a:t>
+              <a:pPr>
+                <a:defRPr/>
+              </a:pPr>
+              <a:t>17</a:t>
             </a:fld>
             <a:endParaRPr lang="en-US"/>
           </a:p>
@@ -1802,7 +2331,7 @@
     </p:spTree>
     <p:extLst>
       <p:ext uri="{BB962C8B-B14F-4D97-AF65-F5344CB8AC3E}">
-        <p14:creationId xmlns:p14="http://schemas.microsoft.com/office/powerpoint/2010/main" val="1192765259"/>
+        <p14:creationId xmlns:p14="http://schemas.microsoft.com/office/powerpoint/2010/main" val="868455129"/>
       </p:ext>
     </p:extLst>
   </p:cSld>
@@ -1831,21 +2360,19 @@
       </p:grpSpPr>
       <p:sp>
         <p:nvSpPr>
-          <p:cNvPr id="40962" name="Slide Image Placeholder 1"/>
-          <p:cNvSpPr>
-            <a:spLocks noGrp="1" noRot="1" noChangeAspect="1" noTextEdit="1"/>
+          <p:cNvPr id="2" name="Slide Image Placeholder 1"/>
+          <p:cNvSpPr>
+            <a:spLocks noGrp="1" noRot="1" noChangeAspect="1"/>
           </p:cNvSpPr>
           <p:nvPr>
             <p:ph type="sldImg"/>
           </p:nvPr>
         </p:nvSpPr>
-        <p:spPr>
-          <a:ln/>
-        </p:spPr>
-      </p:sp>
-      <p:sp>
-        <p:nvSpPr>
-          <p:cNvPr id="40963" name="Notes Placeholder 2"/>
+        <p:spPr/>
+      </p:sp>
+      <p:sp>
+        <p:nvSpPr>
+          <p:cNvPr id="3" name="Notes Placeholder 2"/>
           <p:cNvSpPr>
             <a:spLocks noGrp="1"/>
           </p:cNvSpPr>
@@ -1853,42 +2380,62 @@
             <p:ph type="body" idx="1"/>
           </p:nvPr>
         </p:nvSpPr>
-        <p:spPr>
-          <a:noFill/>
-          <a:ln/>
-        </p:spPr>
+        <p:spPr/>
         <p:txBody>
           <a:bodyPr/>
           <a:lstStyle/>
           <a:p>
-            <a:endParaRPr lang="en-US">
-              <a:latin typeface="Lucida Grande" pitchFamily="-48" charset="0"/>
-              <a:ea typeface="Geneva" pitchFamily="-48" charset="-128"/>
-            </a:endParaRPr>
-          </a:p>
-        </p:txBody>
-      </p:sp>
-      <p:sp>
-        <p:nvSpPr>
-          <p:cNvPr id="40964" name="Slide Number Placeholder 3"/>
-          <p:cNvSpPr>
-            <a:spLocks noGrp="1"/>
-          </p:cNvSpPr>
-          <p:nvPr>
-            <p:ph type="sldNum" sz="quarter" idx="5"/>
-          </p:nvPr>
-        </p:nvSpPr>
-        <p:spPr>
-          <a:noFill/>
-        </p:spPr>
+            <a:pPr marL="0" marR="0" lvl="0" indent="0" algn="l" defTabSz="914400" rtl="0" eaLnBrk="0" fontAlgn="base" latinLnBrk="0" hangingPunct="0">
+              <a:lnSpc>
+                <a:spcPct val="100000"/>
+              </a:lnSpc>
+              <a:spcBef>
+                <a:spcPct val="30000"/>
+              </a:spcBef>
+              <a:spcAft>
+                <a:spcPct val="0"/>
+              </a:spcAft>
+              <a:buClrTx/>
+              <a:buSzTx/>
+              <a:buFontTx/>
+              <a:buNone/>
+              <a:tabLst/>
+              <a:defRPr/>
+            </a:pPr>
+            <a:r>
+              <a:rPr lang="en-US" dirty="0"/>
+              <a:t>**May also be .01 – remember to read the problem. </a:t>
+            </a:r>
+          </a:p>
+          <a:p>
+            <a:endParaRPr lang="en-US" dirty="0"/>
+          </a:p>
+        </p:txBody>
+      </p:sp>
+      <p:sp>
+        <p:nvSpPr>
+          <p:cNvPr id="4" name="Slide Number Placeholder 3"/>
+          <p:cNvSpPr>
+            <a:spLocks noGrp="1"/>
+          </p:cNvSpPr>
+          <p:nvPr>
+            <p:ph type="sldNum" sz="quarter" idx="10"/>
+          </p:nvPr>
+        </p:nvSpPr>
+        <p:spPr/>
         <p:txBody>
           <a:bodyPr/>
           <a:lstStyle/>
           <a:p>
-            <a:fld id="{5CBCB277-D334-40BB-873C-4821F491E344}" type="slidenum">
+            <a:pPr>
+              <a:defRPr/>
+            </a:pPr>
+            <a:fld id="{8EA83A99-367A-4ECB-A111-896BF9832E95}" type="slidenum">
               <a:rPr lang="en-US" smtClean="0"/>
-              <a:pPr/>
-              <a:t>29</a:t>
+              <a:pPr>
+                <a:defRPr/>
+              </a:pPr>
+              <a:t>19</a:t>
             </a:fld>
             <a:endParaRPr lang="en-US"/>
           </a:p>
@@ -1897,7 +2444,7 @@
     </p:spTree>
     <p:extLst>
       <p:ext uri="{BB962C8B-B14F-4D97-AF65-F5344CB8AC3E}">
-        <p14:creationId xmlns:p14="http://schemas.microsoft.com/office/powerpoint/2010/main" val="1781847188"/>
+        <p14:creationId xmlns:p14="http://schemas.microsoft.com/office/powerpoint/2010/main" val="3754391522"/>
       </p:ext>
     </p:extLst>
   </p:cSld>
@@ -1926,7 +2473,7 @@
       </p:grpSpPr>
       <p:sp>
         <p:nvSpPr>
-          <p:cNvPr id="45058" name="Slide Image Placeholder 1"/>
+          <p:cNvPr id="40962" name="Slide Image Placeholder 1"/>
           <p:cNvSpPr>
             <a:spLocks noGrp="1" noRot="1" noChangeAspect="1" noTextEdit="1"/>
           </p:cNvSpPr>
@@ -1940,7 +2487,7 @@
       </p:sp>
       <p:sp>
         <p:nvSpPr>
-          <p:cNvPr id="45059" name="Notes Placeholder 2"/>
+          <p:cNvPr id="40963" name="Notes Placeholder 2"/>
           <p:cNvSpPr>
             <a:spLocks noGrp="1"/>
           </p:cNvSpPr>
@@ -1956,16 +2503,19 @@
           <a:bodyPr/>
           <a:lstStyle/>
           <a:p>
-            <a:endParaRPr lang="en-US">
-              <a:latin typeface="Lucida Grande" pitchFamily="-48" charset="0"/>
-              <a:ea typeface="Geneva" pitchFamily="-48" charset="-128"/>
-            </a:endParaRPr>
-          </a:p>
-        </p:txBody>
-      </p:sp>
-      <p:sp>
-        <p:nvSpPr>
-          <p:cNvPr id="45060" name="Slide Number Placeholder 3"/>
+            <a:r>
+              <a:rPr lang="en-US" dirty="0">
+                <a:latin typeface="Lucida Grande" pitchFamily="-48" charset="0"/>
+                <a:ea typeface="Geneva" pitchFamily="-48" charset="-128"/>
+              </a:rPr>
+              <a:t>Location parameter = CI of mean difference </a:t>
+            </a:r>
+          </a:p>
+        </p:txBody>
+      </p:sp>
+      <p:sp>
+        <p:nvSpPr>
+          <p:cNvPr id="40964" name="Slide Number Placeholder 3"/>
           <p:cNvSpPr>
             <a:spLocks noGrp="1"/>
           </p:cNvSpPr>
@@ -1980,10 +2530,10 @@
           <a:bodyPr/>
           <a:lstStyle/>
           <a:p>
-            <a:fld id="{6E4EA473-0F13-4B50-9981-756B49486ED1}" type="slidenum">
+            <a:fld id="{5CBCB277-D334-40BB-873C-4821F491E344}" type="slidenum">
               <a:rPr lang="en-US" smtClean="0"/>
               <a:pPr/>
-              <a:t>31</a:t>
+              <a:t>22</a:t>
             </a:fld>
             <a:endParaRPr lang="en-US"/>
           </a:p>
@@ -1992,7 +2542,7 @@
     </p:spTree>
     <p:extLst>
       <p:ext uri="{BB962C8B-B14F-4D97-AF65-F5344CB8AC3E}">
-        <p14:creationId xmlns:p14="http://schemas.microsoft.com/office/powerpoint/2010/main" val="846231301"/>
+        <p14:creationId xmlns:p14="http://schemas.microsoft.com/office/powerpoint/2010/main" val="1781847188"/>
       </p:ext>
     </p:extLst>
   </p:cSld>
@@ -2120,7 +2670,7 @@
               <a:lnSpc>
                 <a:spcPct val="85000"/>
               </a:lnSpc>
-              <a:defRPr sz="8000" spc="-50" baseline="0">
+              <a:defRPr sz="6600" spc="-50" baseline="0">
                 <a:solidFill>
                   <a:schemeClr val="tx1">
                     <a:lumMod val="85000"/>
@@ -2132,10 +2682,9 @@
           </a:lstStyle>
           <a:p>
             <a:r>
-              <a:rPr lang="en-US"/>
+              <a:rPr lang="en-US" dirty="0"/>
               <a:t>Click to edit Master title style</a:t>
             </a:r>
-            <a:endParaRPr lang="en-US" dirty="0"/>
           </a:p>
         </p:txBody>
       </p:sp>
@@ -2810,10 +3359,9 @@
           <a:lstStyle/>
           <a:p>
             <a:r>
-              <a:rPr lang="en-US"/>
+              <a:rPr lang="en-US" dirty="0"/>
               <a:t>Click to edit Master title style</a:t>
             </a:r>
-            <a:endParaRPr lang="en-US" dirty="0"/>
           </a:p>
         </p:txBody>
       </p:sp>
@@ -2830,42 +3378,57 @@
         <p:spPr/>
         <p:txBody>
           <a:bodyPr/>
-          <a:lstStyle/>
+          <a:lstStyle>
+            <a:lvl1pPr>
+              <a:defRPr sz="2400"/>
+            </a:lvl1pPr>
+            <a:lvl2pPr>
+              <a:defRPr sz="2200"/>
+            </a:lvl2pPr>
+            <a:lvl3pPr>
+              <a:defRPr sz="2200"/>
+            </a:lvl3pPr>
+            <a:lvl4pPr>
+              <a:defRPr sz="2200"/>
+            </a:lvl4pPr>
+            <a:lvl5pPr>
+              <a:defRPr sz="2200"/>
+            </a:lvl5pPr>
+          </a:lstStyle>
           <a:p>
             <a:pPr lvl="0"/>
             <a:r>
-              <a:rPr lang="en-US"/>
+              <a:rPr lang="en-US" dirty="0"/>
               <a:t>Edit Master text styles</a:t>
             </a:r>
           </a:p>
           <a:p>
             <a:pPr lvl="1"/>
             <a:r>
-              <a:rPr lang="en-US"/>
+              <a:rPr lang="en-US" dirty="0"/>
               <a:t>Second level</a:t>
             </a:r>
           </a:p>
           <a:p>
             <a:pPr lvl="2"/>
             <a:r>
-              <a:rPr lang="en-US"/>
+              <a:rPr lang="en-US" dirty="0"/>
               <a:t>Third level</a:t>
             </a:r>
           </a:p>
           <a:p>
             <a:pPr lvl="3"/>
             <a:r>
-              <a:rPr lang="en-US"/>
+              <a:rPr lang="en-US" dirty="0"/>
               <a:t>Fourth level</a:t>
             </a:r>
           </a:p>
           <a:p>
             <a:pPr lvl="4"/>
             <a:r>
-              <a:rPr lang="en-US"/>
+              <a:rPr lang="en-US" dirty="0"/>
               <a:t>Fifth level</a:t>
             </a:r>
-            <a:endParaRPr lang="en-US" dirty="0"/>
           </a:p>
         </p:txBody>
       </p:sp>
@@ -3081,7 +3644,7 @@
               <a:lnSpc>
                 <a:spcPct val="85000"/>
               </a:lnSpc>
-              <a:defRPr sz="8000" b="0">
+              <a:defRPr sz="6600" b="0">
                 <a:solidFill>
                   <a:schemeClr val="tx1">
                     <a:lumMod val="85000"/>
@@ -3093,10 +3656,9 @@
           </a:lstStyle>
           <a:p>
             <a:r>
-              <a:rPr lang="en-US"/>
+              <a:rPr lang="en-US" dirty="0"/>
               <a:t>Click to edit Master title style</a:t>
             </a:r>
-            <a:endParaRPr lang="en-US" dirty="0"/>
           </a:p>
         </p:txBody>
       </p:sp>
@@ -3407,42 +3969,57 @@
         </p:spPr>
         <p:txBody>
           <a:bodyPr/>
-          <a:lstStyle/>
+          <a:lstStyle>
+            <a:lvl1pPr>
+              <a:defRPr sz="2400"/>
+            </a:lvl1pPr>
+            <a:lvl2pPr>
+              <a:defRPr sz="2200"/>
+            </a:lvl2pPr>
+            <a:lvl3pPr>
+              <a:defRPr sz="2200"/>
+            </a:lvl3pPr>
+            <a:lvl4pPr>
+              <a:defRPr sz="2200"/>
+            </a:lvl4pPr>
+            <a:lvl5pPr>
+              <a:defRPr sz="2200"/>
+            </a:lvl5pPr>
+          </a:lstStyle>
           <a:p>
             <a:pPr lvl="0"/>
             <a:r>
-              <a:rPr lang="en-US"/>
+              <a:rPr lang="en-US" dirty="0"/>
               <a:t>Edit Master text styles</a:t>
             </a:r>
           </a:p>
           <a:p>
             <a:pPr lvl="1"/>
             <a:r>
-              <a:rPr lang="en-US"/>
+              <a:rPr lang="en-US" dirty="0"/>
               <a:t>Second level</a:t>
             </a:r>
           </a:p>
           <a:p>
             <a:pPr lvl="2"/>
             <a:r>
-              <a:rPr lang="en-US"/>
+              <a:rPr lang="en-US" dirty="0"/>
               <a:t>Third level</a:t>
             </a:r>
           </a:p>
           <a:p>
             <a:pPr lvl="3"/>
             <a:r>
-              <a:rPr lang="en-US"/>
+              <a:rPr lang="en-US" dirty="0"/>
               <a:t>Fourth level</a:t>
             </a:r>
           </a:p>
           <a:p>
             <a:pPr lvl="4"/>
             <a:r>
-              <a:rPr lang="en-US"/>
+              <a:rPr lang="en-US" dirty="0"/>
               <a:t>Fifth level</a:t>
             </a:r>
-            <a:endParaRPr lang="en-US" dirty="0"/>
           </a:p>
         </p:txBody>
       </p:sp>
@@ -3464,42 +4041,57 @@
         </p:spPr>
         <p:txBody>
           <a:bodyPr/>
-          <a:lstStyle/>
+          <a:lstStyle>
+            <a:lvl1pPr>
+              <a:defRPr sz="2400"/>
+            </a:lvl1pPr>
+            <a:lvl2pPr>
+              <a:defRPr sz="2200"/>
+            </a:lvl2pPr>
+            <a:lvl3pPr>
+              <a:defRPr sz="2200"/>
+            </a:lvl3pPr>
+            <a:lvl4pPr>
+              <a:defRPr sz="2200"/>
+            </a:lvl4pPr>
+            <a:lvl5pPr>
+              <a:defRPr sz="2200"/>
+            </a:lvl5pPr>
+          </a:lstStyle>
           <a:p>
             <a:pPr lvl="0"/>
             <a:r>
-              <a:rPr lang="en-US"/>
+              <a:rPr lang="en-US" dirty="0"/>
               <a:t>Edit Master text styles</a:t>
             </a:r>
           </a:p>
           <a:p>
             <a:pPr lvl="1"/>
             <a:r>
-              <a:rPr lang="en-US"/>
+              <a:rPr lang="en-US" dirty="0"/>
               <a:t>Second level</a:t>
             </a:r>
           </a:p>
           <a:p>
             <a:pPr lvl="2"/>
             <a:r>
-              <a:rPr lang="en-US"/>
+              <a:rPr lang="en-US" dirty="0"/>
               <a:t>Third level</a:t>
             </a:r>
           </a:p>
           <a:p>
             <a:pPr lvl="3"/>
             <a:r>
-              <a:rPr lang="en-US"/>
+              <a:rPr lang="en-US" dirty="0"/>
               <a:t>Fourth level</a:t>
             </a:r>
           </a:p>
           <a:p>
             <a:pPr lvl="4"/>
             <a:r>
-              <a:rPr lang="en-US"/>
+              <a:rPr lang="en-US" dirty="0"/>
               <a:t>Fifth level</a:t>
             </a:r>
-            <a:endParaRPr lang="en-US" dirty="0"/>
           </a:p>
         </p:txBody>
       </p:sp>
@@ -5191,38 +5783,37 @@
           <a:p>
             <a:pPr lvl="0"/>
             <a:r>
-              <a:rPr lang="en-US"/>
+              <a:rPr lang="en-US" dirty="0"/>
               <a:t>Edit Master text styles</a:t>
             </a:r>
           </a:p>
           <a:p>
             <a:pPr lvl="1"/>
             <a:r>
-              <a:rPr lang="en-US"/>
+              <a:rPr lang="en-US" dirty="0"/>
               <a:t>Second level</a:t>
             </a:r>
           </a:p>
           <a:p>
             <a:pPr lvl="2"/>
             <a:r>
-              <a:rPr lang="en-US"/>
+              <a:rPr lang="en-US" dirty="0"/>
               <a:t>Third level</a:t>
             </a:r>
           </a:p>
           <a:p>
             <a:pPr lvl="3"/>
             <a:r>
-              <a:rPr lang="en-US"/>
+              <a:rPr lang="en-US" dirty="0"/>
               <a:t>Fourth level</a:t>
             </a:r>
           </a:p>
           <a:p>
             <a:pPr lvl="4"/>
             <a:r>
-              <a:rPr lang="en-US"/>
+              <a:rPr lang="en-US" dirty="0"/>
               <a:t>Fifth level</a:t>
             </a:r>
-            <a:endParaRPr lang="en-US" dirty="0"/>
           </a:p>
         </p:txBody>
       </p:sp>
@@ -5446,7 +6037,7 @@
         <a:buSzPct val="100000"/>
         <a:buFont typeface="Calibri" panose="020F0502020204030204" pitchFamily="34" charset="0"/>
         <a:buChar char=" "/>
-        <a:defRPr sz="2000" kern="1200">
+        <a:defRPr sz="2400" kern="1200">
           <a:solidFill>
             <a:schemeClr val="tx1">
               <a:lumMod val="75000"/>
@@ -5473,7 +6064,7 @@
         </a:buClr>
         <a:buFont typeface="Calibri" pitchFamily="34" charset="0"/>
         <a:buChar char="◦"/>
-        <a:defRPr sz="1800" kern="1200">
+        <a:defRPr sz="2200" kern="1200">
           <a:solidFill>
             <a:schemeClr val="tx1">
               <a:lumMod val="75000"/>
@@ -5500,7 +6091,7 @@
         </a:buClr>
         <a:buFont typeface="Calibri" pitchFamily="34" charset="0"/>
         <a:buChar char="◦"/>
-        <a:defRPr sz="1400" kern="1200">
+        <a:defRPr sz="2200" kern="1200">
           <a:solidFill>
             <a:schemeClr val="tx1">
               <a:lumMod val="75000"/>
@@ -5527,7 +6118,7 @@
         </a:buClr>
         <a:buFont typeface="Calibri" pitchFamily="34" charset="0"/>
         <a:buChar char="◦"/>
-        <a:defRPr sz="1400" kern="1200">
+        <a:defRPr sz="2200" kern="1200">
           <a:solidFill>
             <a:schemeClr val="tx1">
               <a:lumMod val="75000"/>
@@ -5554,7 +6145,7 @@
         </a:buClr>
         <a:buFont typeface="Calibri" pitchFamily="34" charset="0"/>
         <a:buChar char="◦"/>
-        <a:defRPr sz="1400" kern="1200">
+        <a:defRPr sz="2200" kern="1200">
           <a:solidFill>
             <a:schemeClr val="tx1">
               <a:lumMod val="75000"/>
@@ -5878,338 +6469,6 @@
       </p:grpSpPr>
       <p:sp>
         <p:nvSpPr>
-          <p:cNvPr id="4" name="Title 1"/>
-          <p:cNvSpPr>
-            <a:spLocks noGrp="1"/>
-          </p:cNvSpPr>
-          <p:nvPr>
-            <p:ph type="title"/>
-          </p:nvPr>
-        </p:nvSpPr>
-        <p:spPr/>
-        <p:txBody>
-          <a:bodyPr/>
-          <a:lstStyle/>
-          <a:p>
-            <a:r>
-              <a:rPr lang="en-US" dirty="0"/>
-              <a:t>Let’s talk about Standard Deviation</a:t>
-            </a:r>
-          </a:p>
-        </p:txBody>
-      </p:sp>
-      <p:graphicFrame>
-        <p:nvGraphicFramePr>
-          <p:cNvPr id="7" name="Object 3"/>
-          <p:cNvGraphicFramePr>
-            <a:graphicFrameLocks noChangeAspect="1"/>
-          </p:cNvGraphicFramePr>
-          <p:nvPr>
-            <p:extLst>
-              <p:ext uri="{D42A27DB-BD31-4B8C-83A1-F6EECF244321}">
-                <p14:modId xmlns:p14="http://schemas.microsoft.com/office/powerpoint/2010/main" val="2719150778"/>
-              </p:ext>
-            </p:extLst>
-          </p:nvPr>
-        </p:nvGraphicFramePr>
-        <p:xfrm>
-          <a:off x="801688" y="2024063"/>
-          <a:ext cx="2792412" cy="1196975"/>
-        </p:xfrm>
-        <a:graphic>
-          <a:graphicData uri="http://schemas.openxmlformats.org/presentationml/2006/ole">
-            <mc:AlternateContent xmlns:mc="http://schemas.openxmlformats.org/markup-compatibility/2006">
-              <mc:Choice xmlns:v="urn:schemas-microsoft-com:vml" Requires="v">
-                <p:oleObj spid="_x0000_s2050" name="Equation" r:id="rId4" imgW="1066800" imgH="457200" progId="Equation.3">
-                  <p:embed/>
-                </p:oleObj>
-              </mc:Choice>
-              <mc:Fallback>
-                <p:oleObj name="Equation" r:id="rId4" imgW="1066800" imgH="457200" progId="Equation.3">
-                  <p:embed/>
-                  <p:pic>
-                    <p:nvPicPr>
-                      <p:cNvPr id="7" name="Object 3"/>
-                      <p:cNvPicPr>
-                        <a:picLocks noChangeAspect="1" noChangeArrowheads="1"/>
-                      </p:cNvPicPr>
-                      <p:nvPr/>
-                    </p:nvPicPr>
-                    <p:blipFill>
-                      <a:blip r:embed="rId5"/>
-                      <a:srcRect/>
-                      <a:stretch>
-                        <a:fillRect/>
-                      </a:stretch>
-                    </p:blipFill>
-                    <p:spPr bwMode="auto">
-                      <a:xfrm>
-                        <a:off x="801688" y="2024063"/>
-                        <a:ext cx="2792412" cy="1196975"/>
-                      </a:xfrm>
-                      <a:prstGeom prst="rect">
-                        <a:avLst/>
-                      </a:prstGeom>
-                      <a:noFill/>
-                      <a:extLst>
-                        <a:ext uri="{909E8E84-426E-40dd-AFC4-6F175D3DCCD1}">
-                          <a14:hiddenFill xmlns:a14="http://schemas.microsoft.com/office/drawing/2010/main" xmlns="">
-                            <a:solidFill>
-                              <a:srgbClr val="FFFFFF"/>
-                            </a:solidFill>
-                          </a14:hiddenFill>
-                        </a:ext>
-                      </a:extLst>
-                    </p:spPr>
-                  </p:pic>
-                </p:oleObj>
-              </mc:Fallback>
-            </mc:AlternateContent>
-          </a:graphicData>
-        </a:graphic>
-      </p:graphicFrame>
-      <p:graphicFrame>
-        <p:nvGraphicFramePr>
-          <p:cNvPr id="9" name="Object 5"/>
-          <p:cNvGraphicFramePr>
-            <a:graphicFrameLocks noChangeAspect="1"/>
-          </p:cNvGraphicFramePr>
-          <p:nvPr>
-            <p:extLst>
-              <p:ext uri="{D42A27DB-BD31-4B8C-83A1-F6EECF244321}">
-                <p14:modId xmlns:p14="http://schemas.microsoft.com/office/powerpoint/2010/main" val="2844790712"/>
-              </p:ext>
-            </p:extLst>
-          </p:nvPr>
-        </p:nvGraphicFramePr>
-        <p:xfrm>
-          <a:off x="762000" y="3505200"/>
-          <a:ext cx="5021262" cy="1262063"/>
-        </p:xfrm>
-        <a:graphic>
-          <a:graphicData uri="http://schemas.openxmlformats.org/presentationml/2006/ole">
-            <mc:AlternateContent xmlns:mc="http://schemas.openxmlformats.org/markup-compatibility/2006">
-              <mc:Choice xmlns:v="urn:schemas-microsoft-com:vml" Requires="v">
-                <p:oleObj spid="_x0000_s2051" name="Equation" r:id="rId6" imgW="1917360" imgH="482400" progId="Equation.3">
-                  <p:embed/>
-                </p:oleObj>
-              </mc:Choice>
-              <mc:Fallback>
-                <p:oleObj name="Equation" r:id="rId6" imgW="1917360" imgH="482400" progId="Equation.3">
-                  <p:embed/>
-                  <p:pic>
-                    <p:nvPicPr>
-                      <p:cNvPr id="9" name="Object 5"/>
-                      <p:cNvPicPr>
-                        <a:picLocks noChangeAspect="1" noChangeArrowheads="1"/>
-                      </p:cNvPicPr>
-                      <p:nvPr/>
-                    </p:nvPicPr>
-                    <p:blipFill>
-                      <a:blip r:embed="rId7">
-                        <a:extLst>
-                          <a:ext uri="{28A0092B-C50C-407E-A947-70E740481C1C}">
-                            <a14:useLocalDpi xmlns:a14="http://schemas.microsoft.com/office/drawing/2010/main" val="0"/>
-                          </a:ext>
-                        </a:extLst>
-                      </a:blip>
-                      <a:srcRect/>
-                      <a:stretch>
-                        <a:fillRect/>
-                      </a:stretch>
-                    </p:blipFill>
-                    <p:spPr bwMode="auto">
-                      <a:xfrm>
-                        <a:off x="762000" y="3505200"/>
-                        <a:ext cx="5021262" cy="1262063"/>
-                      </a:xfrm>
-                      <a:prstGeom prst="rect">
-                        <a:avLst/>
-                      </a:prstGeom>
-                      <a:noFill/>
-                      <a:extLst>
-                        <a:ext uri="{909E8E84-426E-40dd-AFC4-6F175D3DCCD1}">
-                          <a14:hiddenFill xmlns:a14="http://schemas.microsoft.com/office/drawing/2010/main" xmlns="">
-                            <a:solidFill>
-                              <a:srgbClr val="FFFFFF"/>
-                            </a:solidFill>
-                          </a14:hiddenFill>
-                        </a:ext>
-                      </a:extLst>
-                    </p:spPr>
-                  </p:pic>
-                </p:oleObj>
-              </mc:Fallback>
-            </mc:AlternateContent>
-          </a:graphicData>
-        </a:graphic>
-      </p:graphicFrame>
-      <p:graphicFrame>
-        <p:nvGraphicFramePr>
-          <p:cNvPr id="10" name="Object 6"/>
-          <p:cNvGraphicFramePr>
-            <a:graphicFrameLocks noChangeAspect="1"/>
-          </p:cNvGraphicFramePr>
-          <p:nvPr>
-            <p:extLst>
-              <p:ext uri="{D42A27DB-BD31-4B8C-83A1-F6EECF244321}">
-                <p14:modId xmlns:p14="http://schemas.microsoft.com/office/powerpoint/2010/main" val="703810170"/>
-              </p:ext>
-            </p:extLst>
-          </p:nvPr>
-        </p:nvGraphicFramePr>
-        <p:xfrm>
-          <a:off x="762000" y="5105400"/>
-          <a:ext cx="3159125" cy="663575"/>
-        </p:xfrm>
-        <a:graphic>
-          <a:graphicData uri="http://schemas.openxmlformats.org/presentationml/2006/ole">
-            <mc:AlternateContent xmlns:mc="http://schemas.openxmlformats.org/markup-compatibility/2006">
-              <mc:Choice xmlns:v="urn:schemas-microsoft-com:vml" Requires="v">
-                <p:oleObj spid="_x0000_s2052" name="Equation" r:id="rId8" imgW="1206360" imgH="253800" progId="Equation.3">
-                  <p:embed/>
-                </p:oleObj>
-              </mc:Choice>
-              <mc:Fallback>
-                <p:oleObj name="Equation" r:id="rId8" imgW="1206360" imgH="253800" progId="Equation.3">
-                  <p:embed/>
-                  <p:pic>
-                    <p:nvPicPr>
-                      <p:cNvPr id="10" name="Object 6"/>
-                      <p:cNvPicPr>
-                        <a:picLocks noChangeAspect="1" noChangeArrowheads="1"/>
-                      </p:cNvPicPr>
-                      <p:nvPr/>
-                    </p:nvPicPr>
-                    <p:blipFill>
-                      <a:blip r:embed="rId9">
-                        <a:extLst>
-                          <a:ext uri="{28A0092B-C50C-407E-A947-70E740481C1C}">
-                            <a14:useLocalDpi xmlns:a14="http://schemas.microsoft.com/office/drawing/2010/main" val="0"/>
-                          </a:ext>
-                        </a:extLst>
-                      </a:blip>
-                      <a:srcRect/>
-                      <a:stretch>
-                        <a:fillRect/>
-                      </a:stretch>
-                    </p:blipFill>
-                    <p:spPr bwMode="auto">
-                      <a:xfrm>
-                        <a:off x="762000" y="5105400"/>
-                        <a:ext cx="3159125" cy="663575"/>
-                      </a:xfrm>
-                      <a:prstGeom prst="rect">
-                        <a:avLst/>
-                      </a:prstGeom>
-                      <a:noFill/>
-                      <a:extLst>
-                        <a:ext uri="{909E8E84-426E-40dd-AFC4-6F175D3DCCD1}">
-                          <a14:hiddenFill xmlns:a14="http://schemas.microsoft.com/office/drawing/2010/main" xmlns="">
-                            <a:solidFill>
-                              <a:srgbClr val="FFFFFF"/>
-                            </a:solidFill>
-                          </a14:hiddenFill>
-                        </a:ext>
-                      </a:extLst>
-                    </p:spPr>
-                  </p:pic>
-                </p:oleObj>
-              </mc:Fallback>
-            </mc:AlternateContent>
-          </a:graphicData>
-        </a:graphic>
-      </p:graphicFrame>
-      <p:sp>
-        <p:nvSpPr>
-          <p:cNvPr id="11" name="TextBox 10"/>
-          <p:cNvSpPr txBox="1"/>
-          <p:nvPr/>
-        </p:nvSpPr>
-        <p:spPr>
-          <a:xfrm>
-            <a:off x="4800600" y="2136952"/>
-            <a:ext cx="3799809" cy="646331"/>
-          </a:xfrm>
-          <a:prstGeom prst="rect">
-            <a:avLst/>
-          </a:prstGeom>
-          <a:noFill/>
-        </p:spPr>
-        <p:txBody>
-          <a:bodyPr wrap="square" rtlCol="0">
-            <a:spAutoFit/>
-          </a:bodyPr>
-          <a:lstStyle/>
-          <a:p>
-            <a:r>
-              <a:rPr lang="en-US" dirty="0"/>
-              <a:t>Variance = same for all tests, but paired t is on difference scores</a:t>
-            </a:r>
-          </a:p>
-        </p:txBody>
-      </p:sp>
-      <p:sp>
-        <p:nvSpPr>
-          <p:cNvPr id="12" name="TextBox 11"/>
-          <p:cNvSpPr txBox="1"/>
-          <p:nvPr/>
-        </p:nvSpPr>
-        <p:spPr>
-          <a:xfrm>
-            <a:off x="4800600" y="5101768"/>
-            <a:ext cx="3991811" cy="369332"/>
-          </a:xfrm>
-          <a:prstGeom prst="rect">
-            <a:avLst/>
-          </a:prstGeom>
-          <a:noFill/>
-        </p:spPr>
-        <p:txBody>
-          <a:bodyPr wrap="square" rtlCol="0">
-            <a:spAutoFit/>
-          </a:bodyPr>
-          <a:lstStyle/>
-          <a:p>
-            <a:r>
-              <a:rPr lang="en-US" dirty="0"/>
-              <a:t>This section is for independent t only</a:t>
-            </a:r>
-          </a:p>
-        </p:txBody>
-      </p:sp>
-    </p:spTree>
-    <p:extLst>
-      <p:ext uri="{BB962C8B-B14F-4D97-AF65-F5344CB8AC3E}">
-        <p14:creationId xmlns:p14="http://schemas.microsoft.com/office/powerpoint/2010/main" val="3329505346"/>
-      </p:ext>
-    </p:extLst>
-  </p:cSld>
-  <p:clrMapOvr>
-    <a:masterClrMapping/>
-  </p:clrMapOvr>
-</p:sld>
-</file>
-
-<file path=ppt/slides/slide11.xml><?xml version="1.0" encoding="utf-8"?>
-<p:sld xmlns:a="http://schemas.openxmlformats.org/drawingml/2006/main" xmlns:r="http://schemas.openxmlformats.org/officeDocument/2006/relationships" xmlns:p="http://schemas.openxmlformats.org/presentationml/2006/main">
-  <p:cSld>
-    <p:spTree>
-      <p:nvGrpSpPr>
-        <p:cNvPr id="1" name=""/>
-        <p:cNvGrpSpPr/>
-        <p:nvPr/>
-      </p:nvGrpSpPr>
-      <p:grpSpPr>
-        <a:xfrm>
-          <a:off x="0" y="0"/>
-          <a:ext cx="0" cy="0"/>
-          <a:chOff x="0" y="0"/>
-          <a:chExt cx="0" cy="0"/>
-        </a:xfrm>
-      </p:grpSpPr>
-      <p:sp>
-        <p:nvSpPr>
           <p:cNvPr id="2" name="Title 1"/>
           <p:cNvSpPr>
             <a:spLocks noGrp="1"/>
@@ -6240,7 +6499,7 @@
             <p:ph idx="1"/>
             <p:extLst>
               <p:ext uri="{D42A27DB-BD31-4B8C-83A1-F6EECF244321}">
-                <p14:modId xmlns:p14="http://schemas.microsoft.com/office/powerpoint/2010/main" val="1325048040"/>
+                <p14:modId xmlns:p14="http://schemas.microsoft.com/office/powerpoint/2010/main" val="2744797505"/>
               </p:ext>
             </p:extLst>
           </p:nvPr>
@@ -6540,7 +6799,7 @@
                     <a:p>
                       <a:pPr algn="ctr"/>
                       <a:r>
-                        <a:rPr lang="en-US" i="0" u="sng" dirty="0">
+                        <a:rPr lang="en-US" i="0" u="sng" dirty="0" err="1">
                           <a:solidFill>
                             <a:srgbClr val="000000"/>
                           </a:solidFill>
@@ -6548,12 +6807,12 @@
                         <a:t>M</a:t>
                       </a:r>
                       <a:r>
-                        <a:rPr lang="en-US" i="0" u="sng" baseline="0" dirty="0">
-                          <a:solidFill>
-                            <a:srgbClr val="000000"/>
-                          </a:solidFill>
+                        <a:rPr lang="en-US" b="0" i="0" u="sng" baseline="-25000" dirty="0" err="1">
+                          <a:latin typeface="Lucida Grande"/>
+                          <a:ea typeface="Lucida Grande"/>
+                          <a:cs typeface="Lucida Grande"/>
                         </a:rPr>
-                        <a:t> </a:t>
+                        <a:t>difference</a:t>
                       </a:r>
                       <a:endParaRPr lang="en-US" b="0" i="0" u="sng" baseline="0" dirty="0">
                         <a:latin typeface="Lucida Grande"/>
@@ -6722,225 +6981,7 @@
 </p:sld>
 </file>
 
-<file path=ppt/slides/slide12.xml><?xml version="1.0" encoding="utf-8"?>
-<p:sld xmlns:a="http://schemas.openxmlformats.org/drawingml/2006/main" xmlns:r="http://schemas.openxmlformats.org/officeDocument/2006/relationships" xmlns:p="http://schemas.openxmlformats.org/presentationml/2006/main">
-  <p:cSld>
-    <p:spTree>
-      <p:nvGrpSpPr>
-        <p:cNvPr id="1" name=""/>
-        <p:cNvGrpSpPr/>
-        <p:nvPr/>
-      </p:nvGrpSpPr>
-      <p:grpSpPr>
-        <a:xfrm>
-          <a:off x="0" y="0"/>
-          <a:ext cx="0" cy="0"/>
-          <a:chOff x="0" y="0"/>
-          <a:chExt cx="0" cy="0"/>
-        </a:xfrm>
-      </p:grpSpPr>
-      <p:graphicFrame>
-        <p:nvGraphicFramePr>
-          <p:cNvPr id="3075" name="Object 4"/>
-          <p:cNvGraphicFramePr>
-            <a:graphicFrameLocks noChangeAspect="1"/>
-          </p:cNvGraphicFramePr>
-          <p:nvPr>
-            <p:extLst>
-              <p:ext uri="{D42A27DB-BD31-4B8C-83A1-F6EECF244321}">
-                <p14:modId xmlns:p14="http://schemas.microsoft.com/office/powerpoint/2010/main" val="4227515540"/>
-              </p:ext>
-            </p:extLst>
-          </p:nvPr>
-        </p:nvGraphicFramePr>
-        <p:xfrm>
-          <a:off x="3371850" y="4419600"/>
-          <a:ext cx="2400300" cy="1235075"/>
-        </p:xfrm>
-        <a:graphic>
-          <a:graphicData uri="http://schemas.openxmlformats.org/presentationml/2006/ole">
-            <mc:AlternateContent xmlns:mc="http://schemas.openxmlformats.org/markup-compatibility/2006">
-              <mc:Choice xmlns:v="urn:schemas-microsoft-com:vml" Requires="v">
-                <p:oleObj spid="_x0000_s3074" name="Equation" r:id="rId4" imgW="863280" imgH="444240" progId="Equation.3">
-                  <p:embed/>
-                </p:oleObj>
-              </mc:Choice>
-              <mc:Fallback>
-                <p:oleObj name="Equation" r:id="rId4" imgW="863280" imgH="444240" progId="Equation.3">
-                  <p:embed/>
-                  <p:pic>
-                    <p:nvPicPr>
-                      <p:cNvPr id="3075" name="Object 4"/>
-                      <p:cNvPicPr>
-                        <a:picLocks noChangeAspect="1" noChangeArrowheads="1"/>
-                      </p:cNvPicPr>
-                      <p:nvPr/>
-                    </p:nvPicPr>
-                    <p:blipFill>
-                      <a:blip r:embed="rId5">
-                        <a:extLst>
-                          <a:ext uri="{28A0092B-C50C-407E-A947-70E740481C1C}">
-                            <a14:useLocalDpi xmlns:a14="http://schemas.microsoft.com/office/drawing/2010/main" val="0"/>
-                          </a:ext>
-                        </a:extLst>
-                      </a:blip>
-                      <a:srcRect/>
-                      <a:stretch>
-                        <a:fillRect/>
-                      </a:stretch>
-                    </p:blipFill>
-                    <p:spPr bwMode="auto">
-                      <a:xfrm>
-                        <a:off x="3371850" y="4419600"/>
-                        <a:ext cx="2400300" cy="1235075"/>
-                      </a:xfrm>
-                      <a:prstGeom prst="rect">
-                        <a:avLst/>
-                      </a:prstGeom>
-                      <a:noFill/>
-                      <a:extLst>
-                        <a:ext uri="{909E8E84-426E-40dd-AFC4-6F175D3DCCD1}">
-                          <a14:hiddenFill xmlns:a14="http://schemas.microsoft.com/office/drawing/2010/main" xmlns="">
-                            <a:solidFill>
-                              <a:srgbClr val="FFFFFF"/>
-                            </a:solidFill>
-                          </a14:hiddenFill>
-                        </a:ext>
-                      </a:extLst>
-                    </p:spPr>
-                  </p:pic>
-                </p:oleObj>
-              </mc:Fallback>
-            </mc:AlternateContent>
-          </a:graphicData>
-        </a:graphic>
-      </p:graphicFrame>
-      <p:sp>
-        <p:nvSpPr>
-          <p:cNvPr id="7" name="Title 6">
-            <a:extLst>
-              <a:ext uri="{FF2B5EF4-FFF2-40B4-BE49-F238E27FC236}">
-                <a16:creationId xmlns:a16="http://schemas.microsoft.com/office/drawing/2014/main" id="{FE09348E-F022-4522-9559-E33252B0B7A6}"/>
-              </a:ext>
-            </a:extLst>
-          </p:cNvPr>
-          <p:cNvSpPr>
-            <a:spLocks noGrp="1"/>
-          </p:cNvSpPr>
-          <p:nvPr>
-            <p:ph type="title"/>
-          </p:nvPr>
-        </p:nvSpPr>
-        <p:spPr/>
-        <p:txBody>
-          <a:bodyPr/>
-          <a:lstStyle/>
-          <a:p>
-            <a:r>
-              <a:rPr lang="en-US" dirty="0"/>
-              <a:t>Additional Formulae</a:t>
-            </a:r>
-          </a:p>
-        </p:txBody>
-      </p:sp>
-      <p:graphicFrame>
-        <p:nvGraphicFramePr>
-          <p:cNvPr id="11" name="Object 3">
-            <a:extLst>
-              <a:ext uri="{FF2B5EF4-FFF2-40B4-BE49-F238E27FC236}">
-                <a16:creationId xmlns:a16="http://schemas.microsoft.com/office/drawing/2014/main" id="{57D7EC62-409A-4479-B836-FC95DE7D11A5}"/>
-              </a:ext>
-            </a:extLst>
-          </p:cNvPr>
-          <p:cNvGraphicFramePr>
-            <a:graphicFrameLocks noGrp="1" noChangeAspect="1"/>
-          </p:cNvGraphicFramePr>
-          <p:nvPr>
-            <p:ph idx="1"/>
-            <p:extLst>
-              <p:ext uri="{D42A27DB-BD31-4B8C-83A1-F6EECF244321}">
-                <p14:modId xmlns:p14="http://schemas.microsoft.com/office/powerpoint/2010/main" val="473896791"/>
-              </p:ext>
-            </p:extLst>
-          </p:nvPr>
-        </p:nvGraphicFramePr>
-        <p:xfrm>
-          <a:off x="2207713" y="2514600"/>
-          <a:ext cx="4728573" cy="1235075"/>
-        </p:xfrm>
-        <a:graphic>
-          <a:graphicData uri="http://schemas.openxmlformats.org/presentationml/2006/ole">
-            <mc:AlternateContent xmlns:mc="http://schemas.openxmlformats.org/markup-compatibility/2006">
-              <mc:Choice xmlns:v="urn:schemas-microsoft-com:vml" Requires="v">
-                <p:oleObj spid="_x0000_s3075" name="Equation" r:id="rId6" imgW="1701720" imgH="444240" progId="Equation.3">
-                  <p:embed/>
-                </p:oleObj>
-              </mc:Choice>
-              <mc:Fallback>
-                <p:oleObj name="Equation" r:id="rId6" imgW="1701720" imgH="444240" progId="Equation.3">
-                  <p:embed/>
-                  <p:pic>
-                    <p:nvPicPr>
-                      <p:cNvPr id="11" name="Object 3">
-                        <a:extLst>
-                          <a:ext uri="{FF2B5EF4-FFF2-40B4-BE49-F238E27FC236}">
-                            <a16:creationId xmlns:a16="http://schemas.microsoft.com/office/drawing/2014/main" id="{57D7EC62-409A-4479-B836-FC95DE7D11A5}"/>
-                          </a:ext>
-                        </a:extLst>
-                      </p:cNvPr>
-                      <p:cNvPicPr>
-                        <a:picLocks noChangeAspect="1" noChangeArrowheads="1"/>
-                      </p:cNvPicPr>
-                      <p:nvPr/>
-                    </p:nvPicPr>
-                    <p:blipFill>
-                      <a:blip r:embed="rId7">
-                        <a:extLst>
-                          <a:ext uri="{28A0092B-C50C-407E-A947-70E740481C1C}">
-                            <a14:useLocalDpi xmlns:a14="http://schemas.microsoft.com/office/drawing/2010/main" val="0"/>
-                          </a:ext>
-                        </a:extLst>
-                      </a:blip>
-                      <a:srcRect/>
-                      <a:stretch>
-                        <a:fillRect/>
-                      </a:stretch>
-                    </p:blipFill>
-                    <p:spPr bwMode="auto">
-                      <a:xfrm>
-                        <a:off x="2207713" y="2514600"/>
-                        <a:ext cx="4728573" cy="1235075"/>
-                      </a:xfrm>
-                      <a:prstGeom prst="rect">
-                        <a:avLst/>
-                      </a:prstGeom>
-                      <a:noFill/>
-                      <a:extLst>
-                        <a:ext uri="{909E8E84-426E-40dd-AFC4-6F175D3DCCD1}">
-                          <a14:hiddenFill xmlns:a14="http://schemas.microsoft.com/office/drawing/2010/main" xmlns="">
-                            <a:solidFill>
-                              <a:srgbClr val="FFFFFF"/>
-                            </a:solidFill>
-                          </a14:hiddenFill>
-                        </a:ext>
-                      </a:extLst>
-                    </p:spPr>
-                  </p:pic>
-                </p:oleObj>
-              </mc:Fallback>
-            </mc:AlternateContent>
-          </a:graphicData>
-        </a:graphic>
-      </p:graphicFrame>
-    </p:spTree>
-  </p:cSld>
-  <p:clrMapOvr>
-    <a:masterClrMapping/>
-  </p:clrMapOvr>
-</p:sld>
-</file>
-
-<file path=ppt/slides/slide13.xml><?xml version="1.0" encoding="utf-8"?>
+<file path=ppt/slides/slide11.xml><?xml version="1.0" encoding="utf-8"?>
 <p:sld xmlns:a="http://schemas.openxmlformats.org/drawingml/2006/main" xmlns:r="http://schemas.openxmlformats.org/officeDocument/2006/relationships" xmlns:p="http://schemas.openxmlformats.org/presentationml/2006/main">
   <p:cSld>
     <p:spTree>
@@ -7250,6 +7291,210 @@
 </p:sld>
 </file>
 
+<file path=ppt/slides/slide12.xml><?xml version="1.0" encoding="utf-8"?>
+<p:sld xmlns:a="http://schemas.openxmlformats.org/drawingml/2006/main" xmlns:r="http://schemas.openxmlformats.org/officeDocument/2006/relationships" xmlns:p="http://schemas.openxmlformats.org/presentationml/2006/main">
+  <p:cSld>
+    <p:spTree>
+      <p:nvGrpSpPr>
+        <p:cNvPr id="1" name=""/>
+        <p:cNvGrpSpPr/>
+        <p:nvPr/>
+      </p:nvGrpSpPr>
+      <p:grpSpPr>
+        <a:xfrm>
+          <a:off x="0" y="0"/>
+          <a:ext cx="0" cy="0"/>
+          <a:chOff x="0" y="0"/>
+          <a:chExt cx="0" cy="0"/>
+        </a:xfrm>
+      </p:grpSpPr>
+      <p:sp>
+        <p:nvSpPr>
+          <p:cNvPr id="2" name="Title 1">
+            <a:extLst>
+              <a:ext uri="{FF2B5EF4-FFF2-40B4-BE49-F238E27FC236}">
+                <a16:creationId xmlns:a16="http://schemas.microsoft.com/office/drawing/2014/main" id="{EC5A1388-C43D-4BCA-BC36-10179123E3A8}"/>
+              </a:ext>
+            </a:extLst>
+          </p:cNvPr>
+          <p:cNvSpPr>
+            <a:spLocks noGrp="1"/>
+          </p:cNvSpPr>
+          <p:nvPr>
+            <p:ph type="title"/>
+          </p:nvPr>
+        </p:nvSpPr>
+        <p:spPr/>
+        <p:txBody>
+          <a:bodyPr/>
+          <a:lstStyle/>
+          <a:p>
+            <a:r>
+              <a:rPr lang="en-US" dirty="0"/>
+              <a:t>Steps for Calculating Independent Sample </a:t>
+            </a:r>
+            <a:r>
+              <a:rPr lang="en-US" i="1" dirty="0"/>
+              <a:t>t</a:t>
+            </a:r>
+            <a:r>
+              <a:rPr lang="en-US" dirty="0"/>
+              <a:t> Tests</a:t>
+            </a:r>
+          </a:p>
+        </p:txBody>
+      </p:sp>
+      <p:sp>
+        <p:nvSpPr>
+          <p:cNvPr id="3" name="Content Placeholder 2">
+            <a:extLst>
+              <a:ext uri="{FF2B5EF4-FFF2-40B4-BE49-F238E27FC236}">
+                <a16:creationId xmlns:a16="http://schemas.microsoft.com/office/drawing/2014/main" id="{D16DE865-E12C-4DEF-BF2F-CAA6A9408FA3}"/>
+              </a:ext>
+            </a:extLst>
+          </p:cNvPr>
+          <p:cNvSpPr>
+            <a:spLocks noGrp="1"/>
+          </p:cNvSpPr>
+          <p:nvPr>
+            <p:ph idx="1"/>
+          </p:nvPr>
+        </p:nvSpPr>
+        <p:spPr/>
+        <p:txBody>
+          <a:bodyPr/>
+          <a:lstStyle/>
+          <a:p>
+            <a:r>
+              <a:rPr lang="en-US" dirty="0"/>
+              <a:t>Step 1: Identify the populations, distribution, and assumptions</a:t>
+            </a:r>
+          </a:p>
+          <a:p>
+            <a:r>
+              <a:rPr lang="en-US" dirty="0"/>
+              <a:t>Step 2: State the null and research hypotheses</a:t>
+            </a:r>
+          </a:p>
+          <a:p>
+            <a:r>
+              <a:rPr lang="en-US" dirty="0"/>
+              <a:t>Step 3: Determine the characteristics of the comparison distribution</a:t>
+            </a:r>
+          </a:p>
+          <a:p>
+            <a:r>
+              <a:rPr lang="en-US" dirty="0"/>
+              <a:t>Step 4: Determine critical values, or cutoffs</a:t>
+            </a:r>
+          </a:p>
+          <a:p>
+            <a:r>
+              <a:rPr lang="en-US" dirty="0"/>
+              <a:t>Step 5: Calculate the test statistic</a:t>
+            </a:r>
+          </a:p>
+          <a:p>
+            <a:r>
+              <a:rPr lang="en-US" dirty="0"/>
+              <a:t>Step 6: Make a decision</a:t>
+            </a:r>
+          </a:p>
+        </p:txBody>
+      </p:sp>
+    </p:spTree>
+  </p:cSld>
+  <p:clrMapOvr>
+    <a:masterClrMapping/>
+  </p:clrMapOvr>
+</p:sld>
+</file>
+
+<file path=ppt/slides/slide13.xml><?xml version="1.0" encoding="utf-8"?>
+<p:sld xmlns:a="http://schemas.openxmlformats.org/drawingml/2006/main" xmlns:r="http://schemas.openxmlformats.org/officeDocument/2006/relationships" xmlns:p="http://schemas.openxmlformats.org/presentationml/2006/main">
+  <p:cSld>
+    <p:spTree>
+      <p:nvGrpSpPr>
+        <p:cNvPr id="1" name=""/>
+        <p:cNvGrpSpPr/>
+        <p:nvPr/>
+      </p:nvGrpSpPr>
+      <p:grpSpPr>
+        <a:xfrm>
+          <a:off x="0" y="0"/>
+          <a:ext cx="0" cy="0"/>
+          <a:chOff x="0" y="0"/>
+          <a:chExt cx="0" cy="0"/>
+        </a:xfrm>
+      </p:grpSpPr>
+      <p:sp>
+        <p:nvSpPr>
+          <p:cNvPr id="2" name="Title 1"/>
+          <p:cNvSpPr>
+            <a:spLocks noGrp="1"/>
+          </p:cNvSpPr>
+          <p:nvPr>
+            <p:ph type="title"/>
+          </p:nvPr>
+        </p:nvSpPr>
+        <p:spPr/>
+        <p:txBody>
+          <a:bodyPr/>
+          <a:lstStyle/>
+          <a:p>
+            <a:r>
+              <a:rPr lang="en-US" dirty="0"/>
+              <a:t>Let’s work some examples!</a:t>
+            </a:r>
+          </a:p>
+        </p:txBody>
+      </p:sp>
+      <p:sp>
+        <p:nvSpPr>
+          <p:cNvPr id="3" name="Content Placeholder 2"/>
+          <p:cNvSpPr>
+            <a:spLocks noGrp="1"/>
+          </p:cNvSpPr>
+          <p:nvPr>
+            <p:ph idx="1"/>
+          </p:nvPr>
+        </p:nvSpPr>
+        <p:spPr/>
+        <p:txBody>
+          <a:bodyPr/>
+          <a:lstStyle/>
+          <a:p>
+            <a:r>
+              <a:rPr lang="en-US" dirty="0"/>
+              <a:t>Let’s work some examples: chapter 11 </a:t>
+            </a:r>
+            <a:r>
+              <a:rPr lang="en-US" dirty="0" err="1"/>
+              <a:t>docx</a:t>
+            </a:r>
+            <a:r>
+              <a:rPr lang="en-US" dirty="0"/>
+              <a:t> on blackboard. </a:t>
+            </a:r>
+          </a:p>
+          <a:p>
+            <a:endParaRPr lang="en-US" dirty="0"/>
+          </a:p>
+        </p:txBody>
+      </p:sp>
+    </p:spTree>
+    <p:extLst>
+      <p:ext uri="{BB962C8B-B14F-4D97-AF65-F5344CB8AC3E}">
+        <p14:creationId xmlns:p14="http://schemas.microsoft.com/office/powerpoint/2010/main" val="1922105362"/>
+      </p:ext>
+    </p:extLst>
+  </p:cSld>
+  <p:clrMapOvr>
+    <a:masterClrMapping/>
+  </p:clrMapOvr>
+</p:sld>
+</file>
+
 <file path=ppt/slides/slide14.xml><?xml version="1.0" encoding="utf-8"?>
 <p:sld xmlns:a="http://schemas.openxmlformats.org/drawingml/2006/main" xmlns:r="http://schemas.openxmlformats.org/officeDocument/2006/relationships" xmlns:p="http://schemas.openxmlformats.org/presentationml/2006/main">
   <p:cSld>
@@ -7269,210 +7514,6 @@
       </p:grpSpPr>
       <p:sp>
         <p:nvSpPr>
-          <p:cNvPr id="2" name="Title 1">
-            <a:extLst>
-              <a:ext uri="{FF2B5EF4-FFF2-40B4-BE49-F238E27FC236}">
-                <a16:creationId xmlns:a16="http://schemas.microsoft.com/office/drawing/2014/main" id="{EC5A1388-C43D-4BCA-BC36-10179123E3A8}"/>
-              </a:ext>
-            </a:extLst>
-          </p:cNvPr>
-          <p:cNvSpPr>
-            <a:spLocks noGrp="1"/>
-          </p:cNvSpPr>
-          <p:nvPr>
-            <p:ph type="title"/>
-          </p:nvPr>
-        </p:nvSpPr>
-        <p:spPr/>
-        <p:txBody>
-          <a:bodyPr/>
-          <a:lstStyle/>
-          <a:p>
-            <a:r>
-              <a:rPr lang="en-US" dirty="0"/>
-              <a:t>Steps for Calculating Independent Sample </a:t>
-            </a:r>
-            <a:r>
-              <a:rPr lang="en-US" i="1" dirty="0"/>
-              <a:t>t</a:t>
-            </a:r>
-            <a:r>
-              <a:rPr lang="en-US" dirty="0"/>
-              <a:t> Tests</a:t>
-            </a:r>
-          </a:p>
-        </p:txBody>
-      </p:sp>
-      <p:sp>
-        <p:nvSpPr>
-          <p:cNvPr id="3" name="Content Placeholder 2">
-            <a:extLst>
-              <a:ext uri="{FF2B5EF4-FFF2-40B4-BE49-F238E27FC236}">
-                <a16:creationId xmlns:a16="http://schemas.microsoft.com/office/drawing/2014/main" id="{D16DE865-E12C-4DEF-BF2F-CAA6A9408FA3}"/>
-              </a:ext>
-            </a:extLst>
-          </p:cNvPr>
-          <p:cNvSpPr>
-            <a:spLocks noGrp="1"/>
-          </p:cNvSpPr>
-          <p:nvPr>
-            <p:ph idx="1"/>
-          </p:nvPr>
-        </p:nvSpPr>
-        <p:spPr/>
-        <p:txBody>
-          <a:bodyPr/>
-          <a:lstStyle/>
-          <a:p>
-            <a:r>
-              <a:rPr lang="en-US" dirty="0"/>
-              <a:t>Step 1: Identify the populations, distribution, and assumptions.</a:t>
-            </a:r>
-          </a:p>
-          <a:p>
-            <a:r>
-              <a:rPr lang="en-US" dirty="0"/>
-              <a:t>Step 2: State the null and research hypotheses.</a:t>
-            </a:r>
-          </a:p>
-          <a:p>
-            <a:r>
-              <a:rPr lang="en-US" dirty="0"/>
-              <a:t>Step 3: Determine the characteristics of the comparison distribution.</a:t>
-            </a:r>
-          </a:p>
-          <a:p>
-            <a:r>
-              <a:rPr lang="en-US" dirty="0"/>
-              <a:t>Step 4: Determine critical values, or cutoffs.</a:t>
-            </a:r>
-          </a:p>
-          <a:p>
-            <a:r>
-              <a:rPr lang="en-US" dirty="0"/>
-              <a:t>Step 5: Calculate the test statistic.</a:t>
-            </a:r>
-          </a:p>
-          <a:p>
-            <a:r>
-              <a:rPr lang="en-US" dirty="0"/>
-              <a:t>Step 6: Make a decision.</a:t>
-            </a:r>
-          </a:p>
-        </p:txBody>
-      </p:sp>
-    </p:spTree>
-  </p:cSld>
-  <p:clrMapOvr>
-    <a:masterClrMapping/>
-  </p:clrMapOvr>
-</p:sld>
-</file>
-
-<file path=ppt/slides/slide15.xml><?xml version="1.0" encoding="utf-8"?>
-<p:sld xmlns:a="http://schemas.openxmlformats.org/drawingml/2006/main" xmlns:r="http://schemas.openxmlformats.org/officeDocument/2006/relationships" xmlns:p="http://schemas.openxmlformats.org/presentationml/2006/main">
-  <p:cSld>
-    <p:spTree>
-      <p:nvGrpSpPr>
-        <p:cNvPr id="1" name=""/>
-        <p:cNvGrpSpPr/>
-        <p:nvPr/>
-      </p:nvGrpSpPr>
-      <p:grpSpPr>
-        <a:xfrm>
-          <a:off x="0" y="0"/>
-          <a:ext cx="0" cy="0"/>
-          <a:chOff x="0" y="0"/>
-          <a:chExt cx="0" cy="0"/>
-        </a:xfrm>
-      </p:grpSpPr>
-      <p:sp>
-        <p:nvSpPr>
-          <p:cNvPr id="2" name="Title 1"/>
-          <p:cNvSpPr>
-            <a:spLocks noGrp="1"/>
-          </p:cNvSpPr>
-          <p:nvPr>
-            <p:ph type="title"/>
-          </p:nvPr>
-        </p:nvSpPr>
-        <p:spPr/>
-        <p:txBody>
-          <a:bodyPr/>
-          <a:lstStyle/>
-          <a:p>
-            <a:r>
-              <a:rPr lang="en-US" dirty="0"/>
-              <a:t>Let’s work some examples!</a:t>
-            </a:r>
-          </a:p>
-        </p:txBody>
-      </p:sp>
-      <p:sp>
-        <p:nvSpPr>
-          <p:cNvPr id="3" name="Content Placeholder 2"/>
-          <p:cNvSpPr>
-            <a:spLocks noGrp="1"/>
-          </p:cNvSpPr>
-          <p:nvPr>
-            <p:ph idx="1"/>
-          </p:nvPr>
-        </p:nvSpPr>
-        <p:spPr/>
-        <p:txBody>
-          <a:bodyPr/>
-          <a:lstStyle/>
-          <a:p>
-            <a:r>
-              <a:rPr lang="en-US" dirty="0"/>
-              <a:t>Let’s work some examples: chapter 11 </a:t>
-            </a:r>
-            <a:r>
-              <a:rPr lang="en-US" dirty="0" err="1"/>
-              <a:t>docx</a:t>
-            </a:r>
-            <a:r>
-              <a:rPr lang="en-US" dirty="0"/>
-              <a:t> on blackboard. </a:t>
-            </a:r>
-          </a:p>
-          <a:p>
-            <a:endParaRPr lang="en-US" dirty="0"/>
-          </a:p>
-        </p:txBody>
-      </p:sp>
-    </p:spTree>
-    <p:extLst>
-      <p:ext uri="{BB962C8B-B14F-4D97-AF65-F5344CB8AC3E}">
-        <p14:creationId xmlns:p14="http://schemas.microsoft.com/office/powerpoint/2010/main" val="1922105362"/>
-      </p:ext>
-    </p:extLst>
-  </p:cSld>
-  <p:clrMapOvr>
-    <a:masterClrMapping/>
-  </p:clrMapOvr>
-</p:sld>
-</file>
-
-<file path=ppt/slides/slide16.xml><?xml version="1.0" encoding="utf-8"?>
-<p:sld xmlns:a="http://schemas.openxmlformats.org/drawingml/2006/main" xmlns:r="http://schemas.openxmlformats.org/officeDocument/2006/relationships" xmlns:p="http://schemas.openxmlformats.org/presentationml/2006/main">
-  <p:cSld>
-    <p:spTree>
-      <p:nvGrpSpPr>
-        <p:cNvPr id="1" name=""/>
-        <p:cNvGrpSpPr/>
-        <p:nvPr/>
-      </p:nvGrpSpPr>
-      <p:grpSpPr>
-        <a:xfrm>
-          <a:off x="0" y="0"/>
-          <a:ext cx="0" cy="0"/>
-          <a:chOff x="0" y="0"/>
-          <a:chExt cx="0" cy="0"/>
-        </a:xfrm>
-      </p:grpSpPr>
-      <p:sp>
-        <p:nvSpPr>
           <p:cNvPr id="2" name="Title 1"/>
           <p:cNvSpPr>
             <a:spLocks noGrp="1"/>
@@ -7503,7 +7544,7 @@
             <p:ph idx="1"/>
             <p:extLst>
               <p:ext uri="{D42A27DB-BD31-4B8C-83A1-F6EECF244321}">
-                <p14:modId xmlns:p14="http://schemas.microsoft.com/office/powerpoint/2010/main" val="3322961050"/>
+                <p14:modId xmlns:p14="http://schemas.microsoft.com/office/powerpoint/2010/main" val="3460877247"/>
               </p:ext>
             </p:extLst>
           </p:nvPr>
@@ -7516,7 +7557,7 @@
           <a:graphicData uri="http://schemas.openxmlformats.org/drawingml/2006/table">
             <a:tbl>
               <a:tblPr firstRow="1" bandRow="1">
-                <a:tableStyleId>{1E171933-4619-4E11-9A3F-F7608DF75F80}</a:tableStyleId>
+                <a:tableStyleId>{B301B821-A1FF-4177-AEE7-76D212191A09}</a:tableStyleId>
               </a:tblPr>
               <a:tblGrid>
                 <a:gridCol w="3886200">
@@ -7626,11 +7667,11 @@
                     <a:p>
                       <a:r>
                         <a:rPr lang="en-US" dirty="0"/>
-                        <a:t>Nothing… do </a:t>
+                        <a:t>Nothing… do non-</a:t>
                       </a:r>
                       <a:r>
                         <a:rPr lang="en-US" dirty="0" err="1"/>
-                        <a:t>nonparametrics</a:t>
+                        <a:t>parametrics</a:t>
                       </a:r>
                       <a:endParaRPr lang="en-US" dirty="0"/>
                     </a:p>
@@ -7698,6 +7739,225 @@
 </p:sld>
 </file>
 
+<file path=ppt/slides/slide15.xml><?xml version="1.0" encoding="utf-8"?>
+<p:sld xmlns:a="http://schemas.openxmlformats.org/drawingml/2006/main" xmlns:r="http://schemas.openxmlformats.org/officeDocument/2006/relationships" xmlns:p="http://schemas.openxmlformats.org/presentationml/2006/main">
+  <p:cSld>
+    <p:spTree>
+      <p:nvGrpSpPr>
+        <p:cNvPr id="1" name=""/>
+        <p:cNvGrpSpPr/>
+        <p:nvPr/>
+      </p:nvGrpSpPr>
+      <p:grpSpPr>
+        <a:xfrm>
+          <a:off x="0" y="0"/>
+          <a:ext cx="0" cy="0"/>
+          <a:chOff x="0" y="0"/>
+          <a:chExt cx="0" cy="0"/>
+        </a:xfrm>
+      </p:grpSpPr>
+      <p:sp>
+        <p:nvSpPr>
+          <p:cNvPr id="2" name="Title 1"/>
+          <p:cNvSpPr>
+            <a:spLocks noGrp="1"/>
+          </p:cNvSpPr>
+          <p:nvPr>
+            <p:ph type="title"/>
+          </p:nvPr>
+        </p:nvSpPr>
+        <p:spPr/>
+        <p:txBody>
+          <a:bodyPr/>
+          <a:lstStyle/>
+          <a:p>
+            <a:r>
+              <a:rPr lang="en-US" dirty="0"/>
+              <a:t>Step 2</a:t>
+            </a:r>
+          </a:p>
+        </p:txBody>
+      </p:sp>
+      <p:sp>
+        <p:nvSpPr>
+          <p:cNvPr id="3" name="Content Placeholder 2"/>
+          <p:cNvSpPr>
+            <a:spLocks noGrp="1"/>
+          </p:cNvSpPr>
+          <p:nvPr>
+            <p:ph idx="1"/>
+          </p:nvPr>
+        </p:nvSpPr>
+        <p:spPr/>
+        <p:txBody>
+          <a:bodyPr/>
+          <a:lstStyle/>
+          <a:p>
+            <a:r>
+              <a:rPr lang="en-US" dirty="0"/>
+              <a:t>List the sample, population, and hypotheses</a:t>
+            </a:r>
+          </a:p>
+          <a:p>
+            <a:pPr lvl="1"/>
+            <a:r>
+              <a:rPr lang="en-US" dirty="0"/>
+              <a:t>Sample: group 1 versus group 2</a:t>
+            </a:r>
+          </a:p>
+          <a:p>
+            <a:pPr lvl="1"/>
+            <a:r>
+              <a:rPr lang="en-US" dirty="0"/>
+              <a:t>Population: those groups mean difference will be 0 (</a:t>
+            </a:r>
+            <a:r>
+              <a:rPr lang="el-GR" dirty="0"/>
+              <a:t>μ</a:t>
+            </a:r>
+            <a:r>
+              <a:rPr lang="en-US" dirty="0"/>
+              <a:t> – </a:t>
+            </a:r>
+            <a:r>
+              <a:rPr lang="el-GR" dirty="0"/>
+              <a:t>μ</a:t>
+            </a:r>
+            <a:r>
+              <a:rPr lang="en-US" dirty="0"/>
+              <a:t> = 0)</a:t>
+            </a:r>
+          </a:p>
+          <a:p>
+            <a:endParaRPr lang="en-US" dirty="0"/>
+          </a:p>
+        </p:txBody>
+      </p:sp>
+    </p:spTree>
+    <p:extLst>
+      <p:ext uri="{BB962C8B-B14F-4D97-AF65-F5344CB8AC3E}">
+        <p14:creationId xmlns:p14="http://schemas.microsoft.com/office/powerpoint/2010/main" val="236248749"/>
+      </p:ext>
+    </p:extLst>
+  </p:cSld>
+  <p:clrMapOvr>
+    <a:masterClrMapping/>
+  </p:clrMapOvr>
+</p:sld>
+</file>
+
+<file path=ppt/slides/slide16.xml><?xml version="1.0" encoding="utf-8"?>
+<p:sld xmlns:a="http://schemas.openxmlformats.org/drawingml/2006/main" xmlns:r="http://schemas.openxmlformats.org/officeDocument/2006/relationships" xmlns:p="http://schemas.openxmlformats.org/presentationml/2006/main">
+  <p:cSld>
+    <p:spTree>
+      <p:nvGrpSpPr>
+        <p:cNvPr id="1" name=""/>
+        <p:cNvGrpSpPr/>
+        <p:nvPr/>
+      </p:nvGrpSpPr>
+      <p:grpSpPr>
+        <a:xfrm>
+          <a:off x="0" y="0"/>
+          <a:ext cx="0" cy="0"/>
+          <a:chOff x="0" y="0"/>
+          <a:chExt cx="0" cy="0"/>
+        </a:xfrm>
+      </p:grpSpPr>
+      <p:sp>
+        <p:nvSpPr>
+          <p:cNvPr id="2" name="Title 1"/>
+          <p:cNvSpPr>
+            <a:spLocks noGrp="1"/>
+          </p:cNvSpPr>
+          <p:nvPr>
+            <p:ph type="title"/>
+          </p:nvPr>
+        </p:nvSpPr>
+        <p:spPr/>
+        <p:txBody>
+          <a:bodyPr/>
+          <a:lstStyle/>
+          <a:p>
+            <a:r>
+              <a:rPr lang="en-US" dirty="0"/>
+              <a:t>Step 2</a:t>
+            </a:r>
+          </a:p>
+        </p:txBody>
+      </p:sp>
+      <p:sp>
+        <p:nvSpPr>
+          <p:cNvPr id="3" name="Content Placeholder 2"/>
+          <p:cNvSpPr>
+            <a:spLocks noGrp="1"/>
+          </p:cNvSpPr>
+          <p:nvPr>
+            <p:ph idx="1"/>
+          </p:nvPr>
+        </p:nvSpPr>
+        <p:spPr/>
+        <p:txBody>
+          <a:bodyPr/>
+          <a:lstStyle/>
+          <a:p>
+            <a:r>
+              <a:rPr lang="en-US" dirty="0"/>
+              <a:t>Now, we can list those as group 1 versus group 2 in our Research and Null Hypotheses</a:t>
+            </a:r>
+          </a:p>
+          <a:p>
+            <a:pPr lvl="1"/>
+            <a:r>
+              <a:rPr lang="en-US" dirty="0"/>
+              <a:t>Should also help us distinguish between independent </a:t>
+            </a:r>
+            <a:r>
+              <a:rPr lang="en-US" i="1" dirty="0"/>
+              <a:t>t </a:t>
+            </a:r>
+            <a:r>
+              <a:rPr lang="en-US" dirty="0"/>
+              <a:t>and dependent </a:t>
+            </a:r>
+            <a:r>
+              <a:rPr lang="en-US" i="1" dirty="0"/>
+              <a:t>t</a:t>
+            </a:r>
+          </a:p>
+          <a:p>
+            <a:r>
+              <a:rPr lang="en-US" dirty="0"/>
+              <a:t>Research: group 1 ≠ OR &gt; OR &lt; group 2</a:t>
+            </a:r>
+          </a:p>
+          <a:p>
+            <a:r>
+              <a:rPr lang="en-US" dirty="0"/>
+              <a:t>Null: group 1 = OR ≤ OR ≥ group 2</a:t>
+            </a:r>
+          </a:p>
+          <a:p>
+            <a:pPr lvl="1"/>
+            <a:r>
+              <a:rPr lang="en-US" dirty="0"/>
+              <a:t>Watch the order!</a:t>
+            </a:r>
+          </a:p>
+        </p:txBody>
+      </p:sp>
+    </p:spTree>
+    <p:extLst>
+      <p:ext uri="{BB962C8B-B14F-4D97-AF65-F5344CB8AC3E}">
+        <p14:creationId xmlns:p14="http://schemas.microsoft.com/office/powerpoint/2010/main" val="1207367642"/>
+      </p:ext>
+    </p:extLst>
+  </p:cSld>
+  <p:clrMapOvr>
+    <a:masterClrMapping/>
+  </p:clrMapOvr>
+</p:sld>
+</file>
+
 <file path=ppt/slides/slide17.xml><?xml version="1.0" encoding="utf-8"?>
 <p:sld xmlns:a="http://schemas.openxmlformats.org/drawingml/2006/main" xmlns:r="http://schemas.openxmlformats.org/officeDocument/2006/relationships" xmlns:p="http://schemas.openxmlformats.org/presentationml/2006/main">
   <p:cSld>
@@ -7732,213 +7992,6 @@
           <a:p>
             <a:r>
               <a:rPr lang="en-US" dirty="0"/>
-              <a:t>Step 2</a:t>
-            </a:r>
-          </a:p>
-        </p:txBody>
-      </p:sp>
-      <p:sp>
-        <p:nvSpPr>
-          <p:cNvPr id="3" name="Content Placeholder 2"/>
-          <p:cNvSpPr>
-            <a:spLocks noGrp="1"/>
-          </p:cNvSpPr>
-          <p:nvPr>
-            <p:ph idx="1"/>
-          </p:nvPr>
-        </p:nvSpPr>
-        <p:spPr/>
-        <p:txBody>
-          <a:bodyPr/>
-          <a:lstStyle/>
-          <a:p>
-            <a:r>
-              <a:rPr lang="en-US" dirty="0"/>
-              <a:t>List the sample, population, and hypotheses</a:t>
-            </a:r>
-          </a:p>
-          <a:p>
-            <a:pPr lvl="1"/>
-            <a:r>
-              <a:rPr lang="en-US" dirty="0"/>
-              <a:t>Sample: group 1 versus group 2</a:t>
-            </a:r>
-          </a:p>
-          <a:p>
-            <a:pPr lvl="1"/>
-            <a:r>
-              <a:rPr lang="en-US" dirty="0"/>
-              <a:t>Population: those groups mean difference will be 0 (</a:t>
-            </a:r>
-            <a:r>
-              <a:rPr lang="el-GR" dirty="0"/>
-              <a:t>μ</a:t>
-            </a:r>
-            <a:r>
-              <a:rPr lang="en-US" dirty="0"/>
-              <a:t> – </a:t>
-            </a:r>
-            <a:r>
-              <a:rPr lang="el-GR" dirty="0"/>
-              <a:t>μ</a:t>
-            </a:r>
-            <a:r>
-              <a:rPr lang="en-US" dirty="0"/>
-              <a:t> = 0)</a:t>
-            </a:r>
-          </a:p>
-          <a:p>
-            <a:endParaRPr lang="en-US" dirty="0"/>
-          </a:p>
-        </p:txBody>
-      </p:sp>
-    </p:spTree>
-    <p:extLst>
-      <p:ext uri="{BB962C8B-B14F-4D97-AF65-F5344CB8AC3E}">
-        <p14:creationId xmlns:p14="http://schemas.microsoft.com/office/powerpoint/2010/main" val="236248749"/>
-      </p:ext>
-    </p:extLst>
-  </p:cSld>
-  <p:clrMapOvr>
-    <a:masterClrMapping/>
-  </p:clrMapOvr>
-</p:sld>
-</file>
-
-<file path=ppt/slides/slide18.xml><?xml version="1.0" encoding="utf-8"?>
-<p:sld xmlns:a="http://schemas.openxmlformats.org/drawingml/2006/main" xmlns:r="http://schemas.openxmlformats.org/officeDocument/2006/relationships" xmlns:p="http://schemas.openxmlformats.org/presentationml/2006/main">
-  <p:cSld>
-    <p:spTree>
-      <p:nvGrpSpPr>
-        <p:cNvPr id="1" name=""/>
-        <p:cNvGrpSpPr/>
-        <p:nvPr/>
-      </p:nvGrpSpPr>
-      <p:grpSpPr>
-        <a:xfrm>
-          <a:off x="0" y="0"/>
-          <a:ext cx="0" cy="0"/>
-          <a:chOff x="0" y="0"/>
-          <a:chExt cx="0" cy="0"/>
-        </a:xfrm>
-      </p:grpSpPr>
-      <p:sp>
-        <p:nvSpPr>
-          <p:cNvPr id="2" name="Title 1"/>
-          <p:cNvSpPr>
-            <a:spLocks noGrp="1"/>
-          </p:cNvSpPr>
-          <p:nvPr>
-            <p:ph type="title"/>
-          </p:nvPr>
-        </p:nvSpPr>
-        <p:spPr/>
-        <p:txBody>
-          <a:bodyPr/>
-          <a:lstStyle/>
-          <a:p>
-            <a:r>
-              <a:rPr lang="en-US" dirty="0"/>
-              <a:t>Step 2</a:t>
-            </a:r>
-          </a:p>
-        </p:txBody>
-      </p:sp>
-      <p:sp>
-        <p:nvSpPr>
-          <p:cNvPr id="3" name="Content Placeholder 2"/>
-          <p:cNvSpPr>
-            <a:spLocks noGrp="1"/>
-          </p:cNvSpPr>
-          <p:nvPr>
-            <p:ph idx="1"/>
-          </p:nvPr>
-        </p:nvSpPr>
-        <p:spPr/>
-        <p:txBody>
-          <a:bodyPr/>
-          <a:lstStyle/>
-          <a:p>
-            <a:r>
-              <a:rPr lang="en-US" dirty="0"/>
-              <a:t>Now, we can list those as group 1 versus group 2 in our R and N</a:t>
-            </a:r>
-          </a:p>
-          <a:p>
-            <a:pPr lvl="1"/>
-            <a:r>
-              <a:rPr lang="en-US" dirty="0"/>
-              <a:t>Should also help us distinguish between independent t and dependent t</a:t>
-            </a:r>
-          </a:p>
-          <a:p>
-            <a:r>
-              <a:rPr lang="en-US" dirty="0"/>
-              <a:t>R: group 1 =/ OR &gt; OR &lt; group 2</a:t>
-            </a:r>
-          </a:p>
-          <a:p>
-            <a:r>
-              <a:rPr lang="en-US" dirty="0"/>
-              <a:t>N: group 1 = OR &lt;= OR &gt;= group 2</a:t>
-            </a:r>
-          </a:p>
-          <a:p>
-            <a:pPr lvl="1"/>
-            <a:r>
-              <a:rPr lang="en-US" dirty="0"/>
-              <a:t>Watch the order!</a:t>
-            </a:r>
-          </a:p>
-        </p:txBody>
-      </p:sp>
-    </p:spTree>
-    <p:extLst>
-      <p:ext uri="{BB962C8B-B14F-4D97-AF65-F5344CB8AC3E}">
-        <p14:creationId xmlns:p14="http://schemas.microsoft.com/office/powerpoint/2010/main" val="1207367642"/>
-      </p:ext>
-    </p:extLst>
-  </p:cSld>
-  <p:clrMapOvr>
-    <a:masterClrMapping/>
-  </p:clrMapOvr>
-</p:sld>
-</file>
-
-<file path=ppt/slides/slide19.xml><?xml version="1.0" encoding="utf-8"?>
-<p:sld xmlns:a="http://schemas.openxmlformats.org/drawingml/2006/main" xmlns:r="http://schemas.openxmlformats.org/officeDocument/2006/relationships" xmlns:p="http://schemas.openxmlformats.org/presentationml/2006/main">
-  <p:cSld>
-    <p:spTree>
-      <p:nvGrpSpPr>
-        <p:cNvPr id="1" name=""/>
-        <p:cNvGrpSpPr/>
-        <p:nvPr/>
-      </p:nvGrpSpPr>
-      <p:grpSpPr>
-        <a:xfrm>
-          <a:off x="0" y="0"/>
-          <a:ext cx="0" cy="0"/>
-          <a:chOff x="0" y="0"/>
-          <a:chExt cx="0" cy="0"/>
-        </a:xfrm>
-      </p:grpSpPr>
-      <p:sp>
-        <p:nvSpPr>
-          <p:cNvPr id="2" name="Title 1"/>
-          <p:cNvSpPr>
-            <a:spLocks noGrp="1"/>
-          </p:cNvSpPr>
-          <p:nvPr>
-            <p:ph type="title"/>
-          </p:nvPr>
-        </p:nvSpPr>
-        <p:spPr/>
-        <p:txBody>
-          <a:bodyPr/>
-          <a:lstStyle/>
-          <a:p>
-            <a:r>
-              <a:rPr lang="en-US" dirty="0"/>
               <a:t>Step 3</a:t>
             </a:r>
           </a:p>
@@ -7978,14 +8031,14 @@
           <p:nvPr>
             <p:extLst>
               <p:ext uri="{D42A27DB-BD31-4B8C-83A1-F6EECF244321}">
-                <p14:modId xmlns:p14="http://schemas.microsoft.com/office/powerpoint/2010/main" val="391975693"/>
+                <p14:modId xmlns:p14="http://schemas.microsoft.com/office/powerpoint/2010/main" val="3707302334"/>
               </p:ext>
             </p:extLst>
           </p:nvPr>
         </p:nvGraphicFramePr>
         <p:xfrm>
           <a:off x="1066800" y="2743200"/>
-          <a:ext cx="6096000" cy="2595880"/>
+          <a:ext cx="6096000" cy="2225040"/>
         </p:xfrm>
         <a:graphic>
           <a:graphicData uri="http://schemas.openxmlformats.org/drawingml/2006/table">
@@ -8118,7 +8171,7 @@
                     <a:bodyPr/>
                     <a:lstStyle/>
                     <a:p>
-                      <a:endParaRPr lang="en-US"/>
+                      <a:endParaRPr lang="en-US" dirty="0"/>
                     </a:p>
                   </a:txBody>
                   <a:tcPr/>
@@ -8231,49 +8284,8 @@
                     <a:p>
                       <a:r>
                         <a:rPr lang="en-US" dirty="0"/>
-                        <a:t>Spooled</a:t>
+                        <a:t>S difference</a:t>
                       </a:r>
-                    </a:p>
-                  </a:txBody>
-                  <a:tcPr/>
-                </a:tc>
-                <a:tc gridSpan="2">
-                  <a:txBody>
-                    <a:bodyPr/>
-                    <a:lstStyle/>
-                    <a:p>
-                      <a:endParaRPr lang="en-US" dirty="0"/>
-                    </a:p>
-                  </a:txBody>
-                  <a:tcPr/>
-                </a:tc>
-                <a:tc hMerge="1">
-                  <a:txBody>
-                    <a:bodyPr/>
-                    <a:lstStyle/>
-                    <a:p>
-                      <a:endParaRPr lang="en-US" dirty="0"/>
-                    </a:p>
-                  </a:txBody>
-                  <a:tcPr/>
-                </a:tc>
-                <a:extLst>
-                  <a:ext uri="{0D108BD9-81ED-4DB2-BD59-A6C34878D82A}">
-                    <a16:rowId xmlns:a16="http://schemas.microsoft.com/office/drawing/2014/main" val="10005"/>
-                  </a:ext>
-                </a:extLst>
-              </a:tr>
-              <a:tr h="370840">
-                <a:tc>
-                  <a:txBody>
-                    <a:bodyPr/>
-                    <a:lstStyle/>
-                    <a:p>
-                      <a:r>
-                        <a:rPr lang="en-US" dirty="0" err="1"/>
-                        <a:t>Sdifference</a:t>
-                      </a:r>
-                      <a:endParaRPr lang="en-US" dirty="0"/>
                     </a:p>
                   </a:txBody>
                   <a:tcPr/>
@@ -8321,6 +8333,258 @@
 </p:sld>
 </file>
 
+<file path=ppt/slides/slide18.xml><?xml version="1.0" encoding="utf-8"?>
+<p:sld xmlns:a="http://schemas.openxmlformats.org/drawingml/2006/main" xmlns:r="http://schemas.openxmlformats.org/officeDocument/2006/relationships" xmlns:p="http://schemas.openxmlformats.org/presentationml/2006/main">
+  <p:cSld>
+    <p:spTree>
+      <p:nvGrpSpPr>
+        <p:cNvPr id="1" name=""/>
+        <p:cNvGrpSpPr/>
+        <p:nvPr/>
+      </p:nvGrpSpPr>
+      <p:grpSpPr>
+        <a:xfrm>
+          <a:off x="0" y="0"/>
+          <a:ext cx="0" cy="0"/>
+          <a:chOff x="0" y="0"/>
+          <a:chExt cx="0" cy="0"/>
+        </a:xfrm>
+      </p:grpSpPr>
+      <p:sp>
+        <p:nvSpPr>
+          <p:cNvPr id="2" name="Title 1"/>
+          <p:cNvSpPr>
+            <a:spLocks noGrp="1"/>
+          </p:cNvSpPr>
+          <p:nvPr>
+            <p:ph type="title"/>
+          </p:nvPr>
+        </p:nvSpPr>
+        <p:spPr/>
+        <p:txBody>
+          <a:bodyPr/>
+          <a:lstStyle/>
+          <a:p>
+            <a:r>
+              <a:rPr lang="en-US" dirty="0"/>
+              <a:t>Step 4</a:t>
+            </a:r>
+          </a:p>
+        </p:txBody>
+      </p:sp>
+      <p:sp>
+        <p:nvSpPr>
+          <p:cNvPr id="3" name="Content Placeholder 2"/>
+          <p:cNvSpPr>
+            <a:spLocks noGrp="1"/>
+          </p:cNvSpPr>
+          <p:nvPr>
+            <p:ph idx="1"/>
+          </p:nvPr>
+        </p:nvSpPr>
+        <p:spPr/>
+        <p:txBody>
+          <a:bodyPr/>
+          <a:lstStyle/>
+          <a:p>
+            <a:r>
+              <a:rPr lang="en-US" dirty="0"/>
+              <a:t>Since we are dealing with two groups, we have two </a:t>
+            </a:r>
+            <a:r>
+              <a:rPr lang="en-US" i="1" dirty="0" err="1"/>
+              <a:t>df</a:t>
+            </a:r>
+            <a:r>
+              <a:rPr lang="en-US" dirty="0"/>
+              <a:t> </a:t>
+            </a:r>
+            <a:r>
+              <a:rPr lang="is-IS" dirty="0"/>
+              <a:t>… but the </a:t>
+            </a:r>
+            <a:r>
+              <a:rPr lang="is-IS" i="1" dirty="0"/>
+              <a:t>t</a:t>
+            </a:r>
+            <a:r>
+              <a:rPr lang="is-IS" dirty="0"/>
+              <a:t> distribution only has one df?</a:t>
+            </a:r>
+          </a:p>
+          <a:p>
+            <a:pPr lvl="1"/>
+            <a:r>
+              <a:rPr lang="is-IS" dirty="0"/>
+              <a:t>So add them together!</a:t>
+            </a:r>
+          </a:p>
+          <a:p>
+            <a:pPr lvl="1"/>
+            <a:r>
+              <a:rPr lang="is-IS" i="1" dirty="0"/>
+              <a:t>df</a:t>
+            </a:r>
+            <a:r>
+              <a:rPr lang="is-IS" dirty="0"/>
+              <a:t> total = (</a:t>
+            </a:r>
+            <a:r>
+              <a:rPr lang="is-IS" i="1" dirty="0"/>
+              <a:t>N</a:t>
+            </a:r>
+            <a:r>
+              <a:rPr lang="is-IS" dirty="0"/>
+              <a:t>-1) + </a:t>
+            </a:r>
+            <a:r>
+              <a:rPr lang="is-IS" i="1" dirty="0"/>
+              <a:t>(N-</a:t>
+            </a:r>
+            <a:r>
+              <a:rPr lang="is-IS" dirty="0"/>
+              <a:t>1)</a:t>
+            </a:r>
+          </a:p>
+        </p:txBody>
+      </p:sp>
+    </p:spTree>
+    <p:extLst>
+      <p:ext uri="{BB962C8B-B14F-4D97-AF65-F5344CB8AC3E}">
+        <p14:creationId xmlns:p14="http://schemas.microsoft.com/office/powerpoint/2010/main" val="1179435045"/>
+      </p:ext>
+    </p:extLst>
+  </p:cSld>
+  <p:clrMapOvr>
+    <a:masterClrMapping/>
+  </p:clrMapOvr>
+</p:sld>
+</file>
+
+<file path=ppt/slides/slide19.xml><?xml version="1.0" encoding="utf-8"?>
+<p:sld xmlns:a="http://schemas.openxmlformats.org/drawingml/2006/main" xmlns:r="http://schemas.openxmlformats.org/officeDocument/2006/relationships" xmlns:p="http://schemas.openxmlformats.org/presentationml/2006/main">
+  <p:cSld>
+    <p:spTree>
+      <p:nvGrpSpPr>
+        <p:cNvPr id="1" name=""/>
+        <p:cNvGrpSpPr/>
+        <p:nvPr/>
+      </p:nvGrpSpPr>
+      <p:grpSpPr>
+        <a:xfrm>
+          <a:off x="0" y="0"/>
+          <a:ext cx="0" cy="0"/>
+          <a:chOff x="0" y="0"/>
+          <a:chExt cx="0" cy="0"/>
+        </a:xfrm>
+      </p:grpSpPr>
+      <p:sp>
+        <p:nvSpPr>
+          <p:cNvPr id="2" name="Title 1"/>
+          <p:cNvSpPr>
+            <a:spLocks noGrp="1"/>
+          </p:cNvSpPr>
+          <p:nvPr>
+            <p:ph type="title"/>
+          </p:nvPr>
+        </p:nvSpPr>
+        <p:spPr/>
+        <p:txBody>
+          <a:bodyPr/>
+          <a:lstStyle/>
+          <a:p>
+            <a:r>
+              <a:rPr lang="en-US" dirty="0"/>
+              <a:t>Step 4</a:t>
+            </a:r>
+          </a:p>
+        </p:txBody>
+      </p:sp>
+      <p:sp>
+        <p:nvSpPr>
+          <p:cNvPr id="3" name="Content Placeholder 2"/>
+          <p:cNvSpPr>
+            <a:spLocks noGrp="1"/>
+          </p:cNvSpPr>
+          <p:nvPr>
+            <p:ph idx="1"/>
+          </p:nvPr>
+        </p:nvSpPr>
+        <p:spPr/>
+        <p:txBody>
+          <a:bodyPr/>
+          <a:lstStyle/>
+          <a:p>
+            <a:r>
+              <a:rPr lang="en-US" dirty="0"/>
+              <a:t>Figure out the cut off score, </a:t>
+            </a:r>
+            <a:r>
+              <a:rPr lang="en-US" dirty="0" err="1"/>
+              <a:t>t</a:t>
+            </a:r>
+            <a:r>
+              <a:rPr lang="en-US" baseline="-25000" dirty="0" err="1"/>
+              <a:t>critical</a:t>
+            </a:r>
+            <a:endParaRPr lang="en-US" baseline="-25000" dirty="0"/>
+          </a:p>
+          <a:p>
+            <a:endParaRPr lang="en-US" dirty="0"/>
+          </a:p>
+        </p:txBody>
+      </p:sp>
+      <p:pic>
+        <p:nvPicPr>
+          <p:cNvPr id="5" name="Picture 2" descr="C:\Documents and Settings\dillerj\Desktop\Stats_Consult\JPGS - low res\CH09\low\NOLESS_TB09-01.jpg">
+            <a:extLst>
+              <a:ext uri="{FF2B5EF4-FFF2-40B4-BE49-F238E27FC236}">
+                <a16:creationId xmlns:a16="http://schemas.microsoft.com/office/drawing/2014/main" id="{55525AA7-2F58-48A9-8923-7E09025A3A3C}"/>
+              </a:ext>
+            </a:extLst>
+          </p:cNvPr>
+          <p:cNvPicPr>
+            <a:picLocks noChangeAspect="1" noChangeArrowheads="1"/>
+          </p:cNvPicPr>
+          <p:nvPr/>
+        </p:nvPicPr>
+        <p:blipFill>
+          <a:blip r:embed="rId3"/>
+          <a:srcRect/>
+          <a:stretch>
+            <a:fillRect/>
+          </a:stretch>
+        </p:blipFill>
+        <p:spPr bwMode="auto">
+          <a:xfrm>
+            <a:off x="1080263" y="2440469"/>
+            <a:ext cx="7029192" cy="3240018"/>
+          </a:xfrm>
+          <a:prstGeom prst="rect">
+            <a:avLst/>
+          </a:prstGeom>
+          <a:noFill/>
+          <a:ln w="9525">
+            <a:noFill/>
+            <a:miter lim="800000"/>
+            <a:headEnd/>
+            <a:tailEnd/>
+          </a:ln>
+        </p:spPr>
+      </p:pic>
+    </p:spTree>
+    <p:extLst>
+      <p:ext uri="{BB962C8B-B14F-4D97-AF65-F5344CB8AC3E}">
+        <p14:creationId xmlns:p14="http://schemas.microsoft.com/office/powerpoint/2010/main" val="1821122758"/>
+      </p:ext>
+    </p:extLst>
+  </p:cSld>
+  <p:clrMapOvr>
+    <a:masterClrMapping/>
+  </p:clrMapOvr>
+</p:sld>
+</file>
+
 <file path=ppt/slides/slide2.xml><?xml version="1.0" encoding="utf-8"?>
 <p:sld xmlns:a="http://schemas.openxmlformats.org/drawingml/2006/main" xmlns:r="http://schemas.openxmlformats.org/officeDocument/2006/relationships" xmlns:p="http://schemas.openxmlformats.org/presentationml/2006/main">
   <p:cSld>
@@ -8482,7 +8746,7 @@
           <a:p>
             <a:r>
               <a:rPr lang="en-US" dirty="0"/>
-              <a:t>Step 3</a:t>
+              <a:t>Step 5</a:t>
             </a:r>
           </a:p>
         </p:txBody>
@@ -8504,89 +8768,79 @@
           <a:p>
             <a:r>
               <a:rPr lang="en-US" dirty="0"/>
-              <a:t>Get the mean</a:t>
+              <a:t>Find </a:t>
+            </a:r>
+            <a:r>
+              <a:rPr lang="en-US" i="1" dirty="0"/>
+              <a:t>t</a:t>
+            </a:r>
+            <a:r>
+              <a:rPr lang="en-US" baseline="-25000" dirty="0"/>
+              <a:t>actual</a:t>
             </a:r>
           </a:p>
           <a:p>
             <a:pPr lvl="1"/>
             <a:r>
-              <a:rPr lang="en-US" dirty="0"/>
-              <a:t>summary(</a:t>
-            </a:r>
-            <a:r>
               <a:rPr lang="en-US" i="1" dirty="0"/>
-              <a:t>dataset</a:t>
-            </a:r>
-            <a:r>
-              <a:rPr lang="en-US" dirty="0"/>
-              <a:t>)</a:t>
-            </a:r>
-          </a:p>
-          <a:p>
-            <a:r>
-              <a:rPr lang="en-US" dirty="0"/>
-              <a:t>Get the </a:t>
+              <a:t>t</a:t>
+            </a:r>
+            <a:r>
+              <a:rPr lang="en-US" dirty="0"/>
+              <a:t> = (M</a:t>
+            </a:r>
+            <a:r>
+              <a:rPr lang="en-US" baseline="-25000" dirty="0"/>
+              <a:t>X</a:t>
+            </a:r>
+            <a:r>
+              <a:rPr lang="en-US" dirty="0"/>
+              <a:t> – M</a:t>
+            </a:r>
+            <a:r>
+              <a:rPr lang="en-US" baseline="-25000" dirty="0"/>
+              <a:t>Y</a:t>
+            </a:r>
+            <a:r>
+              <a:rPr lang="en-US" dirty="0"/>
+              <a:t>) / </a:t>
             </a:r>
             <a:r>
               <a:rPr lang="en-US" dirty="0" err="1"/>
-              <a:t>sd</a:t>
-            </a:r>
+              <a:t>Se</a:t>
+            </a:r>
+            <a:r>
+              <a:rPr lang="en-US" baseline="-25000" dirty="0" err="1"/>
+              <a:t>diff</a:t>
+            </a:r>
+            <a:endParaRPr lang="en-US" baseline="-25000" dirty="0"/>
+          </a:p>
+          <a:p>
+            <a:r>
+              <a:rPr lang="en-US" dirty="0"/>
+              <a:t>Make sure your mean difference score, </a:t>
+            </a:r>
+            <a:r>
+              <a:rPr lang="en-US" dirty="0" err="1"/>
+              <a:t>df</a:t>
+            </a:r>
+            <a:r>
+              <a:rPr lang="en-US" dirty="0"/>
+              <a:t>, and hypothesis all match!</a:t>
+            </a:r>
+          </a:p>
+          <a:p>
+            <a:pPr marL="201168" lvl="1" indent="0">
+              <a:buNone/>
+            </a:pPr>
             <a:endParaRPr lang="en-US" dirty="0"/>
-          </a:p>
-          <a:p>
-            <a:pPr lvl="1"/>
-            <a:r>
-              <a:rPr lang="en-US" dirty="0" err="1"/>
-              <a:t>sd</a:t>
-            </a:r>
-            <a:r>
-              <a:rPr lang="en-US" dirty="0"/>
-              <a:t>(</a:t>
-            </a:r>
-            <a:r>
-              <a:rPr lang="en-US" i="1" dirty="0" err="1"/>
-              <a:t>dataset$column</a:t>
-            </a:r>
-            <a:r>
-              <a:rPr lang="en-US" i="1" dirty="0"/>
-              <a:t>, </a:t>
-            </a:r>
-            <a:r>
-              <a:rPr lang="en-US" dirty="0" err="1"/>
-              <a:t>na.rm</a:t>
-            </a:r>
-            <a:r>
-              <a:rPr lang="en-US" dirty="0"/>
-              <a:t> = T)</a:t>
-            </a:r>
-          </a:p>
-          <a:p>
-            <a:r>
-              <a:rPr lang="en-US" dirty="0"/>
-              <a:t>Get N</a:t>
-            </a:r>
-          </a:p>
-          <a:p>
-            <a:pPr lvl="1"/>
-            <a:r>
-              <a:rPr lang="en-US" dirty="0"/>
-              <a:t>length(</a:t>
-            </a:r>
-            <a:r>
-              <a:rPr lang="en-US" i="1" dirty="0" err="1"/>
-              <a:t>dataset$column</a:t>
-            </a:r>
-            <a:r>
-              <a:rPr lang="en-US" dirty="0"/>
-              <a:t>)</a:t>
-            </a:r>
           </a:p>
         </p:txBody>
       </p:sp>
     </p:spTree>
     <p:extLst>
       <p:ext uri="{BB962C8B-B14F-4D97-AF65-F5344CB8AC3E}">
-        <p14:creationId xmlns:p14="http://schemas.microsoft.com/office/powerpoint/2010/main" val="655488153"/>
+        <p14:creationId xmlns:p14="http://schemas.microsoft.com/office/powerpoint/2010/main" val="207572466"/>
       </p:ext>
     </p:extLst>
   </p:cSld>
@@ -8613,82 +8867,74 @@
           <a:chExt cx="0" cy="0"/>
         </a:xfrm>
       </p:grpSpPr>
-      <p:pic>
-        <p:nvPicPr>
-          <p:cNvPr id="4" name="Picture 3"/>
-          <p:cNvPicPr>
-            <a:picLocks noChangeAspect="1"/>
-          </p:cNvPicPr>
-          <p:nvPr/>
-        </p:nvPicPr>
-        <p:blipFill>
-          <a:blip r:embed="rId2"/>
-          <a:stretch>
-            <a:fillRect/>
-          </a:stretch>
-        </p:blipFill>
-        <p:spPr>
-          <a:xfrm>
-            <a:off x="-1" y="12700"/>
-            <a:ext cx="4677989" cy="2730500"/>
-          </a:xfrm>
-          <a:prstGeom prst="rect">
-            <a:avLst/>
-          </a:prstGeom>
-        </p:spPr>
-      </p:pic>
-      <p:pic>
-        <p:nvPicPr>
-          <p:cNvPr id="5" name="Picture 4"/>
-          <p:cNvPicPr>
-            <a:picLocks noChangeAspect="1"/>
-          </p:cNvPicPr>
-          <p:nvPr/>
-        </p:nvPicPr>
-        <p:blipFill>
-          <a:blip r:embed="rId3"/>
-          <a:stretch>
-            <a:fillRect/>
-          </a:stretch>
-        </p:blipFill>
-        <p:spPr>
-          <a:xfrm>
-            <a:off x="0" y="2895600"/>
-            <a:ext cx="4699322" cy="1600200"/>
-          </a:xfrm>
-          <a:prstGeom prst="rect">
-            <a:avLst/>
-          </a:prstGeom>
-        </p:spPr>
-      </p:pic>
-      <p:pic>
-        <p:nvPicPr>
-          <p:cNvPr id="6" name="Picture 5"/>
-          <p:cNvPicPr>
-            <a:picLocks noChangeAspect="1"/>
-          </p:cNvPicPr>
-          <p:nvPr/>
-        </p:nvPicPr>
-        <p:blipFill>
-          <a:blip r:embed="rId4"/>
-          <a:stretch>
-            <a:fillRect/>
-          </a:stretch>
-        </p:blipFill>
-        <p:spPr>
-          <a:xfrm>
-            <a:off x="0" y="4648200"/>
-            <a:ext cx="4343400" cy="1723927"/>
-          </a:xfrm>
-          <a:prstGeom prst="rect">
-            <a:avLst/>
-          </a:prstGeom>
-        </p:spPr>
-      </p:pic>
+      <p:sp>
+        <p:nvSpPr>
+          <p:cNvPr id="2" name="Title 1"/>
+          <p:cNvSpPr>
+            <a:spLocks noGrp="1"/>
+          </p:cNvSpPr>
+          <p:nvPr>
+            <p:ph type="title"/>
+          </p:nvPr>
+        </p:nvSpPr>
+        <p:spPr/>
+        <p:txBody>
+          <a:bodyPr/>
+          <a:lstStyle/>
+          <a:p>
+            <a:r>
+              <a:rPr lang="en-US" dirty="0"/>
+              <a:t>Step 6</a:t>
+            </a:r>
+          </a:p>
+        </p:txBody>
+      </p:sp>
+      <p:sp>
+        <p:nvSpPr>
+          <p:cNvPr id="3" name="Content Placeholder 2"/>
+          <p:cNvSpPr>
+            <a:spLocks noGrp="1"/>
+          </p:cNvSpPr>
+          <p:nvPr>
+            <p:ph idx="1"/>
+          </p:nvPr>
+        </p:nvSpPr>
+        <p:spPr/>
+        <p:txBody>
+          <a:bodyPr/>
+          <a:lstStyle/>
+          <a:p>
+            <a:r>
+              <a:rPr lang="en-US" dirty="0"/>
+              <a:t>Compare step 4 and 5 – is your score more extreme? </a:t>
+            </a:r>
+          </a:p>
+          <a:p>
+            <a:pPr lvl="1"/>
+            <a:r>
+              <a:rPr lang="en-US" dirty="0"/>
+              <a:t>Reject the null</a:t>
+            </a:r>
+          </a:p>
+          <a:p>
+            <a:r>
+              <a:rPr lang="en-US" dirty="0"/>
+              <a:t>Compare step 4 and 5 – is your score closer to the middle?</a:t>
+            </a:r>
+          </a:p>
+          <a:p>
+            <a:pPr lvl="1"/>
+            <a:r>
+              <a:rPr lang="en-US" dirty="0"/>
+              <a:t>Fail to reject the null </a:t>
+            </a:r>
+          </a:p>
+        </p:txBody>
+      </p:sp>
     </p:spTree>
     <p:extLst>
       <p:ext uri="{BB962C8B-B14F-4D97-AF65-F5344CB8AC3E}">
-        <p14:creationId xmlns:p14="http://schemas.microsoft.com/office/powerpoint/2010/main" val="1811604509"/>
+        <p14:creationId xmlns:p14="http://schemas.microsoft.com/office/powerpoint/2010/main" val="2093802363"/>
       </p:ext>
     </p:extLst>
   </p:cSld>
@@ -8717,7 +8963,13 @@
       </p:grpSpPr>
       <p:sp>
         <p:nvSpPr>
-          <p:cNvPr id="2" name="Title 1"/>
+          <p:cNvPr id="2" name="Title 1">
+            <a:extLst>
+              <a:ext uri="{FF2B5EF4-FFF2-40B4-BE49-F238E27FC236}">
+                <a16:creationId xmlns:a16="http://schemas.microsoft.com/office/drawing/2014/main" id="{A4B1F7F8-3763-4CB9-A2B8-0F72578932CD}"/>
+              </a:ext>
+            </a:extLst>
+          </p:cNvPr>
           <p:cNvSpPr>
             <a:spLocks noGrp="1"/>
           </p:cNvSpPr>
@@ -8732,7 +8984,7 @@
           <a:p>
             <a:r>
               <a:rPr lang="en-US" dirty="0"/>
-              <a:t>Step 3</a:t>
+              <a:t>Steps for Calculating CIs</a:t>
             </a:r>
           </a:p>
         </p:txBody>
@@ -8749,63 +9001,80 @@
         </p:nvSpPr>
         <p:spPr/>
         <p:txBody>
-          <a:bodyPr/>
+          <a:bodyPr>
+            <a:normAutofit/>
+          </a:bodyPr>
           <a:lstStyle/>
           <a:p>
-            <a:r>
-              <a:rPr lang="en-US" dirty="0"/>
-              <a:t>Get Spooled (evil!)</a:t>
-            </a:r>
-          </a:p>
-          <a:p>
-            <a:r>
-              <a:rPr lang="en-US" dirty="0"/>
-              <a:t>spooled = </a:t>
-            </a:r>
-            <a:r>
-              <a:rPr lang="en-US" dirty="0" err="1"/>
-              <a:t>sqrt</a:t>
-            </a:r>
-            <a:r>
-              <a:rPr lang="en-US" dirty="0"/>
-              <a:t>( ((n1-1)*sd1^2 + (n2-1)*sd2^2) / (n1+n2 - 2))</a:t>
-            </a:r>
-          </a:p>
-          <a:p>
-            <a:endParaRPr lang="en-US" dirty="0"/>
-          </a:p>
-        </p:txBody>
-      </p:sp>
-      <p:pic>
-        <p:nvPicPr>
-          <p:cNvPr id="4" name="Picture 3"/>
-          <p:cNvPicPr>
-            <a:picLocks noChangeAspect="1"/>
-          </p:cNvPicPr>
-          <p:nvPr/>
-        </p:nvPicPr>
-        <p:blipFill>
-          <a:blip r:embed="rId2"/>
-          <a:stretch>
-            <a:fillRect/>
-          </a:stretch>
-        </p:blipFill>
-        <p:spPr>
-          <a:xfrm>
-            <a:off x="698500" y="3886200"/>
-            <a:ext cx="5803900" cy="698500"/>
-          </a:xfrm>
-          <a:prstGeom prst="rect">
-            <a:avLst/>
-          </a:prstGeom>
-        </p:spPr>
-      </p:pic>
+            <a:pPr>
+              <a:defRPr/>
+            </a:pPr>
+            <a:r>
+              <a:rPr lang="en-US" dirty="0"/>
+              <a:t>The suggestion for CI for independent </a:t>
+            </a:r>
+            <a:r>
+              <a:rPr lang="en-US" i="1" dirty="0"/>
+              <a:t>t</a:t>
+            </a:r>
+            <a:r>
+              <a:rPr lang="en-US" dirty="0"/>
+              <a:t> is to calculate the CI around the mean difference (</a:t>
+            </a:r>
+            <a:r>
+              <a:rPr lang="en-US" i="1" dirty="0"/>
+              <a:t>M</a:t>
+            </a:r>
+            <a:r>
+              <a:rPr lang="en-US" baseline="-25000" dirty="0"/>
+              <a:t>X</a:t>
+            </a:r>
+            <a:r>
+              <a:rPr lang="en-US" dirty="0"/>
+              <a:t> – </a:t>
+            </a:r>
+            <a:r>
+              <a:rPr lang="en-US" i="1" dirty="0"/>
+              <a:t>M</a:t>
+            </a:r>
+            <a:r>
+              <a:rPr lang="en-US" baseline="-25000" dirty="0"/>
+              <a:t>Y</a:t>
+            </a:r>
+            <a:r>
+              <a:rPr lang="en-US" dirty="0"/>
+              <a:t>).</a:t>
+            </a:r>
+          </a:p>
+          <a:p>
+            <a:pPr lvl="1">
+              <a:defRPr/>
+            </a:pPr>
+            <a:r>
+              <a:rPr lang="en-US" dirty="0"/>
+              <a:t>This calculation will tell you if you should reject the null – remember you do NOT want it to include 0.</a:t>
+            </a:r>
+          </a:p>
+          <a:p>
+            <a:pPr lvl="1">
+              <a:defRPr/>
+            </a:pPr>
+            <a:r>
+              <a:rPr lang="en-US" dirty="0"/>
+              <a:t>Does not match what people normally do in research papers (which is calculate each</a:t>
+            </a:r>
+            <a:r>
+              <a:rPr lang="en-US" i="1" dirty="0"/>
+              <a:t> M </a:t>
+            </a:r>
+            <a:r>
+              <a:rPr lang="en-US" dirty="0"/>
+              <a:t>CI separately).</a:t>
+            </a:r>
+          </a:p>
+        </p:txBody>
+      </p:sp>
     </p:spTree>
-    <p:extLst>
-      <p:ext uri="{BB962C8B-B14F-4D97-AF65-F5344CB8AC3E}">
-        <p14:creationId xmlns:p14="http://schemas.microsoft.com/office/powerpoint/2010/main" val="1426256101"/>
-      </p:ext>
-    </p:extLst>
   </p:cSld>
   <p:clrMapOvr>
     <a:masterClrMapping/>
@@ -8847,7 +9116,7 @@
           <a:p>
             <a:r>
               <a:rPr lang="en-US" dirty="0"/>
-              <a:t>Step 3</a:t>
+              <a:t>Confidence Interval</a:t>
             </a:r>
           </a:p>
         </p:txBody>
@@ -8869,73 +9138,80 @@
           <a:p>
             <a:r>
               <a:rPr lang="en-US" dirty="0"/>
-              <a:t>Get </a:t>
-            </a:r>
-            <a:r>
-              <a:rPr lang="en-US" dirty="0" err="1"/>
-              <a:t>Sdifference</a:t>
-            </a:r>
-            <a:r>
-              <a:rPr lang="en-US" dirty="0"/>
-              <a:t> (less evil)</a:t>
-            </a:r>
-          </a:p>
-          <a:p>
-            <a:r>
-              <a:rPr lang="en-US" dirty="0" err="1"/>
-              <a:t>sdifference</a:t>
-            </a:r>
-            <a:r>
-              <a:rPr lang="en-US" dirty="0"/>
-              <a:t> = </a:t>
-            </a:r>
-            <a:r>
-              <a:rPr lang="en-US" dirty="0" err="1"/>
-              <a:t>sqrt</a:t>
-            </a:r>
-            <a:r>
-              <a:rPr lang="en-US" dirty="0"/>
-              <a:t>((spooled^2/n1 + spooled^2/n2))</a:t>
-            </a:r>
-          </a:p>
-          <a:p>
-            <a:pPr lvl="1"/>
+              <a:t>Lower limit= </a:t>
+            </a:r>
+            <a:r>
+              <a:rPr lang="en-US" i="1" dirty="0" err="1"/>
+              <a:t>M</a:t>
+            </a:r>
+            <a:r>
+              <a:rPr lang="en-US" baseline="-25000" dirty="0" err="1"/>
+              <a:t>difference</a:t>
+            </a:r>
+            <a:r>
+              <a:rPr lang="en-US" dirty="0"/>
+              <a:t> – </a:t>
+            </a:r>
+            <a:r>
+              <a:rPr lang="en-US" i="1" dirty="0" err="1"/>
+              <a:t>t</a:t>
+            </a:r>
+            <a:r>
+              <a:rPr lang="en-US" baseline="-25000" dirty="0" err="1"/>
+              <a:t>critical</a:t>
+            </a:r>
+            <a:r>
+              <a:rPr lang="en-US" dirty="0"/>
+              <a:t>*</a:t>
+            </a:r>
+            <a:r>
+              <a:rPr lang="en-US" i="1" dirty="0"/>
+              <a:t>SE</a:t>
+            </a:r>
+          </a:p>
+          <a:p>
+            <a:r>
+              <a:rPr lang="en-US" dirty="0"/>
+              <a:t>Upper limit= </a:t>
+            </a:r>
+            <a:r>
+              <a:rPr lang="en-US" i="1" dirty="0" err="1"/>
+              <a:t>M</a:t>
+            </a:r>
+            <a:r>
+              <a:rPr lang="en-US" baseline="-25000" dirty="0" err="1"/>
+              <a:t>difference</a:t>
+            </a:r>
+            <a:r>
+              <a:rPr lang="en-US" dirty="0"/>
+              <a:t> + </a:t>
+            </a:r>
+            <a:r>
+              <a:rPr lang="en-US" i="1" dirty="0" err="1"/>
+              <a:t>t</a:t>
+            </a:r>
+            <a:r>
+              <a:rPr lang="en-US" baseline="-25000" dirty="0" err="1"/>
+              <a:t>critical</a:t>
+            </a:r>
+            <a:r>
+              <a:rPr lang="en-US" dirty="0"/>
+              <a:t>*</a:t>
+            </a:r>
+            <a:r>
+              <a:rPr lang="en-US" i="1" dirty="0"/>
+              <a:t>SE</a:t>
+            </a:r>
+          </a:p>
+          <a:p>
             <a:endParaRPr lang="en-US" dirty="0"/>
           </a:p>
-          <a:p>
-            <a:pPr lvl="1"/>
-            <a:endParaRPr lang="en-US" dirty="0"/>
-          </a:p>
-        </p:txBody>
-      </p:sp>
-      <p:pic>
-        <p:nvPicPr>
-          <p:cNvPr id="4" name="Picture 3"/>
-          <p:cNvPicPr>
-            <a:picLocks noChangeAspect="1"/>
-          </p:cNvPicPr>
-          <p:nvPr/>
-        </p:nvPicPr>
-        <p:blipFill>
-          <a:blip r:embed="rId2"/>
-          <a:stretch>
-            <a:fillRect/>
-          </a:stretch>
-        </p:blipFill>
-        <p:spPr>
-          <a:xfrm>
-            <a:off x="698500" y="3683000"/>
-            <a:ext cx="4635500" cy="711200"/>
-          </a:xfrm>
-          <a:prstGeom prst="rect">
-            <a:avLst/>
-          </a:prstGeom>
-        </p:spPr>
-      </p:pic>
+        </p:txBody>
+      </p:sp>
     </p:spTree>
     <p:extLst>
       <p:ext uri="{BB962C8B-B14F-4D97-AF65-F5344CB8AC3E}">
-        <p14:creationId xmlns:p14="http://schemas.microsoft.com/office/powerpoint/2010/main" val="1837931494"/>
+        <p14:creationId xmlns:p14="http://schemas.microsoft.com/office/powerpoint/2010/main" val="1336984490"/>
       </p:ext>
     </p:extLst>
   </p:cSld>
@@ -8964,1220 +9240,6 @@
       </p:grpSpPr>
       <p:sp>
         <p:nvSpPr>
-          <p:cNvPr id="2" name="Title 1"/>
-          <p:cNvSpPr>
-            <a:spLocks noGrp="1"/>
-          </p:cNvSpPr>
-          <p:nvPr>
-            <p:ph type="title"/>
-          </p:nvPr>
-        </p:nvSpPr>
-        <p:spPr/>
-        <p:txBody>
-          <a:bodyPr/>
-          <a:lstStyle/>
-          <a:p>
-            <a:r>
-              <a:rPr lang="en-US" dirty="0"/>
-              <a:t>Step 4</a:t>
-            </a:r>
-          </a:p>
-        </p:txBody>
-      </p:sp>
-      <p:sp>
-        <p:nvSpPr>
-          <p:cNvPr id="3" name="Content Placeholder 2"/>
-          <p:cNvSpPr>
-            <a:spLocks noGrp="1"/>
-          </p:cNvSpPr>
-          <p:nvPr>
-            <p:ph idx="1"/>
-          </p:nvPr>
-        </p:nvSpPr>
-        <p:spPr/>
-        <p:txBody>
-          <a:bodyPr/>
-          <a:lstStyle/>
-          <a:p>
-            <a:r>
-              <a:rPr lang="en-US" dirty="0"/>
-              <a:t>Since we are dealing with two groups, we have two </a:t>
-            </a:r>
-            <a:r>
-              <a:rPr lang="en-US" i="1" dirty="0" err="1"/>
-              <a:t>df</a:t>
-            </a:r>
-            <a:r>
-              <a:rPr lang="en-US" dirty="0"/>
-              <a:t> </a:t>
-            </a:r>
-            <a:r>
-              <a:rPr lang="is-IS" dirty="0"/>
-              <a:t>… but the </a:t>
-            </a:r>
-            <a:r>
-              <a:rPr lang="is-IS" i="1" dirty="0"/>
-              <a:t>t</a:t>
-            </a:r>
-            <a:r>
-              <a:rPr lang="is-IS" dirty="0"/>
-              <a:t> distribution only has one df?</a:t>
-            </a:r>
-          </a:p>
-          <a:p>
-            <a:pPr lvl="1"/>
-            <a:r>
-              <a:rPr lang="is-IS" dirty="0"/>
-              <a:t>So add them together!</a:t>
-            </a:r>
-          </a:p>
-          <a:p>
-            <a:pPr lvl="1"/>
-            <a:r>
-              <a:rPr lang="is-IS" i="1" dirty="0"/>
-              <a:t>df</a:t>
-            </a:r>
-            <a:r>
-              <a:rPr lang="is-IS" dirty="0"/>
-              <a:t> total = (n-1) + (n-1)</a:t>
-            </a:r>
-          </a:p>
-        </p:txBody>
-      </p:sp>
-    </p:spTree>
-    <p:extLst>
-      <p:ext uri="{BB962C8B-B14F-4D97-AF65-F5344CB8AC3E}">
-        <p14:creationId xmlns:p14="http://schemas.microsoft.com/office/powerpoint/2010/main" val="1179435045"/>
-      </p:ext>
-    </p:extLst>
-  </p:cSld>
-  <p:clrMapOvr>
-    <a:masterClrMapping/>
-  </p:clrMapOvr>
-</p:sld>
-</file>
-
-<file path=ppt/slides/slide25.xml><?xml version="1.0" encoding="utf-8"?>
-<p:sld xmlns:a="http://schemas.openxmlformats.org/drawingml/2006/main" xmlns:r="http://schemas.openxmlformats.org/officeDocument/2006/relationships" xmlns:p="http://schemas.openxmlformats.org/presentationml/2006/main">
-  <p:cSld>
-    <p:spTree>
-      <p:nvGrpSpPr>
-        <p:cNvPr id="1" name=""/>
-        <p:cNvGrpSpPr/>
-        <p:nvPr/>
-      </p:nvGrpSpPr>
-      <p:grpSpPr>
-        <a:xfrm>
-          <a:off x="0" y="0"/>
-          <a:ext cx="0" cy="0"/>
-          <a:chOff x="0" y="0"/>
-          <a:chExt cx="0" cy="0"/>
-        </a:xfrm>
-      </p:grpSpPr>
-      <p:sp>
-        <p:nvSpPr>
-          <p:cNvPr id="2" name="Title 1"/>
-          <p:cNvSpPr>
-            <a:spLocks noGrp="1"/>
-          </p:cNvSpPr>
-          <p:nvPr>
-            <p:ph type="title"/>
-          </p:nvPr>
-        </p:nvSpPr>
-        <p:spPr/>
-        <p:txBody>
-          <a:bodyPr/>
-          <a:lstStyle/>
-          <a:p>
-            <a:r>
-              <a:rPr lang="en-US" dirty="0"/>
-              <a:t>Step 4</a:t>
-            </a:r>
-          </a:p>
-        </p:txBody>
-      </p:sp>
-      <p:sp>
-        <p:nvSpPr>
-          <p:cNvPr id="3" name="Content Placeholder 2"/>
-          <p:cNvSpPr>
-            <a:spLocks noGrp="1"/>
-          </p:cNvSpPr>
-          <p:nvPr>
-            <p:ph idx="1"/>
-          </p:nvPr>
-        </p:nvSpPr>
-        <p:spPr/>
-        <p:txBody>
-          <a:bodyPr/>
-          <a:lstStyle/>
-          <a:p>
-            <a:r>
-              <a:rPr lang="en-US" dirty="0"/>
-              <a:t>Figure out the cut off score, </a:t>
-            </a:r>
-            <a:r>
-              <a:rPr lang="en-US" dirty="0" err="1"/>
-              <a:t>t</a:t>
-            </a:r>
-            <a:r>
-              <a:rPr lang="en-US" baseline="-25000" dirty="0" err="1"/>
-              <a:t>critical</a:t>
-            </a:r>
-            <a:endParaRPr lang="en-US" baseline="-25000" dirty="0"/>
-          </a:p>
-          <a:p>
-            <a:r>
-              <a:rPr lang="en-US" dirty="0"/>
-              <a:t>Less test: </a:t>
-            </a:r>
-          </a:p>
-          <a:p>
-            <a:pPr lvl="1"/>
-            <a:r>
-              <a:rPr lang="en-US" dirty="0" err="1"/>
-              <a:t>qt</a:t>
-            </a:r>
-            <a:r>
-              <a:rPr lang="en-US" dirty="0"/>
-              <a:t>(.05, </a:t>
-            </a:r>
-            <a:r>
-              <a:rPr lang="en-US" dirty="0" err="1"/>
-              <a:t>df</a:t>
-            </a:r>
-            <a:r>
-              <a:rPr lang="en-US" dirty="0"/>
-              <a:t>, </a:t>
-            </a:r>
-            <a:r>
-              <a:rPr lang="en-US" dirty="0" err="1"/>
-              <a:t>lower.tail</a:t>
-            </a:r>
-            <a:r>
-              <a:rPr lang="en-US" dirty="0"/>
-              <a:t> = T)</a:t>
-            </a:r>
-          </a:p>
-          <a:p>
-            <a:r>
-              <a:rPr lang="en-US" dirty="0"/>
-              <a:t>Greater test: </a:t>
-            </a:r>
-          </a:p>
-          <a:p>
-            <a:pPr lvl="1"/>
-            <a:r>
-              <a:rPr lang="en-US" dirty="0" err="1"/>
-              <a:t>qt</a:t>
-            </a:r>
-            <a:r>
-              <a:rPr lang="en-US" dirty="0"/>
-              <a:t>(.05, </a:t>
-            </a:r>
-            <a:r>
-              <a:rPr lang="en-US" dirty="0" err="1"/>
-              <a:t>df</a:t>
-            </a:r>
-            <a:r>
-              <a:rPr lang="en-US" dirty="0"/>
-              <a:t>, </a:t>
-            </a:r>
-            <a:r>
-              <a:rPr lang="en-US" dirty="0" err="1"/>
-              <a:t>lower.tail</a:t>
-            </a:r>
-            <a:r>
-              <a:rPr lang="en-US" dirty="0"/>
-              <a:t> = F)</a:t>
-            </a:r>
-          </a:p>
-          <a:p>
-            <a:r>
-              <a:rPr lang="en-US" dirty="0"/>
-              <a:t>Difference test: </a:t>
-            </a:r>
-          </a:p>
-          <a:p>
-            <a:pPr lvl="1"/>
-            <a:r>
-              <a:rPr lang="en-US" dirty="0" err="1"/>
-              <a:t>qt</a:t>
-            </a:r>
-            <a:r>
-              <a:rPr lang="en-US" dirty="0"/>
-              <a:t>(.05/2, </a:t>
-            </a:r>
-            <a:r>
-              <a:rPr lang="en-US" dirty="0" err="1"/>
-              <a:t>df</a:t>
-            </a:r>
-            <a:r>
-              <a:rPr lang="en-US" dirty="0"/>
-              <a:t>, </a:t>
-            </a:r>
-            <a:r>
-              <a:rPr lang="en-US" dirty="0" err="1"/>
-              <a:t>lower.tail</a:t>
-            </a:r>
-            <a:r>
-              <a:rPr lang="en-US" dirty="0"/>
-              <a:t> = T)</a:t>
-            </a:r>
-          </a:p>
-          <a:p>
-            <a:endParaRPr lang="en-US" dirty="0"/>
-          </a:p>
-          <a:p>
-            <a:endParaRPr lang="en-US" dirty="0"/>
-          </a:p>
-        </p:txBody>
-      </p:sp>
-      <p:sp>
-        <p:nvSpPr>
-          <p:cNvPr id="4" name="TextBox 3"/>
-          <p:cNvSpPr txBox="1"/>
-          <p:nvPr/>
-        </p:nvSpPr>
-        <p:spPr>
-          <a:xfrm>
-            <a:off x="228600" y="6324600"/>
-            <a:ext cx="7697941" cy="461665"/>
-          </a:xfrm>
-          <a:prstGeom prst="rect">
-            <a:avLst/>
-          </a:prstGeom>
-          <a:noFill/>
-        </p:spPr>
-        <p:txBody>
-          <a:bodyPr wrap="none" rtlCol="0">
-            <a:spAutoFit/>
-          </a:bodyPr>
-          <a:lstStyle/>
-          <a:p>
-            <a:r>
-              <a:rPr lang="en-US" dirty="0"/>
-              <a:t>May also be .01 – </a:t>
-            </a:r>
-            <a:r>
-              <a:rPr lang="en-US"/>
-              <a:t>remember to read the problem. </a:t>
-            </a:r>
-          </a:p>
-        </p:txBody>
-      </p:sp>
-    </p:spTree>
-    <p:extLst>
-      <p:ext uri="{BB962C8B-B14F-4D97-AF65-F5344CB8AC3E}">
-        <p14:creationId xmlns:p14="http://schemas.microsoft.com/office/powerpoint/2010/main" val="1821122758"/>
-      </p:ext>
-    </p:extLst>
-  </p:cSld>
-  <p:clrMapOvr>
-    <a:masterClrMapping/>
-  </p:clrMapOvr>
-</p:sld>
-</file>
-
-<file path=ppt/slides/slide26.xml><?xml version="1.0" encoding="utf-8"?>
-<p:sld xmlns:a="http://schemas.openxmlformats.org/drawingml/2006/main" xmlns:r="http://schemas.openxmlformats.org/officeDocument/2006/relationships" xmlns:p="http://schemas.openxmlformats.org/presentationml/2006/main">
-  <p:cSld>
-    <p:spTree>
-      <p:nvGrpSpPr>
-        <p:cNvPr id="1" name=""/>
-        <p:cNvGrpSpPr/>
-        <p:nvPr/>
-      </p:nvGrpSpPr>
-      <p:grpSpPr>
-        <a:xfrm>
-          <a:off x="0" y="0"/>
-          <a:ext cx="0" cy="0"/>
-          <a:chOff x="0" y="0"/>
-          <a:chExt cx="0" cy="0"/>
-        </a:xfrm>
-      </p:grpSpPr>
-      <p:sp>
-        <p:nvSpPr>
-          <p:cNvPr id="2" name="Title 1"/>
-          <p:cNvSpPr>
-            <a:spLocks noGrp="1"/>
-          </p:cNvSpPr>
-          <p:nvPr>
-            <p:ph type="title"/>
-          </p:nvPr>
-        </p:nvSpPr>
-        <p:spPr/>
-        <p:txBody>
-          <a:bodyPr/>
-          <a:lstStyle/>
-          <a:p>
-            <a:r>
-              <a:rPr lang="en-US" dirty="0"/>
-              <a:t>Step 5</a:t>
-            </a:r>
-          </a:p>
-        </p:txBody>
-      </p:sp>
-      <p:sp>
-        <p:nvSpPr>
-          <p:cNvPr id="3" name="Content Placeholder 2"/>
-          <p:cNvSpPr>
-            <a:spLocks noGrp="1"/>
-          </p:cNvSpPr>
-          <p:nvPr>
-            <p:ph idx="1"/>
-          </p:nvPr>
-        </p:nvSpPr>
-        <p:spPr/>
-        <p:txBody>
-          <a:bodyPr/>
-          <a:lstStyle/>
-          <a:p>
-            <a:r>
-              <a:rPr lang="en-US" dirty="0"/>
-              <a:t>Find t</a:t>
-            </a:r>
-            <a:r>
-              <a:rPr lang="en-US" baseline="-25000" dirty="0"/>
-              <a:t>actual</a:t>
-            </a:r>
-          </a:p>
-          <a:p>
-            <a:pPr marL="0" indent="0">
-              <a:buNone/>
-            </a:pPr>
-            <a:r>
-              <a:rPr lang="en-US" dirty="0"/>
-              <a:t>	</a:t>
-            </a:r>
-            <a:r>
-              <a:rPr lang="en-US" sz="2400" dirty="0" err="1">
-                <a:solidFill>
-                  <a:schemeClr val="accent6"/>
-                </a:solidFill>
-              </a:rPr>
-              <a:t>t.test</a:t>
-            </a:r>
-            <a:r>
-              <a:rPr lang="en-US" sz="2400" dirty="0">
-                <a:solidFill>
-                  <a:schemeClr val="accent6"/>
-                </a:solidFill>
-              </a:rPr>
-              <a:t>(</a:t>
-            </a:r>
-            <a:r>
-              <a:rPr lang="en-US" sz="2400" i="1" dirty="0" err="1">
-                <a:solidFill>
-                  <a:schemeClr val="accent6"/>
-                </a:solidFill>
-              </a:rPr>
-              <a:t>data</a:t>
-            </a:r>
-            <a:r>
-              <a:rPr lang="en-US" sz="2400" dirty="0" err="1">
-                <a:solidFill>
-                  <a:schemeClr val="accent6"/>
-                </a:solidFill>
-              </a:rPr>
-              <a:t>$</a:t>
-            </a:r>
-            <a:r>
-              <a:rPr lang="en-US" sz="2400" i="1" dirty="0" err="1">
-                <a:solidFill>
-                  <a:schemeClr val="accent6"/>
-                </a:solidFill>
-              </a:rPr>
-              <a:t>column</a:t>
-            </a:r>
-            <a:r>
-              <a:rPr lang="en-US" sz="2400" i="1" dirty="0">
-                <a:solidFill>
-                  <a:schemeClr val="accent6"/>
-                </a:solidFill>
-              </a:rPr>
-              <a:t>,</a:t>
-            </a:r>
-          </a:p>
-          <a:p>
-            <a:pPr marL="0" indent="0">
-              <a:buNone/>
-            </a:pPr>
-            <a:r>
-              <a:rPr lang="en-US" sz="2400" i="1" dirty="0">
-                <a:solidFill>
-                  <a:schemeClr val="accent6"/>
-                </a:solidFill>
-              </a:rPr>
-              <a:t>		</a:t>
-            </a:r>
-            <a:r>
-              <a:rPr lang="en-US" sz="2400" i="1" dirty="0" err="1">
-                <a:solidFill>
-                  <a:schemeClr val="accent6"/>
-                </a:solidFill>
-              </a:rPr>
-              <a:t>data$column</a:t>
-            </a:r>
-            <a:r>
-              <a:rPr lang="en-US" sz="2400" i="1" dirty="0">
-                <a:solidFill>
-                  <a:schemeClr val="accent6"/>
-                </a:solidFill>
-              </a:rPr>
-              <a:t>,</a:t>
-            </a:r>
-          </a:p>
-          <a:p>
-            <a:pPr marL="0" indent="0">
-              <a:buNone/>
-            </a:pPr>
-            <a:r>
-              <a:rPr lang="en-US" sz="2400" dirty="0">
-                <a:solidFill>
-                  <a:schemeClr val="accent6"/>
-                </a:solidFill>
-              </a:rPr>
-              <a:t>		paired = F, </a:t>
-            </a:r>
-          </a:p>
-          <a:p>
-            <a:pPr marL="0" indent="0">
-              <a:buNone/>
-            </a:pPr>
-            <a:r>
-              <a:rPr lang="en-US" sz="2400" dirty="0">
-                <a:solidFill>
-                  <a:schemeClr val="accent6"/>
-                </a:solidFill>
-              </a:rPr>
-              <a:t>		</a:t>
-            </a:r>
-            <a:r>
-              <a:rPr lang="en-US" sz="2400" dirty="0" err="1">
-                <a:solidFill>
-                  <a:schemeClr val="accent6"/>
-                </a:solidFill>
-              </a:rPr>
-              <a:t>var.equal</a:t>
-            </a:r>
-            <a:r>
-              <a:rPr lang="en-US" sz="2400" dirty="0">
-                <a:solidFill>
-                  <a:schemeClr val="accent6"/>
-                </a:solidFill>
-              </a:rPr>
-              <a:t> = T,</a:t>
-            </a:r>
-          </a:p>
-          <a:p>
-            <a:pPr marL="457200" lvl="1" indent="0">
-              <a:buNone/>
-            </a:pPr>
-            <a:r>
-              <a:rPr lang="en-US" sz="2400" dirty="0">
-                <a:solidFill>
-                  <a:schemeClr val="accent6"/>
-                </a:solidFill>
-              </a:rPr>
-              <a:t>		alternative = “less” OR “greater” OR 				“</a:t>
-            </a:r>
-            <a:r>
-              <a:rPr lang="en-US" sz="2400" dirty="0" err="1">
-                <a:solidFill>
-                  <a:schemeClr val="accent6"/>
-                </a:solidFill>
-              </a:rPr>
-              <a:t>two.sided</a:t>
-            </a:r>
-            <a:r>
-              <a:rPr lang="en-US" sz="2400" dirty="0">
-                <a:solidFill>
-                  <a:schemeClr val="accent6"/>
-                </a:solidFill>
-              </a:rPr>
-              <a:t>”,</a:t>
-            </a:r>
-          </a:p>
-          <a:p>
-            <a:pPr marL="457200" lvl="1" indent="0">
-              <a:buNone/>
-            </a:pPr>
-            <a:r>
-              <a:rPr lang="en-US" sz="2400" dirty="0">
-                <a:solidFill>
-                  <a:schemeClr val="accent6"/>
-                </a:solidFill>
-              </a:rPr>
-              <a:t>		</a:t>
-            </a:r>
-            <a:r>
-              <a:rPr lang="en-US" sz="2400" dirty="0" err="1">
-                <a:solidFill>
-                  <a:schemeClr val="accent6"/>
-                </a:solidFill>
-              </a:rPr>
-              <a:t>conf.level</a:t>
-            </a:r>
-            <a:r>
-              <a:rPr lang="en-US" sz="2400" dirty="0">
-                <a:solidFill>
-                  <a:schemeClr val="accent6"/>
-                </a:solidFill>
-              </a:rPr>
-              <a:t> = .95 OR .99)</a:t>
-            </a:r>
-          </a:p>
-          <a:p>
-            <a:endParaRPr lang="en-US" dirty="0"/>
-          </a:p>
-        </p:txBody>
-      </p:sp>
-    </p:spTree>
-    <p:extLst>
-      <p:ext uri="{BB962C8B-B14F-4D97-AF65-F5344CB8AC3E}">
-        <p14:creationId xmlns:p14="http://schemas.microsoft.com/office/powerpoint/2010/main" val="207572466"/>
-      </p:ext>
-    </p:extLst>
-  </p:cSld>
-  <p:clrMapOvr>
-    <a:masterClrMapping/>
-  </p:clrMapOvr>
-</p:sld>
-</file>
-
-<file path=ppt/slides/slide27.xml><?xml version="1.0" encoding="utf-8"?>
-<p:sld xmlns:a="http://schemas.openxmlformats.org/drawingml/2006/main" xmlns:r="http://schemas.openxmlformats.org/officeDocument/2006/relationships" xmlns:p="http://schemas.openxmlformats.org/presentationml/2006/main">
-  <p:cSld>
-    <p:spTree>
-      <p:nvGrpSpPr>
-        <p:cNvPr id="1" name=""/>
-        <p:cNvGrpSpPr/>
-        <p:nvPr/>
-      </p:nvGrpSpPr>
-      <p:grpSpPr>
-        <a:xfrm>
-          <a:off x="0" y="0"/>
-          <a:ext cx="0" cy="0"/>
-          <a:chOff x="0" y="0"/>
-          <a:chExt cx="0" cy="0"/>
-        </a:xfrm>
-      </p:grpSpPr>
-      <p:sp>
-        <p:nvSpPr>
-          <p:cNvPr id="2" name="Title 1"/>
-          <p:cNvSpPr>
-            <a:spLocks noGrp="1"/>
-          </p:cNvSpPr>
-          <p:nvPr>
-            <p:ph type="title"/>
-          </p:nvPr>
-        </p:nvSpPr>
-        <p:spPr/>
-        <p:txBody>
-          <a:bodyPr/>
-          <a:lstStyle/>
-          <a:p>
-            <a:r>
-              <a:rPr lang="en-US" dirty="0"/>
-              <a:t>Step 5</a:t>
-            </a:r>
-          </a:p>
-        </p:txBody>
-      </p:sp>
-      <p:sp>
-        <p:nvSpPr>
-          <p:cNvPr id="3" name="Content Placeholder 2"/>
-          <p:cNvSpPr>
-            <a:spLocks noGrp="1"/>
-          </p:cNvSpPr>
-          <p:nvPr>
-            <p:ph idx="1"/>
-          </p:nvPr>
-        </p:nvSpPr>
-        <p:spPr/>
-        <p:txBody>
-          <a:bodyPr/>
-          <a:lstStyle/>
-          <a:p>
-            <a:r>
-              <a:rPr lang="en-US" dirty="0"/>
-              <a:t>Stop! Make sure your mean difference score, </a:t>
-            </a:r>
-            <a:r>
-              <a:rPr lang="en-US" dirty="0" err="1"/>
-              <a:t>df</a:t>
-            </a:r>
-            <a:r>
-              <a:rPr lang="en-US" dirty="0"/>
-              <a:t>, and hypothesis all match.</a:t>
-            </a:r>
-          </a:p>
-        </p:txBody>
-      </p:sp>
-      <p:pic>
-        <p:nvPicPr>
-          <p:cNvPr id="6" name="Picture 5"/>
-          <p:cNvPicPr>
-            <a:picLocks noChangeAspect="1"/>
-          </p:cNvPicPr>
-          <p:nvPr/>
-        </p:nvPicPr>
-        <p:blipFill>
-          <a:blip r:embed="rId2"/>
-          <a:stretch>
-            <a:fillRect/>
-          </a:stretch>
-        </p:blipFill>
-        <p:spPr>
-          <a:xfrm>
-            <a:off x="685800" y="3048000"/>
-            <a:ext cx="6477000" cy="2425700"/>
-          </a:xfrm>
-          <a:prstGeom prst="rect">
-            <a:avLst/>
-          </a:prstGeom>
-        </p:spPr>
-      </p:pic>
-    </p:spTree>
-    <p:extLst>
-      <p:ext uri="{BB962C8B-B14F-4D97-AF65-F5344CB8AC3E}">
-        <p14:creationId xmlns:p14="http://schemas.microsoft.com/office/powerpoint/2010/main" val="13709544"/>
-      </p:ext>
-    </p:extLst>
-  </p:cSld>
-  <p:clrMapOvr>
-    <a:masterClrMapping/>
-  </p:clrMapOvr>
-</p:sld>
-</file>
-
-<file path=ppt/slides/slide28.xml><?xml version="1.0" encoding="utf-8"?>
-<p:sld xmlns:a="http://schemas.openxmlformats.org/drawingml/2006/main" xmlns:r="http://schemas.openxmlformats.org/officeDocument/2006/relationships" xmlns:p="http://schemas.openxmlformats.org/presentationml/2006/main">
-  <p:cSld>
-    <p:spTree>
-      <p:nvGrpSpPr>
-        <p:cNvPr id="1" name=""/>
-        <p:cNvGrpSpPr/>
-        <p:nvPr/>
-      </p:nvGrpSpPr>
-      <p:grpSpPr>
-        <a:xfrm>
-          <a:off x="0" y="0"/>
-          <a:ext cx="0" cy="0"/>
-          <a:chOff x="0" y="0"/>
-          <a:chExt cx="0" cy="0"/>
-        </a:xfrm>
-      </p:grpSpPr>
-      <p:sp>
-        <p:nvSpPr>
-          <p:cNvPr id="2" name="Title 1"/>
-          <p:cNvSpPr>
-            <a:spLocks noGrp="1"/>
-          </p:cNvSpPr>
-          <p:nvPr>
-            <p:ph type="title"/>
-          </p:nvPr>
-        </p:nvSpPr>
-        <p:spPr/>
-        <p:txBody>
-          <a:bodyPr/>
-          <a:lstStyle/>
-          <a:p>
-            <a:r>
-              <a:rPr lang="en-US" dirty="0"/>
-              <a:t>Step 6</a:t>
-            </a:r>
-          </a:p>
-        </p:txBody>
-      </p:sp>
-      <p:sp>
-        <p:nvSpPr>
-          <p:cNvPr id="3" name="Content Placeholder 2"/>
-          <p:cNvSpPr>
-            <a:spLocks noGrp="1"/>
-          </p:cNvSpPr>
-          <p:nvPr>
-            <p:ph idx="1"/>
-          </p:nvPr>
-        </p:nvSpPr>
-        <p:spPr/>
-        <p:txBody>
-          <a:bodyPr/>
-          <a:lstStyle/>
-          <a:p>
-            <a:r>
-              <a:rPr lang="en-US" dirty="0"/>
-              <a:t>Compare step 4 and 5 – is your score more extreme? </a:t>
-            </a:r>
-          </a:p>
-          <a:p>
-            <a:pPr lvl="1"/>
-            <a:r>
-              <a:rPr lang="en-US" dirty="0"/>
-              <a:t>Reject the null</a:t>
-            </a:r>
-          </a:p>
-          <a:p>
-            <a:r>
-              <a:rPr lang="en-US" dirty="0"/>
-              <a:t>Compare step 4 and 5 – is your score closer to the middle?</a:t>
-            </a:r>
-          </a:p>
-          <a:p>
-            <a:pPr lvl="1"/>
-            <a:r>
-              <a:rPr lang="en-US" dirty="0"/>
-              <a:t>Fail to reject the null </a:t>
-            </a:r>
-          </a:p>
-        </p:txBody>
-      </p:sp>
-    </p:spTree>
-    <p:extLst>
-      <p:ext uri="{BB962C8B-B14F-4D97-AF65-F5344CB8AC3E}">
-        <p14:creationId xmlns:p14="http://schemas.microsoft.com/office/powerpoint/2010/main" val="2093802363"/>
-      </p:ext>
-    </p:extLst>
-  </p:cSld>
-  <p:clrMapOvr>
-    <a:masterClrMapping/>
-  </p:clrMapOvr>
-</p:sld>
-</file>
-
-<file path=ppt/slides/slide29.xml><?xml version="1.0" encoding="utf-8"?>
-<p:sld xmlns:a="http://schemas.openxmlformats.org/drawingml/2006/main" xmlns:r="http://schemas.openxmlformats.org/officeDocument/2006/relationships" xmlns:p="http://schemas.openxmlformats.org/presentationml/2006/main">
-  <p:cSld>
-    <p:spTree>
-      <p:nvGrpSpPr>
-        <p:cNvPr id="1" name=""/>
-        <p:cNvGrpSpPr/>
-        <p:nvPr/>
-      </p:nvGrpSpPr>
-      <p:grpSpPr>
-        <a:xfrm>
-          <a:off x="0" y="0"/>
-          <a:ext cx="0" cy="0"/>
-          <a:chOff x="0" y="0"/>
-          <a:chExt cx="0" cy="0"/>
-        </a:xfrm>
-      </p:grpSpPr>
-      <p:sp>
-        <p:nvSpPr>
-          <p:cNvPr id="2" name="Title 1">
-            <a:extLst>
-              <a:ext uri="{FF2B5EF4-FFF2-40B4-BE49-F238E27FC236}">
-                <a16:creationId xmlns:a16="http://schemas.microsoft.com/office/drawing/2014/main" id="{A4B1F7F8-3763-4CB9-A2B8-0F72578932CD}"/>
-              </a:ext>
-            </a:extLst>
-          </p:cNvPr>
-          <p:cNvSpPr>
-            <a:spLocks noGrp="1"/>
-          </p:cNvSpPr>
-          <p:nvPr>
-            <p:ph type="title"/>
-          </p:nvPr>
-        </p:nvSpPr>
-        <p:spPr/>
-        <p:txBody>
-          <a:bodyPr/>
-          <a:lstStyle/>
-          <a:p>
-            <a:r>
-              <a:rPr lang="en-US" dirty="0"/>
-              <a:t>Steps for Calculating CIs</a:t>
-            </a:r>
-          </a:p>
-        </p:txBody>
-      </p:sp>
-      <p:sp>
-        <p:nvSpPr>
-          <p:cNvPr id="3" name="Content Placeholder 2"/>
-          <p:cNvSpPr>
-            <a:spLocks noGrp="1"/>
-          </p:cNvSpPr>
-          <p:nvPr>
-            <p:ph idx="1"/>
-          </p:nvPr>
-        </p:nvSpPr>
-        <p:spPr/>
-        <p:txBody>
-          <a:bodyPr>
-            <a:normAutofit/>
-          </a:bodyPr>
-          <a:lstStyle/>
-          <a:p>
-            <a:pPr>
-              <a:defRPr/>
-            </a:pPr>
-            <a:r>
-              <a:rPr lang="en-US" dirty="0"/>
-              <a:t>The suggestion for CI for independent </a:t>
-            </a:r>
-            <a:r>
-              <a:rPr lang="en-US" i="1" dirty="0"/>
-              <a:t>t</a:t>
-            </a:r>
-            <a:r>
-              <a:rPr lang="en-US" dirty="0"/>
-              <a:t> is to calculate the CI around the mean difference (</a:t>
-            </a:r>
-            <a:r>
-              <a:rPr lang="en-US" i="1" dirty="0"/>
-              <a:t>M</a:t>
-            </a:r>
-            <a:r>
-              <a:rPr lang="en-US" baseline="-25000" dirty="0"/>
-              <a:t>X</a:t>
-            </a:r>
-            <a:r>
-              <a:rPr lang="en-US" dirty="0"/>
-              <a:t> – </a:t>
-            </a:r>
-            <a:r>
-              <a:rPr lang="en-US" i="1" dirty="0"/>
-              <a:t>M</a:t>
-            </a:r>
-            <a:r>
-              <a:rPr lang="en-US" baseline="-25000" dirty="0"/>
-              <a:t>Y</a:t>
-            </a:r>
-            <a:r>
-              <a:rPr lang="en-US" dirty="0"/>
-              <a:t>).</a:t>
-            </a:r>
-          </a:p>
-          <a:p>
-            <a:pPr lvl="1">
-              <a:defRPr/>
-            </a:pPr>
-            <a:r>
-              <a:rPr lang="en-US" dirty="0"/>
-              <a:t>This calculation will tell you if you should reject the null – remember you do NOT want it to include 0.</a:t>
-            </a:r>
-          </a:p>
-          <a:p>
-            <a:pPr lvl="1">
-              <a:defRPr/>
-            </a:pPr>
-            <a:r>
-              <a:rPr lang="en-US" dirty="0"/>
-              <a:t>Does not match what people normally do in research papers (which is calculate each</a:t>
-            </a:r>
-            <a:r>
-              <a:rPr lang="en-US" i="1" dirty="0"/>
-              <a:t> M </a:t>
-            </a:r>
-            <a:r>
-              <a:rPr lang="en-US" dirty="0"/>
-              <a:t>CI separately).</a:t>
-            </a:r>
-          </a:p>
-        </p:txBody>
-      </p:sp>
-    </p:spTree>
-  </p:cSld>
-  <p:clrMapOvr>
-    <a:masterClrMapping/>
-  </p:clrMapOvr>
-</p:sld>
-</file>
-
-<file path=ppt/slides/slide3.xml><?xml version="1.0" encoding="utf-8"?>
-<p:sld xmlns:a="http://schemas.openxmlformats.org/drawingml/2006/main" xmlns:r="http://schemas.openxmlformats.org/officeDocument/2006/relationships" xmlns:p="http://schemas.openxmlformats.org/presentationml/2006/main">
-  <p:cSld>
-    <p:spTree>
-      <p:nvGrpSpPr>
-        <p:cNvPr id="1" name=""/>
-        <p:cNvGrpSpPr/>
-        <p:nvPr/>
-      </p:nvGrpSpPr>
-      <p:grpSpPr>
-        <a:xfrm>
-          <a:off x="0" y="0"/>
-          <a:ext cx="0" cy="0"/>
-          <a:chOff x="0" y="0"/>
-          <a:chExt cx="0" cy="0"/>
-        </a:xfrm>
-      </p:grpSpPr>
-      <p:sp>
-        <p:nvSpPr>
-          <p:cNvPr id="2" name="Title 1">
-            <a:extLst>
-              <a:ext uri="{FF2B5EF4-FFF2-40B4-BE49-F238E27FC236}">
-                <a16:creationId xmlns:a16="http://schemas.microsoft.com/office/drawing/2014/main" id="{DFB3639B-DE03-42E2-83D9-3040AF5E9456}"/>
-              </a:ext>
-            </a:extLst>
-          </p:cNvPr>
-          <p:cNvSpPr>
-            <a:spLocks noGrp="1"/>
-          </p:cNvSpPr>
-          <p:nvPr>
-            <p:ph type="title"/>
-          </p:nvPr>
-        </p:nvSpPr>
-        <p:spPr/>
-        <p:txBody>
-          <a:bodyPr/>
-          <a:lstStyle/>
-          <a:p>
-            <a:r>
-              <a:rPr lang="en-US" dirty="0"/>
-              <a:t>Independent Samples </a:t>
-            </a:r>
-            <a:r>
-              <a:rPr lang="en-US" i="1" dirty="0"/>
-              <a:t>t</a:t>
-            </a:r>
-            <a:r>
-              <a:rPr lang="en-US" dirty="0"/>
-              <a:t>-Test</a:t>
-            </a:r>
-          </a:p>
-        </p:txBody>
-      </p:sp>
-      <p:sp>
-        <p:nvSpPr>
-          <p:cNvPr id="9219" name="Content Placeholder 2"/>
-          <p:cNvSpPr>
-            <a:spLocks noGrp="1"/>
-          </p:cNvSpPr>
-          <p:nvPr>
-            <p:ph idx="1"/>
-          </p:nvPr>
-        </p:nvSpPr>
-        <p:spPr/>
-        <p:txBody>
-          <a:bodyPr/>
-          <a:lstStyle/>
-          <a:p>
-            <a:r>
-              <a:rPr lang="en-US" dirty="0"/>
-              <a:t>Used to compare two means in a between-groups design (i.e., each participant is in only one condition)</a:t>
-            </a:r>
-          </a:p>
-          <a:p>
-            <a:pPr lvl="1"/>
-            <a:r>
-              <a:rPr lang="en-US" dirty="0"/>
-              <a:t>Remember that dependent </a:t>
-            </a:r>
-            <a:r>
-              <a:rPr lang="en-US" i="1" dirty="0"/>
-              <a:t>t</a:t>
-            </a:r>
-            <a:r>
-              <a:rPr lang="en-US" dirty="0"/>
-              <a:t> (paired samples) is a repeated measures or within-groups design</a:t>
-            </a:r>
-          </a:p>
-          <a:p>
-            <a:endParaRPr lang="en-US" dirty="0"/>
-          </a:p>
-        </p:txBody>
-      </p:sp>
-    </p:spTree>
-  </p:cSld>
-  <p:clrMapOvr>
-    <a:masterClrMapping/>
-  </p:clrMapOvr>
-</p:sld>
-</file>
-
-<file path=ppt/slides/slide30.xml><?xml version="1.0" encoding="utf-8"?>
-<p:sld xmlns:a="http://schemas.openxmlformats.org/drawingml/2006/main" xmlns:r="http://schemas.openxmlformats.org/officeDocument/2006/relationships" xmlns:p="http://schemas.openxmlformats.org/presentationml/2006/main">
-  <p:cSld>
-    <p:spTree>
-      <p:nvGrpSpPr>
-        <p:cNvPr id="1" name=""/>
-        <p:cNvGrpSpPr/>
-        <p:nvPr/>
-      </p:nvGrpSpPr>
-      <p:grpSpPr>
-        <a:xfrm>
-          <a:off x="0" y="0"/>
-          <a:ext cx="0" cy="0"/>
-          <a:chOff x="0" y="0"/>
-          <a:chExt cx="0" cy="0"/>
-        </a:xfrm>
-      </p:grpSpPr>
-      <p:sp>
-        <p:nvSpPr>
-          <p:cNvPr id="2" name="Title 1"/>
-          <p:cNvSpPr>
-            <a:spLocks noGrp="1"/>
-          </p:cNvSpPr>
-          <p:nvPr>
-            <p:ph type="title"/>
-          </p:nvPr>
-        </p:nvSpPr>
-        <p:spPr/>
-        <p:txBody>
-          <a:bodyPr/>
-          <a:lstStyle/>
-          <a:p>
-            <a:r>
-              <a:rPr lang="en-US" dirty="0"/>
-              <a:t>Confidence Interval</a:t>
-            </a:r>
-          </a:p>
-        </p:txBody>
-      </p:sp>
-      <p:sp>
-        <p:nvSpPr>
-          <p:cNvPr id="3" name="Content Placeholder 2"/>
-          <p:cNvSpPr>
-            <a:spLocks noGrp="1"/>
-          </p:cNvSpPr>
-          <p:nvPr>
-            <p:ph idx="1"/>
-          </p:nvPr>
-        </p:nvSpPr>
-        <p:spPr/>
-        <p:txBody>
-          <a:bodyPr/>
-          <a:lstStyle/>
-          <a:p>
-            <a:r>
-              <a:rPr lang="en-US" dirty="0"/>
-              <a:t>Lower limit= </a:t>
-            </a:r>
-            <a:r>
-              <a:rPr lang="en-US" i="1" dirty="0" err="1"/>
-              <a:t>M</a:t>
-            </a:r>
-            <a:r>
-              <a:rPr lang="en-US" baseline="-25000" dirty="0" err="1"/>
-              <a:t>difference</a:t>
-            </a:r>
-            <a:r>
-              <a:rPr lang="en-US" dirty="0"/>
-              <a:t> – </a:t>
-            </a:r>
-            <a:r>
-              <a:rPr lang="en-US" i="1" dirty="0" err="1"/>
-              <a:t>t</a:t>
-            </a:r>
-            <a:r>
-              <a:rPr lang="en-US" baseline="-25000" dirty="0" err="1"/>
-              <a:t>critical</a:t>
-            </a:r>
-            <a:r>
-              <a:rPr lang="en-US" dirty="0"/>
-              <a:t>*</a:t>
-            </a:r>
-            <a:r>
-              <a:rPr lang="en-US" i="1" dirty="0"/>
-              <a:t>SE</a:t>
-            </a:r>
-          </a:p>
-          <a:p>
-            <a:r>
-              <a:rPr lang="en-US" dirty="0"/>
-              <a:t>Upper limit= </a:t>
-            </a:r>
-            <a:r>
-              <a:rPr lang="en-US" i="1" dirty="0" err="1"/>
-              <a:t>M</a:t>
-            </a:r>
-            <a:r>
-              <a:rPr lang="en-US" baseline="-25000" dirty="0" err="1"/>
-              <a:t>difference</a:t>
-            </a:r>
-            <a:r>
-              <a:rPr lang="en-US" dirty="0"/>
-              <a:t> + </a:t>
-            </a:r>
-            <a:r>
-              <a:rPr lang="en-US" i="1" dirty="0" err="1"/>
-              <a:t>t</a:t>
-            </a:r>
-            <a:r>
-              <a:rPr lang="en-US" baseline="-25000" dirty="0" err="1"/>
-              <a:t>critical</a:t>
-            </a:r>
-            <a:r>
-              <a:rPr lang="en-US" dirty="0"/>
-              <a:t>*</a:t>
-            </a:r>
-            <a:r>
-              <a:rPr lang="en-US" i="1" dirty="0"/>
-              <a:t>SE</a:t>
-            </a:r>
-          </a:p>
-          <a:p>
-            <a:endParaRPr lang="en-US" dirty="0"/>
-          </a:p>
-          <a:p>
-            <a:r>
-              <a:rPr lang="en-US" dirty="0"/>
-              <a:t>A quicker way!</a:t>
-            </a:r>
-          </a:p>
-          <a:p>
-            <a:pPr lvl="1"/>
-            <a:r>
-              <a:rPr lang="en-US" dirty="0"/>
-              <a:t>Use </a:t>
-            </a:r>
-            <a:r>
-              <a:rPr lang="en-US" dirty="0" err="1"/>
-              <a:t>t.test</a:t>
-            </a:r>
-            <a:r>
-              <a:rPr lang="en-US" dirty="0"/>
-              <a:t>() with a TWO tailed test to get the two tailed confidence interval. </a:t>
-            </a:r>
-          </a:p>
-          <a:p>
-            <a:pPr lvl="1"/>
-            <a:r>
-              <a:rPr lang="en-US" dirty="0"/>
-              <a:t>The r script </a:t>
-            </a:r>
-            <a:r>
-              <a:rPr lang="en-US" dirty="0" err="1"/>
-              <a:t>effsize</a:t>
-            </a:r>
-            <a:r>
-              <a:rPr lang="en-US" dirty="0"/>
-              <a:t> will give you each mean CI separately (how to interpret?).</a:t>
-            </a:r>
-          </a:p>
-        </p:txBody>
-      </p:sp>
-    </p:spTree>
-    <p:extLst>
-      <p:ext uri="{BB962C8B-B14F-4D97-AF65-F5344CB8AC3E}">
-        <p14:creationId xmlns:p14="http://schemas.microsoft.com/office/powerpoint/2010/main" val="1336984490"/>
-      </p:ext>
-    </p:extLst>
-  </p:cSld>
-  <p:clrMapOvr>
-    <a:masterClrMapping/>
-  </p:clrMapOvr>
-</p:sld>
-</file>
-
-<file path=ppt/slides/slide31.xml><?xml version="1.0" encoding="utf-8"?>
-<p:sld xmlns:a="http://schemas.openxmlformats.org/drawingml/2006/main" xmlns:r="http://schemas.openxmlformats.org/officeDocument/2006/relationships" xmlns:p="http://schemas.openxmlformats.org/presentationml/2006/main">
-  <p:cSld>
-    <p:spTree>
-      <p:nvGrpSpPr>
-        <p:cNvPr id="1" name=""/>
-        <p:cNvGrpSpPr/>
-        <p:nvPr/>
-      </p:nvGrpSpPr>
-      <p:grpSpPr>
-        <a:xfrm>
-          <a:off x="0" y="0"/>
-          <a:ext cx="0" cy="0"/>
-          <a:chOff x="0" y="0"/>
-          <a:chExt cx="0" cy="0"/>
-        </a:xfrm>
-      </p:grpSpPr>
-      <p:sp>
-        <p:nvSpPr>
           <p:cNvPr id="2" name="Title 1">
             <a:extLst>
               <a:ext uri="{FF2B5EF4-FFF2-40B4-BE49-F238E27FC236}">
@@ -10248,7 +9310,7 @@
           <a:graphicData uri="http://schemas.openxmlformats.org/presentationml/2006/ole">
             <mc:AlternateContent xmlns:mc="http://schemas.openxmlformats.org/markup-compatibility/2006">
               <mc:Choice xmlns:v="urn:schemas-microsoft-com:vml" Requires="v">
-                <p:oleObj spid="_x0000_s4098" name="Equation" r:id="rId4" imgW="1752480" imgH="444240" progId="Equation.3">
+                <p:oleObj spid="_x0000_s2050" name="Equation" r:id="rId4" imgW="1752480" imgH="444240" progId="Equation.3">
                   <p:embed/>
                 </p:oleObj>
               </mc:Choice>
@@ -10310,7 +9372,7 @@
 </p:sld>
 </file>
 
-<file path=ppt/slides/slide32.xml><?xml version="1.0" encoding="utf-8"?>
+<file path=ppt/slides/slide25.xml><?xml version="1.0" encoding="utf-8"?>
 <p:sld xmlns:a="http://schemas.openxmlformats.org/drawingml/2006/main" xmlns:r="http://schemas.openxmlformats.org/officeDocument/2006/relationships" xmlns:p="http://schemas.openxmlformats.org/presentationml/2006/main">
   <p:cSld>
     <p:spTree>
@@ -10329,7 +9391,13 @@
       </p:grpSpPr>
       <p:sp>
         <p:nvSpPr>
-          <p:cNvPr id="2" name="Title 1"/>
+          <p:cNvPr id="2" name="Title 1">
+            <a:extLst>
+              <a:ext uri="{FF2B5EF4-FFF2-40B4-BE49-F238E27FC236}">
+                <a16:creationId xmlns:a16="http://schemas.microsoft.com/office/drawing/2014/main" id="{184F3D04-E01B-46FB-9838-6EA747A4112D}"/>
+              </a:ext>
+            </a:extLst>
+          </p:cNvPr>
           <p:cNvSpPr>
             <a:spLocks noGrp="1"/>
           </p:cNvSpPr>
@@ -10344,14 +9412,792 @@
           <a:p>
             <a:r>
               <a:rPr lang="en-US" dirty="0"/>
-              <a:t>Effect Size</a:t>
-            </a:r>
+              <a:t>How to </a:t>
+            </a:r>
+            <a:r>
+              <a:rPr lang="en-US" dirty="0" err="1"/>
+              <a:t>JASP</a:t>
+            </a:r>
+            <a:endParaRPr lang="en-US" dirty="0"/>
+          </a:p>
+        </p:txBody>
+      </p:sp>
+      <p:sp>
+        <p:nvSpPr>
+          <p:cNvPr id="3" name="Content Placeholder 2">
+            <a:extLst>
+              <a:ext uri="{FF2B5EF4-FFF2-40B4-BE49-F238E27FC236}">
+                <a16:creationId xmlns:a16="http://schemas.microsoft.com/office/drawing/2014/main" id="{0A66CF44-B4AD-41BF-A239-3C9468E02FC0}"/>
+              </a:ext>
+            </a:extLst>
+          </p:cNvPr>
+          <p:cNvSpPr>
+            <a:spLocks noGrp="1"/>
+          </p:cNvSpPr>
+          <p:nvPr>
+            <p:ph idx="1"/>
+          </p:nvPr>
+        </p:nvSpPr>
+        <p:spPr/>
+        <p:txBody>
+          <a:bodyPr/>
+          <a:lstStyle/>
+          <a:p>
+            <a:r>
+              <a:rPr lang="en-US" dirty="0"/>
+              <a:t>Quick note on changing labels: </a:t>
+            </a:r>
+          </a:p>
+          <a:p>
+            <a:r>
+              <a:rPr lang="en-US" dirty="0"/>
+              <a:t>After you have pulled up your data in </a:t>
+            </a:r>
+            <a:r>
+              <a:rPr lang="en-US" dirty="0" err="1"/>
+              <a:t>JASP</a:t>
+            </a:r>
+            <a:r>
+              <a:rPr lang="en-US" dirty="0"/>
+              <a:t>, if the labels shown for your categorical variable are numbers, we need to change that</a:t>
+            </a:r>
+          </a:p>
+          <a:p>
+            <a:r>
+              <a:rPr lang="en-US" dirty="0"/>
+              <a:t>If you hover over the variable column name, you will see a note saying “click here to change labels”. Click on it.</a:t>
+            </a:r>
+          </a:p>
+          <a:p>
+            <a:endParaRPr lang="en-US" dirty="0"/>
           </a:p>
         </p:txBody>
       </p:sp>
       <p:pic>
         <p:nvPicPr>
-          <p:cNvPr id="4" name="Picture 3"/>
+          <p:cNvPr id="4" name="Picture 3">
+            <a:extLst>
+              <a:ext uri="{FF2B5EF4-FFF2-40B4-BE49-F238E27FC236}">
+                <a16:creationId xmlns:a16="http://schemas.microsoft.com/office/drawing/2014/main" id="{9B936519-F592-42B5-90E7-71544405D72F}"/>
+              </a:ext>
+            </a:extLst>
+          </p:cNvPr>
+          <p:cNvPicPr/>
+          <p:nvPr/>
+        </p:nvPicPr>
+        <p:blipFill rotWithShape="1">
+          <a:blip r:embed="rId2"/>
+          <a:srcRect r="56410" b="66410"/>
+          <a:stretch/>
+        </p:blipFill>
+        <p:spPr>
+          <a:xfrm>
+            <a:off x="2880359" y="4343400"/>
+            <a:ext cx="3429000" cy="1830494"/>
+          </a:xfrm>
+          <a:prstGeom prst="rect">
+            <a:avLst/>
+          </a:prstGeom>
+        </p:spPr>
+      </p:pic>
+    </p:spTree>
+    <p:extLst>
+      <p:ext uri="{BB962C8B-B14F-4D97-AF65-F5344CB8AC3E}">
+        <p14:creationId xmlns:p14="http://schemas.microsoft.com/office/powerpoint/2010/main" val="3623156821"/>
+      </p:ext>
+    </p:extLst>
+  </p:cSld>
+  <p:clrMapOvr>
+    <a:masterClrMapping/>
+  </p:clrMapOvr>
+</p:sld>
+</file>
+
+<file path=ppt/slides/slide26.xml><?xml version="1.0" encoding="utf-8"?>
+<p:sld xmlns:a="http://schemas.openxmlformats.org/drawingml/2006/main" xmlns:r="http://schemas.openxmlformats.org/officeDocument/2006/relationships" xmlns:p="http://schemas.openxmlformats.org/presentationml/2006/main">
+  <p:cSld>
+    <p:spTree>
+      <p:nvGrpSpPr>
+        <p:cNvPr id="1" name=""/>
+        <p:cNvGrpSpPr/>
+        <p:nvPr/>
+      </p:nvGrpSpPr>
+      <p:grpSpPr>
+        <a:xfrm>
+          <a:off x="0" y="0"/>
+          <a:ext cx="0" cy="0"/>
+          <a:chOff x="0" y="0"/>
+          <a:chExt cx="0" cy="0"/>
+        </a:xfrm>
+      </p:grpSpPr>
+      <p:sp>
+        <p:nvSpPr>
+          <p:cNvPr id="2" name="Title 1">
+            <a:extLst>
+              <a:ext uri="{FF2B5EF4-FFF2-40B4-BE49-F238E27FC236}">
+                <a16:creationId xmlns:a16="http://schemas.microsoft.com/office/drawing/2014/main" id="{2D646D89-BEF7-4015-BC97-7B1CCE0FFDE6}"/>
+              </a:ext>
+            </a:extLst>
+          </p:cNvPr>
+          <p:cNvSpPr>
+            <a:spLocks noGrp="1"/>
+          </p:cNvSpPr>
+          <p:nvPr>
+            <p:ph type="title"/>
+          </p:nvPr>
+        </p:nvSpPr>
+        <p:spPr/>
+        <p:txBody>
+          <a:bodyPr/>
+          <a:lstStyle/>
+          <a:p>
+            <a:r>
+              <a:rPr lang="en-US" dirty="0"/>
+              <a:t>How to </a:t>
+            </a:r>
+            <a:r>
+              <a:rPr lang="en-US" dirty="0" err="1"/>
+              <a:t>JASP</a:t>
+            </a:r>
+            <a:endParaRPr lang="en-US" dirty="0"/>
+          </a:p>
+        </p:txBody>
+      </p:sp>
+      <p:sp>
+        <p:nvSpPr>
+          <p:cNvPr id="3" name="Content Placeholder 2">
+            <a:extLst>
+              <a:ext uri="{FF2B5EF4-FFF2-40B4-BE49-F238E27FC236}">
+                <a16:creationId xmlns:a16="http://schemas.microsoft.com/office/drawing/2014/main" id="{E1BE9584-3D3D-4422-AA6A-BD706F6853F6}"/>
+              </a:ext>
+            </a:extLst>
+          </p:cNvPr>
+          <p:cNvSpPr>
+            <a:spLocks noGrp="1"/>
+          </p:cNvSpPr>
+          <p:nvPr>
+            <p:ph idx="1"/>
+          </p:nvPr>
+        </p:nvSpPr>
+        <p:spPr/>
+        <p:txBody>
+          <a:bodyPr/>
+          <a:lstStyle/>
+          <a:p>
+            <a:r>
+              <a:rPr lang="en-US" dirty="0"/>
+              <a:t>From the table it brings up, you can change the “Labels” by clicking on the current label and typing the label you want that number to be</a:t>
+            </a:r>
+          </a:p>
+        </p:txBody>
+      </p:sp>
+      <p:pic>
+        <p:nvPicPr>
+          <p:cNvPr id="4" name="Picture 3">
+            <a:extLst>
+              <a:ext uri="{FF2B5EF4-FFF2-40B4-BE49-F238E27FC236}">
+                <a16:creationId xmlns:a16="http://schemas.microsoft.com/office/drawing/2014/main" id="{52ACDBFC-7C7C-4FC6-83E2-BB00BD5F48DA}"/>
+              </a:ext>
+            </a:extLst>
+          </p:cNvPr>
+          <p:cNvPicPr/>
+          <p:nvPr/>
+        </p:nvPicPr>
+        <p:blipFill rotWithShape="1">
+          <a:blip r:embed="rId2"/>
+          <a:srcRect r="53846" b="58205"/>
+          <a:stretch/>
+        </p:blipFill>
+        <p:spPr>
+          <a:xfrm>
+            <a:off x="861059" y="3124200"/>
+            <a:ext cx="3733800" cy="2162175"/>
+          </a:xfrm>
+          <a:prstGeom prst="rect">
+            <a:avLst/>
+          </a:prstGeom>
+        </p:spPr>
+      </p:pic>
+      <p:sp>
+        <p:nvSpPr>
+          <p:cNvPr id="5" name="Content Placeholder 2">
+            <a:extLst>
+              <a:ext uri="{FF2B5EF4-FFF2-40B4-BE49-F238E27FC236}">
+                <a16:creationId xmlns:a16="http://schemas.microsoft.com/office/drawing/2014/main" id="{28B256DE-F29C-45A9-B297-246C4CE09761}"/>
+              </a:ext>
+            </a:extLst>
+          </p:cNvPr>
+          <p:cNvSpPr txBox="1">
+            <a:spLocks/>
+          </p:cNvSpPr>
+          <p:nvPr/>
+        </p:nvSpPr>
+        <p:spPr>
+          <a:xfrm>
+            <a:off x="822959" y="1828800"/>
+            <a:ext cx="7543801" cy="4023360"/>
+          </a:xfrm>
+          <a:prstGeom prst="rect">
+            <a:avLst/>
+          </a:prstGeom>
+        </p:spPr>
+        <p:txBody>
+          <a:bodyPr vert="horz" lIns="0" tIns="45720" rIns="0" bIns="45720" rtlCol="0">
+            <a:normAutofit/>
+          </a:bodyPr>
+          <a:lstStyle>
+            <a:lvl1pPr marL="91440" indent="-91440" algn="l" defTabSz="914400" rtl="0" eaLnBrk="1" latinLnBrk="0" hangingPunct="1">
+              <a:lnSpc>
+                <a:spcPct val="90000"/>
+              </a:lnSpc>
+              <a:spcBef>
+                <a:spcPts val="1200"/>
+              </a:spcBef>
+              <a:spcAft>
+                <a:spcPts val="200"/>
+              </a:spcAft>
+              <a:buClr>
+                <a:schemeClr val="accent1"/>
+              </a:buClr>
+              <a:buSzPct val="100000"/>
+              <a:buFont typeface="Calibri" panose="020F0502020204030204" pitchFamily="34" charset="0"/>
+              <a:buChar char=" "/>
+              <a:defRPr sz="2400" kern="1200">
+                <a:solidFill>
+                  <a:schemeClr val="tx1">
+                    <a:lumMod val="75000"/>
+                    <a:lumOff val="25000"/>
+                  </a:schemeClr>
+                </a:solidFill>
+                <a:latin typeface="+mn-lt"/>
+                <a:ea typeface="+mn-ea"/>
+                <a:cs typeface="+mn-cs"/>
+              </a:defRPr>
+            </a:lvl1pPr>
+            <a:lvl2pPr marL="384048" indent="-182880" algn="l" defTabSz="914400" rtl="0" eaLnBrk="1" latinLnBrk="0" hangingPunct="1">
+              <a:lnSpc>
+                <a:spcPct val="90000"/>
+              </a:lnSpc>
+              <a:spcBef>
+                <a:spcPts val="200"/>
+              </a:spcBef>
+              <a:spcAft>
+                <a:spcPts val="400"/>
+              </a:spcAft>
+              <a:buClr>
+                <a:schemeClr val="accent1"/>
+              </a:buClr>
+              <a:buFont typeface="Calibri" pitchFamily="34" charset="0"/>
+              <a:buChar char="◦"/>
+              <a:defRPr sz="2200" kern="1200">
+                <a:solidFill>
+                  <a:schemeClr val="tx1">
+                    <a:lumMod val="75000"/>
+                    <a:lumOff val="25000"/>
+                  </a:schemeClr>
+                </a:solidFill>
+                <a:latin typeface="+mn-lt"/>
+                <a:ea typeface="+mn-ea"/>
+                <a:cs typeface="+mn-cs"/>
+              </a:defRPr>
+            </a:lvl2pPr>
+            <a:lvl3pPr marL="566928" indent="-182880" algn="l" defTabSz="914400" rtl="0" eaLnBrk="1" latinLnBrk="0" hangingPunct="1">
+              <a:lnSpc>
+                <a:spcPct val="90000"/>
+              </a:lnSpc>
+              <a:spcBef>
+                <a:spcPts val="200"/>
+              </a:spcBef>
+              <a:spcAft>
+                <a:spcPts val="400"/>
+              </a:spcAft>
+              <a:buClr>
+                <a:schemeClr val="accent1"/>
+              </a:buClr>
+              <a:buFont typeface="Calibri" pitchFamily="34" charset="0"/>
+              <a:buChar char="◦"/>
+              <a:defRPr sz="2200" kern="1200">
+                <a:solidFill>
+                  <a:schemeClr val="tx1">
+                    <a:lumMod val="75000"/>
+                    <a:lumOff val="25000"/>
+                  </a:schemeClr>
+                </a:solidFill>
+                <a:latin typeface="+mn-lt"/>
+                <a:ea typeface="+mn-ea"/>
+                <a:cs typeface="+mn-cs"/>
+              </a:defRPr>
+            </a:lvl3pPr>
+            <a:lvl4pPr marL="749808" indent="-182880" algn="l" defTabSz="914400" rtl="0" eaLnBrk="1" latinLnBrk="0" hangingPunct="1">
+              <a:lnSpc>
+                <a:spcPct val="90000"/>
+              </a:lnSpc>
+              <a:spcBef>
+                <a:spcPts val="200"/>
+              </a:spcBef>
+              <a:spcAft>
+                <a:spcPts val="400"/>
+              </a:spcAft>
+              <a:buClr>
+                <a:schemeClr val="accent1"/>
+              </a:buClr>
+              <a:buFont typeface="Calibri" pitchFamily="34" charset="0"/>
+              <a:buChar char="◦"/>
+              <a:defRPr sz="2200" kern="1200">
+                <a:solidFill>
+                  <a:schemeClr val="tx1">
+                    <a:lumMod val="75000"/>
+                    <a:lumOff val="25000"/>
+                  </a:schemeClr>
+                </a:solidFill>
+                <a:latin typeface="+mn-lt"/>
+                <a:ea typeface="+mn-ea"/>
+                <a:cs typeface="+mn-cs"/>
+              </a:defRPr>
+            </a:lvl4pPr>
+            <a:lvl5pPr marL="932688" indent="-182880" algn="l" defTabSz="914400" rtl="0" eaLnBrk="1" latinLnBrk="0" hangingPunct="1">
+              <a:lnSpc>
+                <a:spcPct val="90000"/>
+              </a:lnSpc>
+              <a:spcBef>
+                <a:spcPts val="200"/>
+              </a:spcBef>
+              <a:spcAft>
+                <a:spcPts val="400"/>
+              </a:spcAft>
+              <a:buClr>
+                <a:schemeClr val="accent1"/>
+              </a:buClr>
+              <a:buFont typeface="Calibri" pitchFamily="34" charset="0"/>
+              <a:buChar char="◦"/>
+              <a:defRPr sz="2200" kern="1200">
+                <a:solidFill>
+                  <a:schemeClr val="tx1">
+                    <a:lumMod val="75000"/>
+                    <a:lumOff val="25000"/>
+                  </a:schemeClr>
+                </a:solidFill>
+                <a:latin typeface="+mn-lt"/>
+                <a:ea typeface="+mn-ea"/>
+                <a:cs typeface="+mn-cs"/>
+              </a:defRPr>
+            </a:lvl5pPr>
+            <a:lvl6pPr marL="1100000" indent="-228600" algn="l" defTabSz="914400" rtl="0" eaLnBrk="1" latinLnBrk="0" hangingPunct="1">
+              <a:lnSpc>
+                <a:spcPct val="90000"/>
+              </a:lnSpc>
+              <a:spcBef>
+                <a:spcPts val="200"/>
+              </a:spcBef>
+              <a:spcAft>
+                <a:spcPts val="400"/>
+              </a:spcAft>
+              <a:buClr>
+                <a:schemeClr val="accent1"/>
+              </a:buClr>
+              <a:buFont typeface="Calibri" pitchFamily="34" charset="0"/>
+              <a:buChar char="◦"/>
+              <a:defRPr sz="1400" kern="1200">
+                <a:solidFill>
+                  <a:schemeClr val="tx1">
+                    <a:lumMod val="75000"/>
+                    <a:lumOff val="25000"/>
+                  </a:schemeClr>
+                </a:solidFill>
+                <a:latin typeface="+mn-lt"/>
+                <a:ea typeface="+mn-ea"/>
+                <a:cs typeface="+mn-cs"/>
+              </a:defRPr>
+            </a:lvl6pPr>
+            <a:lvl7pPr marL="1300000" indent="-228600" algn="l" defTabSz="914400" rtl="0" eaLnBrk="1" latinLnBrk="0" hangingPunct="1">
+              <a:lnSpc>
+                <a:spcPct val="90000"/>
+              </a:lnSpc>
+              <a:spcBef>
+                <a:spcPts val="200"/>
+              </a:spcBef>
+              <a:spcAft>
+                <a:spcPts val="400"/>
+              </a:spcAft>
+              <a:buClr>
+                <a:schemeClr val="accent1"/>
+              </a:buClr>
+              <a:buFont typeface="Calibri" pitchFamily="34" charset="0"/>
+              <a:buChar char="◦"/>
+              <a:defRPr sz="1400" kern="1200">
+                <a:solidFill>
+                  <a:schemeClr val="tx1">
+                    <a:lumMod val="75000"/>
+                    <a:lumOff val="25000"/>
+                  </a:schemeClr>
+                </a:solidFill>
+                <a:latin typeface="+mn-lt"/>
+                <a:ea typeface="+mn-ea"/>
+                <a:cs typeface="+mn-cs"/>
+              </a:defRPr>
+            </a:lvl7pPr>
+            <a:lvl8pPr marL="1500000" indent="-228600" algn="l" defTabSz="914400" rtl="0" eaLnBrk="1" latinLnBrk="0" hangingPunct="1">
+              <a:lnSpc>
+                <a:spcPct val="90000"/>
+              </a:lnSpc>
+              <a:spcBef>
+                <a:spcPts val="200"/>
+              </a:spcBef>
+              <a:spcAft>
+                <a:spcPts val="400"/>
+              </a:spcAft>
+              <a:buClr>
+                <a:schemeClr val="accent1"/>
+              </a:buClr>
+              <a:buFont typeface="Calibri" pitchFamily="34" charset="0"/>
+              <a:buChar char="◦"/>
+              <a:defRPr sz="1400" kern="1200">
+                <a:solidFill>
+                  <a:schemeClr val="tx1">
+                    <a:lumMod val="75000"/>
+                    <a:lumOff val="25000"/>
+                  </a:schemeClr>
+                </a:solidFill>
+                <a:latin typeface="+mn-lt"/>
+                <a:ea typeface="+mn-ea"/>
+                <a:cs typeface="+mn-cs"/>
+              </a:defRPr>
+            </a:lvl8pPr>
+            <a:lvl9pPr marL="1700000" indent="-228600" algn="l" defTabSz="914400" rtl="0" eaLnBrk="1" latinLnBrk="0" hangingPunct="1">
+              <a:lnSpc>
+                <a:spcPct val="90000"/>
+              </a:lnSpc>
+              <a:spcBef>
+                <a:spcPts val="200"/>
+              </a:spcBef>
+              <a:spcAft>
+                <a:spcPts val="400"/>
+              </a:spcAft>
+              <a:buClr>
+                <a:schemeClr val="accent1"/>
+              </a:buClr>
+              <a:buFont typeface="Calibri" pitchFamily="34" charset="0"/>
+              <a:buChar char="◦"/>
+              <a:defRPr sz="1400" kern="1200">
+                <a:solidFill>
+                  <a:schemeClr val="tx1">
+                    <a:lumMod val="75000"/>
+                    <a:lumOff val="25000"/>
+                  </a:schemeClr>
+                </a:solidFill>
+                <a:latin typeface="+mn-lt"/>
+                <a:ea typeface="+mn-ea"/>
+                <a:cs typeface="+mn-cs"/>
+              </a:defRPr>
+            </a:lvl9pPr>
+          </a:lstStyle>
+          <a:p>
+            <a:endParaRPr lang="en-US" dirty="0"/>
+          </a:p>
+        </p:txBody>
+      </p:sp>
+      <p:pic>
+        <p:nvPicPr>
+          <p:cNvPr id="6" name="Picture 5">
+            <a:extLst>
+              <a:ext uri="{FF2B5EF4-FFF2-40B4-BE49-F238E27FC236}">
+                <a16:creationId xmlns:a16="http://schemas.microsoft.com/office/drawing/2014/main" id="{81C76028-E6AF-4C5E-96CC-57D7C7118ADB}"/>
+              </a:ext>
+            </a:extLst>
+          </p:cNvPr>
+          <p:cNvPicPr/>
+          <p:nvPr/>
+        </p:nvPicPr>
+        <p:blipFill rotWithShape="1">
+          <a:blip r:embed="rId3"/>
+          <a:srcRect r="53846" b="58205"/>
+          <a:stretch/>
+        </p:blipFill>
+        <p:spPr>
+          <a:xfrm>
+            <a:off x="4876800" y="3124199"/>
+            <a:ext cx="3886200" cy="2162175"/>
+          </a:xfrm>
+          <a:prstGeom prst="rect">
+            <a:avLst/>
+          </a:prstGeom>
+        </p:spPr>
+      </p:pic>
+    </p:spTree>
+    <p:extLst>
+      <p:ext uri="{BB962C8B-B14F-4D97-AF65-F5344CB8AC3E}">
+        <p14:creationId xmlns:p14="http://schemas.microsoft.com/office/powerpoint/2010/main" val="1812530148"/>
+      </p:ext>
+    </p:extLst>
+  </p:cSld>
+  <p:clrMapOvr>
+    <a:masterClrMapping/>
+  </p:clrMapOvr>
+</p:sld>
+</file>
+
+<file path=ppt/slides/slide27.xml><?xml version="1.0" encoding="utf-8"?>
+<p:sld xmlns:a="http://schemas.openxmlformats.org/drawingml/2006/main" xmlns:r="http://schemas.openxmlformats.org/officeDocument/2006/relationships" xmlns:p="http://schemas.openxmlformats.org/presentationml/2006/main">
+  <p:cSld>
+    <p:spTree>
+      <p:nvGrpSpPr>
+        <p:cNvPr id="1" name=""/>
+        <p:cNvGrpSpPr/>
+        <p:nvPr/>
+      </p:nvGrpSpPr>
+      <p:grpSpPr>
+        <a:xfrm>
+          <a:off x="0" y="0"/>
+          <a:ext cx="0" cy="0"/>
+          <a:chOff x="0" y="0"/>
+          <a:chExt cx="0" cy="0"/>
+        </a:xfrm>
+      </p:grpSpPr>
+      <p:sp>
+        <p:nvSpPr>
+          <p:cNvPr id="2" name="Title 1">
+            <a:extLst>
+              <a:ext uri="{FF2B5EF4-FFF2-40B4-BE49-F238E27FC236}">
+                <a16:creationId xmlns:a16="http://schemas.microsoft.com/office/drawing/2014/main" id="{8F4D65DA-04B7-4FD8-AC38-E84C1D807F67}"/>
+              </a:ext>
+            </a:extLst>
+          </p:cNvPr>
+          <p:cNvSpPr>
+            <a:spLocks noGrp="1"/>
+          </p:cNvSpPr>
+          <p:nvPr>
+            <p:ph type="title"/>
+          </p:nvPr>
+        </p:nvSpPr>
+        <p:spPr/>
+        <p:txBody>
+          <a:bodyPr/>
+          <a:lstStyle/>
+          <a:p>
+            <a:r>
+              <a:rPr lang="en-US" dirty="0"/>
+              <a:t>How to </a:t>
+            </a:r>
+            <a:r>
+              <a:rPr lang="en-US" dirty="0" err="1"/>
+              <a:t>JASP</a:t>
+            </a:r>
+            <a:endParaRPr lang="en-US" dirty="0"/>
+          </a:p>
+        </p:txBody>
+      </p:sp>
+      <p:sp>
+        <p:nvSpPr>
+          <p:cNvPr id="3" name="Content Placeholder 2">
+            <a:extLst>
+              <a:ext uri="{FF2B5EF4-FFF2-40B4-BE49-F238E27FC236}">
+                <a16:creationId xmlns:a16="http://schemas.microsoft.com/office/drawing/2014/main" id="{6EF64C3B-6B27-4C5F-B7D9-7F24D175E288}"/>
+              </a:ext>
+            </a:extLst>
+          </p:cNvPr>
+          <p:cNvSpPr>
+            <a:spLocks noGrp="1"/>
+          </p:cNvSpPr>
+          <p:nvPr>
+            <p:ph idx="1"/>
+          </p:nvPr>
+        </p:nvSpPr>
+        <p:spPr/>
+        <p:txBody>
+          <a:bodyPr/>
+          <a:lstStyle/>
+          <a:p>
+            <a:r>
+              <a:rPr lang="en-US" dirty="0"/>
+              <a:t>Assumption: </a:t>
+            </a:r>
+          </a:p>
+          <a:p>
+            <a:pPr lvl="1"/>
+            <a:r>
+              <a:rPr lang="en-US" dirty="0"/>
+              <a:t>You will check for outliers the same way, using the dependent variable</a:t>
+            </a:r>
+          </a:p>
+          <a:p>
+            <a:pPr lvl="1"/>
+            <a:r>
+              <a:rPr lang="en-US" dirty="0"/>
+              <a:t>Normality will also be the same, just select the option for “Normality” under “Assumption checks” after you select which </a:t>
+            </a:r>
+            <a:r>
+              <a:rPr lang="en-US" i="1" dirty="0"/>
+              <a:t>t</a:t>
+            </a:r>
+            <a:r>
+              <a:rPr lang="en-US" dirty="0"/>
+              <a:t> test you are going to run</a:t>
+            </a:r>
+          </a:p>
+          <a:p>
+            <a:pPr lvl="1"/>
+            <a:r>
+              <a:rPr lang="en-US" dirty="0"/>
+              <a:t>Something new: we will also select “Equality of Variances” under “Assumption checks” </a:t>
+            </a:r>
+          </a:p>
+          <a:p>
+            <a:pPr lvl="2"/>
+            <a:r>
+              <a:rPr lang="en-US" dirty="0"/>
+              <a:t>This will give you results Levene’s test, which tests for the assumption of homogeneity </a:t>
+            </a:r>
+          </a:p>
+        </p:txBody>
+      </p:sp>
+    </p:spTree>
+    <p:extLst>
+      <p:ext uri="{BB962C8B-B14F-4D97-AF65-F5344CB8AC3E}">
+        <p14:creationId xmlns:p14="http://schemas.microsoft.com/office/powerpoint/2010/main" val="1625740698"/>
+      </p:ext>
+    </p:extLst>
+  </p:cSld>
+  <p:clrMapOvr>
+    <a:masterClrMapping/>
+  </p:clrMapOvr>
+</p:sld>
+</file>
+
+<file path=ppt/slides/slide28.xml><?xml version="1.0" encoding="utf-8"?>
+<p:sld xmlns:a="http://schemas.openxmlformats.org/drawingml/2006/main" xmlns:r="http://schemas.openxmlformats.org/officeDocument/2006/relationships" xmlns:p="http://schemas.openxmlformats.org/presentationml/2006/main">
+  <p:cSld>
+    <p:spTree>
+      <p:nvGrpSpPr>
+        <p:cNvPr id="1" name=""/>
+        <p:cNvGrpSpPr/>
+        <p:nvPr/>
+      </p:nvGrpSpPr>
+      <p:grpSpPr>
+        <a:xfrm>
+          <a:off x="0" y="0"/>
+          <a:ext cx="0" cy="0"/>
+          <a:chOff x="0" y="0"/>
+          <a:chExt cx="0" cy="0"/>
+        </a:xfrm>
+      </p:grpSpPr>
+      <p:sp>
+        <p:nvSpPr>
+          <p:cNvPr id="2" name="Title 1">
+            <a:extLst>
+              <a:ext uri="{FF2B5EF4-FFF2-40B4-BE49-F238E27FC236}">
+                <a16:creationId xmlns:a16="http://schemas.microsoft.com/office/drawing/2014/main" id="{27B558F6-2363-4FA4-8394-B462E770E2C9}"/>
+              </a:ext>
+            </a:extLst>
+          </p:cNvPr>
+          <p:cNvSpPr>
+            <a:spLocks noGrp="1"/>
+          </p:cNvSpPr>
+          <p:nvPr>
+            <p:ph type="title"/>
+          </p:nvPr>
+        </p:nvSpPr>
+        <p:spPr/>
+        <p:txBody>
+          <a:bodyPr/>
+          <a:lstStyle/>
+          <a:p>
+            <a:r>
+              <a:rPr lang="en-US" dirty="0"/>
+              <a:t>How to </a:t>
+            </a:r>
+            <a:r>
+              <a:rPr lang="en-US" dirty="0" err="1"/>
+              <a:t>JASP</a:t>
+            </a:r>
+            <a:endParaRPr lang="en-US" dirty="0"/>
+          </a:p>
+        </p:txBody>
+      </p:sp>
+      <p:sp>
+        <p:nvSpPr>
+          <p:cNvPr id="3" name="Content Placeholder 2">
+            <a:extLst>
+              <a:ext uri="{FF2B5EF4-FFF2-40B4-BE49-F238E27FC236}">
+                <a16:creationId xmlns:a16="http://schemas.microsoft.com/office/drawing/2014/main" id="{3A0680D2-997A-4E81-9AD9-96F1DA91DA24}"/>
+              </a:ext>
+            </a:extLst>
+          </p:cNvPr>
+          <p:cNvSpPr>
+            <a:spLocks noGrp="1"/>
+          </p:cNvSpPr>
+          <p:nvPr>
+            <p:ph idx="1"/>
+          </p:nvPr>
+        </p:nvSpPr>
+        <p:spPr/>
+        <p:txBody>
+          <a:bodyPr/>
+          <a:lstStyle/>
+          <a:p>
+            <a:r>
+              <a:rPr lang="en-US" dirty="0"/>
+              <a:t>Levene’s test </a:t>
+            </a:r>
+          </a:p>
+          <a:p>
+            <a:endParaRPr lang="en-US" dirty="0"/>
+          </a:p>
+          <a:p>
+            <a:endParaRPr lang="en-US" dirty="0"/>
+          </a:p>
+          <a:p>
+            <a:r>
+              <a:rPr lang="en-US" dirty="0"/>
+              <a:t>For this test, if </a:t>
+            </a:r>
+            <a:r>
+              <a:rPr lang="en-US" i="1" dirty="0"/>
+              <a:t>p</a:t>
+            </a:r>
+            <a:r>
+              <a:rPr lang="en-US" dirty="0"/>
+              <a:t> &lt; .05, you would not meet the assumption of homogeneity </a:t>
+            </a:r>
+          </a:p>
+          <a:p>
+            <a:pPr lvl="1"/>
+            <a:r>
+              <a:rPr lang="en-US" dirty="0"/>
+              <a:t>If this happens you will have to use a correction for unequal variances (we’ll use the Welch correction)</a:t>
+            </a:r>
+          </a:p>
+          <a:p>
+            <a:r>
+              <a:rPr lang="en-US" dirty="0"/>
+              <a:t>If </a:t>
+            </a:r>
+            <a:r>
+              <a:rPr lang="en-US" i="1" dirty="0"/>
+              <a:t>p</a:t>
+            </a:r>
+            <a:r>
+              <a:rPr lang="en-US" dirty="0"/>
+              <a:t> &gt; .05, you would meet the assumption</a:t>
+            </a:r>
+          </a:p>
+          <a:p>
+            <a:pPr lvl="1"/>
+            <a:r>
+              <a:rPr lang="en-US" dirty="0"/>
+              <a:t>Woohoo!! You can read your output without the correction </a:t>
+            </a:r>
+          </a:p>
+        </p:txBody>
+      </p:sp>
+      <p:pic>
+        <p:nvPicPr>
+          <p:cNvPr id="4" name="Picture 3">
+            <a:extLst>
+              <a:ext uri="{FF2B5EF4-FFF2-40B4-BE49-F238E27FC236}">
+                <a16:creationId xmlns:a16="http://schemas.microsoft.com/office/drawing/2014/main" id="{A9B58C7D-91B1-4735-AE75-81BC226619C2}"/>
+              </a:ext>
+            </a:extLst>
+          </p:cNvPr>
           <p:cNvPicPr>
             <a:picLocks noChangeAspect="1"/>
           </p:cNvPicPr>
@@ -10365,106 +10211,620 @@
         </p:blipFill>
         <p:spPr>
           <a:xfrm>
-            <a:off x="488950" y="2921000"/>
-            <a:ext cx="8166100" cy="1016000"/>
+            <a:off x="1371600" y="2209800"/>
+            <a:ext cx="3895725" cy="1066800"/>
           </a:xfrm>
           <a:prstGeom prst="rect">
             <a:avLst/>
           </a:prstGeom>
         </p:spPr>
       </p:pic>
-      <p:sp>
-        <p:nvSpPr>
-          <p:cNvPr id="5" name="TextBox 4"/>
-          <p:cNvSpPr txBox="1"/>
+    </p:spTree>
+    <p:extLst>
+      <p:ext uri="{BB962C8B-B14F-4D97-AF65-F5344CB8AC3E}">
+        <p14:creationId xmlns:p14="http://schemas.microsoft.com/office/powerpoint/2010/main" val="991879815"/>
+      </p:ext>
+    </p:extLst>
+  </p:cSld>
+  <p:clrMapOvr>
+    <a:masterClrMapping/>
+  </p:clrMapOvr>
+</p:sld>
+</file>
+
+<file path=ppt/slides/slide29.xml><?xml version="1.0" encoding="utf-8"?>
+<p:sld xmlns:a="http://schemas.openxmlformats.org/drawingml/2006/main" xmlns:r="http://schemas.openxmlformats.org/officeDocument/2006/relationships" xmlns:p="http://schemas.openxmlformats.org/presentationml/2006/main">
+  <p:cSld>
+    <p:spTree>
+      <p:nvGrpSpPr>
+        <p:cNvPr id="1" name=""/>
+        <p:cNvGrpSpPr/>
+        <p:nvPr/>
+      </p:nvGrpSpPr>
+      <p:grpSpPr>
+        <a:xfrm>
+          <a:off x="0" y="0"/>
+          <a:ext cx="0" cy="0"/>
+          <a:chOff x="0" y="0"/>
+          <a:chExt cx="0" cy="0"/>
+        </a:xfrm>
+      </p:grpSpPr>
+      <p:sp>
+        <p:nvSpPr>
+          <p:cNvPr id="2" name="Title 1">
+            <a:extLst>
+              <a:ext uri="{FF2B5EF4-FFF2-40B4-BE49-F238E27FC236}">
+                <a16:creationId xmlns:a16="http://schemas.microsoft.com/office/drawing/2014/main" id="{88358F18-1246-4FB8-8277-7A7A21E59794}"/>
+              </a:ext>
+            </a:extLst>
+          </p:cNvPr>
+          <p:cNvSpPr>
+            <a:spLocks noGrp="1"/>
+          </p:cNvSpPr>
+          <p:nvPr>
+            <p:ph type="title"/>
+          </p:nvPr>
+        </p:nvSpPr>
+        <p:spPr/>
+        <p:txBody>
+          <a:bodyPr/>
+          <a:lstStyle/>
+          <a:p>
+            <a:r>
+              <a:rPr lang="en-US" dirty="0"/>
+              <a:t>How to </a:t>
+            </a:r>
+            <a:r>
+              <a:rPr lang="en-US" dirty="0" err="1"/>
+              <a:t>JASP</a:t>
+            </a:r>
+            <a:endParaRPr lang="en-US" dirty="0"/>
+          </a:p>
+        </p:txBody>
+      </p:sp>
+      <p:sp>
+        <p:nvSpPr>
+          <p:cNvPr id="3" name="Content Placeholder 2">
+            <a:extLst>
+              <a:ext uri="{FF2B5EF4-FFF2-40B4-BE49-F238E27FC236}">
+                <a16:creationId xmlns:a16="http://schemas.microsoft.com/office/drawing/2014/main" id="{589874D7-4F10-4B40-B893-08A570AB4363}"/>
+              </a:ext>
+            </a:extLst>
+          </p:cNvPr>
+          <p:cNvSpPr>
+            <a:spLocks noGrp="1"/>
+          </p:cNvSpPr>
+          <p:nvPr>
+            <p:ph idx="1"/>
+          </p:nvPr>
+        </p:nvSpPr>
+        <p:spPr/>
+        <p:txBody>
+          <a:bodyPr/>
+          <a:lstStyle/>
+          <a:p>
+            <a:r>
+              <a:rPr lang="en-US" dirty="0"/>
+              <a:t>If you don’t meet the assumption of homogeneity, just select the “Welch” option under “Tests” and you will get a second line of output: </a:t>
+            </a:r>
+          </a:p>
+          <a:p>
+            <a:endParaRPr lang="en-US" dirty="0"/>
+          </a:p>
+        </p:txBody>
+      </p:sp>
+      <p:pic>
+        <p:nvPicPr>
+          <p:cNvPr id="4" name="Picture 3">
+            <a:extLst>
+              <a:ext uri="{FF2B5EF4-FFF2-40B4-BE49-F238E27FC236}">
+                <a16:creationId xmlns:a16="http://schemas.microsoft.com/office/drawing/2014/main" id="{BB69864C-FE35-4C86-A346-F532DE04A008}"/>
+              </a:ext>
+            </a:extLst>
+          </p:cNvPr>
+          <p:cNvPicPr/>
           <p:nvPr/>
-        </p:nvSpPr>
+        </p:nvPicPr>
+        <p:blipFill>
+          <a:blip r:embed="rId2"/>
+          <a:stretch>
+            <a:fillRect/>
+          </a:stretch>
+        </p:blipFill>
         <p:spPr>
           <a:xfrm>
-            <a:off x="488950" y="4274403"/>
-            <a:ext cx="8481809" cy="1569660"/>
+            <a:off x="1219200" y="3276600"/>
+            <a:ext cx="1905000" cy="1498600"/>
           </a:xfrm>
           <a:prstGeom prst="rect">
             <a:avLst/>
           </a:prstGeom>
-          <a:noFill/>
         </p:spPr>
-        <p:txBody>
-          <a:bodyPr wrap="none" rtlCol="0">
-            <a:spAutoFit/>
-          </a:bodyPr>
-          <a:lstStyle/>
-          <a:p>
-            <a:pPr marL="342900" indent="-342900">
-              <a:buFont typeface="Arial" charset="0"/>
-              <a:buChar char="•"/>
-            </a:pPr>
-            <a:r>
-              <a:rPr lang="en-US" dirty="0"/>
-              <a:t>Remember, t(</a:t>
-            </a:r>
-            <a:r>
-              <a:rPr lang="en-US" dirty="0" err="1"/>
-              <a:t>df</a:t>
-            </a:r>
-            <a:r>
-              <a:rPr lang="en-US" dirty="0"/>
-              <a:t>) = t, p = p-value, d = d</a:t>
-            </a:r>
-          </a:p>
-          <a:p>
-            <a:pPr marL="342900" indent="-342900">
-              <a:buFont typeface="Arial" charset="0"/>
-              <a:buChar char="•"/>
-            </a:pPr>
-            <a:r>
-              <a:rPr lang="en-US" dirty="0"/>
-              <a:t>SE = standard error for each group, NOT </a:t>
-            </a:r>
-            <a:r>
-              <a:rPr lang="en-US" dirty="0" err="1"/>
-              <a:t>Sdifference</a:t>
-            </a:r>
-            <a:r>
-              <a:rPr lang="en-US" dirty="0"/>
-              <a:t>.</a:t>
-            </a:r>
-          </a:p>
-          <a:p>
-            <a:pPr marL="342900" indent="-342900">
-              <a:buFont typeface="Arial" charset="0"/>
-              <a:buChar char="•"/>
-            </a:pPr>
-            <a:r>
-              <a:rPr lang="en-US" dirty="0"/>
-              <a:t>Each CI here is calculated with </a:t>
-            </a:r>
-            <a:r>
-              <a:rPr lang="en-US" dirty="0" err="1"/>
-              <a:t>df</a:t>
-            </a:r>
-            <a:r>
-              <a:rPr lang="en-US" dirty="0"/>
-              <a:t> </a:t>
-            </a:r>
-          </a:p>
-          <a:p>
-            <a:pPr lvl="1"/>
-            <a:r>
-              <a:rPr lang="en-US"/>
-              <a:t>    of </a:t>
-            </a:r>
-            <a:r>
-              <a:rPr lang="en-US" dirty="0"/>
-              <a:t>the individual groups, not the total.</a:t>
-            </a:r>
-          </a:p>
-        </p:txBody>
-      </p:sp>
+      </p:pic>
+      <p:pic>
+        <p:nvPicPr>
+          <p:cNvPr id="5" name="Picture 4">
+            <a:extLst>
+              <a:ext uri="{FF2B5EF4-FFF2-40B4-BE49-F238E27FC236}">
+                <a16:creationId xmlns:a16="http://schemas.microsoft.com/office/drawing/2014/main" id="{94BC08D7-9308-4F7F-B816-92E19EFE7F62}"/>
+              </a:ext>
+            </a:extLst>
+          </p:cNvPr>
+          <p:cNvPicPr>
+            <a:picLocks noChangeAspect="1"/>
+          </p:cNvPicPr>
+          <p:nvPr/>
+        </p:nvPicPr>
+        <p:blipFill>
+          <a:blip r:embed="rId3"/>
+          <a:stretch>
+            <a:fillRect/>
+          </a:stretch>
+        </p:blipFill>
+        <p:spPr>
+          <a:xfrm>
+            <a:off x="3810000" y="3368675"/>
+            <a:ext cx="4829175" cy="1314450"/>
+          </a:xfrm>
+          <a:prstGeom prst="rect">
+            <a:avLst/>
+          </a:prstGeom>
+        </p:spPr>
+      </p:pic>
     </p:spTree>
     <p:extLst>
       <p:ext uri="{BB962C8B-B14F-4D97-AF65-F5344CB8AC3E}">
-        <p14:creationId xmlns:p14="http://schemas.microsoft.com/office/powerpoint/2010/main" val="1978445837"/>
+        <p14:creationId xmlns:p14="http://schemas.microsoft.com/office/powerpoint/2010/main" val="2550090494"/>
+      </p:ext>
+    </p:extLst>
+  </p:cSld>
+  <p:clrMapOvr>
+    <a:masterClrMapping/>
+  </p:clrMapOvr>
+</p:sld>
+</file>
+
+<file path=ppt/slides/slide3.xml><?xml version="1.0" encoding="utf-8"?>
+<p:sld xmlns:a="http://schemas.openxmlformats.org/drawingml/2006/main" xmlns:r="http://schemas.openxmlformats.org/officeDocument/2006/relationships" xmlns:p="http://schemas.openxmlformats.org/presentationml/2006/main">
+  <p:cSld>
+    <p:spTree>
+      <p:nvGrpSpPr>
+        <p:cNvPr id="1" name=""/>
+        <p:cNvGrpSpPr/>
+        <p:nvPr/>
+      </p:nvGrpSpPr>
+      <p:grpSpPr>
+        <a:xfrm>
+          <a:off x="0" y="0"/>
+          <a:ext cx="0" cy="0"/>
+          <a:chOff x="0" y="0"/>
+          <a:chExt cx="0" cy="0"/>
+        </a:xfrm>
+      </p:grpSpPr>
+      <p:sp>
+        <p:nvSpPr>
+          <p:cNvPr id="2" name="Title 1">
+            <a:extLst>
+              <a:ext uri="{FF2B5EF4-FFF2-40B4-BE49-F238E27FC236}">
+                <a16:creationId xmlns:a16="http://schemas.microsoft.com/office/drawing/2014/main" id="{DFB3639B-DE03-42E2-83D9-3040AF5E9456}"/>
+              </a:ext>
+            </a:extLst>
+          </p:cNvPr>
+          <p:cNvSpPr>
+            <a:spLocks noGrp="1"/>
+          </p:cNvSpPr>
+          <p:nvPr>
+            <p:ph type="title"/>
+          </p:nvPr>
+        </p:nvSpPr>
+        <p:spPr/>
+        <p:txBody>
+          <a:bodyPr/>
+          <a:lstStyle/>
+          <a:p>
+            <a:r>
+              <a:rPr lang="en-US" dirty="0"/>
+              <a:t>Independent Samples </a:t>
+            </a:r>
+            <a:r>
+              <a:rPr lang="en-US" i="1" dirty="0"/>
+              <a:t>t</a:t>
+            </a:r>
+            <a:r>
+              <a:rPr lang="en-US" dirty="0"/>
+              <a:t>-Test</a:t>
+            </a:r>
+          </a:p>
+        </p:txBody>
+      </p:sp>
+      <p:sp>
+        <p:nvSpPr>
+          <p:cNvPr id="9219" name="Content Placeholder 2"/>
+          <p:cNvSpPr>
+            <a:spLocks noGrp="1"/>
+          </p:cNvSpPr>
+          <p:nvPr>
+            <p:ph idx="1"/>
+          </p:nvPr>
+        </p:nvSpPr>
+        <p:spPr/>
+        <p:txBody>
+          <a:bodyPr/>
+          <a:lstStyle/>
+          <a:p>
+            <a:r>
+              <a:rPr lang="en-US" dirty="0"/>
+              <a:t>Used to compare two means in a between-groups design (i.e., each participant is in only one condition)</a:t>
+            </a:r>
+          </a:p>
+          <a:p>
+            <a:pPr lvl="1"/>
+            <a:r>
+              <a:rPr lang="en-US" dirty="0"/>
+              <a:t>Remember that dependent </a:t>
+            </a:r>
+            <a:r>
+              <a:rPr lang="en-US" i="1" dirty="0"/>
+              <a:t>t</a:t>
+            </a:r>
+            <a:r>
+              <a:rPr lang="en-US" dirty="0"/>
+              <a:t> (paired samples) is a repeated measures or within-groups design</a:t>
+            </a:r>
+          </a:p>
+          <a:p>
+            <a:endParaRPr lang="en-US" dirty="0"/>
+          </a:p>
+        </p:txBody>
+      </p:sp>
+    </p:spTree>
+  </p:cSld>
+  <p:clrMapOvr>
+    <a:masterClrMapping/>
+  </p:clrMapOvr>
+</p:sld>
+</file>
+
+<file path=ppt/slides/slide30.xml><?xml version="1.0" encoding="utf-8"?>
+<p:sld xmlns:a="http://schemas.openxmlformats.org/drawingml/2006/main" xmlns:r="http://schemas.openxmlformats.org/officeDocument/2006/relationships" xmlns:p="http://schemas.openxmlformats.org/presentationml/2006/main">
+  <p:cSld>
+    <p:spTree>
+      <p:nvGrpSpPr>
+        <p:cNvPr id="1" name=""/>
+        <p:cNvGrpSpPr/>
+        <p:nvPr/>
+      </p:nvGrpSpPr>
+      <p:grpSpPr>
+        <a:xfrm>
+          <a:off x="0" y="0"/>
+          <a:ext cx="0" cy="0"/>
+          <a:chOff x="0" y="0"/>
+          <a:chExt cx="0" cy="0"/>
+        </a:xfrm>
+      </p:grpSpPr>
+      <p:sp>
+        <p:nvSpPr>
+          <p:cNvPr id="2" name="Title 1">
+            <a:extLst>
+              <a:ext uri="{FF2B5EF4-FFF2-40B4-BE49-F238E27FC236}">
+                <a16:creationId xmlns:a16="http://schemas.microsoft.com/office/drawing/2014/main" id="{CB788A03-1E9A-4932-AFE7-D884B1D38324}"/>
+              </a:ext>
+            </a:extLst>
+          </p:cNvPr>
+          <p:cNvSpPr>
+            <a:spLocks noGrp="1"/>
+          </p:cNvSpPr>
+          <p:nvPr>
+            <p:ph type="title"/>
+          </p:nvPr>
+        </p:nvSpPr>
+        <p:spPr/>
+        <p:txBody>
+          <a:bodyPr/>
+          <a:lstStyle/>
+          <a:p>
+            <a:r>
+              <a:rPr lang="en-US" dirty="0"/>
+              <a:t>How to </a:t>
+            </a:r>
+            <a:r>
+              <a:rPr lang="en-US" dirty="0" err="1"/>
+              <a:t>JASP</a:t>
+            </a:r>
+            <a:endParaRPr lang="en-US" dirty="0"/>
+          </a:p>
+        </p:txBody>
+      </p:sp>
+      <p:sp>
+        <p:nvSpPr>
+          <p:cNvPr id="3" name="Content Placeholder 2">
+            <a:extLst>
+              <a:ext uri="{FF2B5EF4-FFF2-40B4-BE49-F238E27FC236}">
+                <a16:creationId xmlns:a16="http://schemas.microsoft.com/office/drawing/2014/main" id="{F32BE9EE-124D-4ADC-AF2D-4E0465DEF110}"/>
+              </a:ext>
+            </a:extLst>
+          </p:cNvPr>
+          <p:cNvSpPr>
+            <a:spLocks noGrp="1"/>
+          </p:cNvSpPr>
+          <p:nvPr>
+            <p:ph idx="1"/>
+          </p:nvPr>
+        </p:nvSpPr>
+        <p:spPr/>
+        <p:txBody>
+          <a:bodyPr/>
+          <a:lstStyle/>
+          <a:p>
+            <a:r>
+              <a:rPr lang="en-US" dirty="0"/>
+              <a:t>Everything else will be the same… yay!</a:t>
+            </a:r>
+          </a:p>
+          <a:p>
+            <a:endParaRPr lang="en-US" dirty="0"/>
+          </a:p>
+        </p:txBody>
+      </p:sp>
+      <p:pic>
+        <p:nvPicPr>
+          <p:cNvPr id="4" name="Picture 3">
+            <a:extLst>
+              <a:ext uri="{FF2B5EF4-FFF2-40B4-BE49-F238E27FC236}">
+                <a16:creationId xmlns:a16="http://schemas.microsoft.com/office/drawing/2014/main" id="{FDCF41A5-C4B9-4B99-9F67-E2AD24B55ABD}"/>
+              </a:ext>
+            </a:extLst>
+          </p:cNvPr>
+          <p:cNvPicPr>
+            <a:picLocks noChangeAspect="1"/>
+          </p:cNvPicPr>
+          <p:nvPr/>
+        </p:nvPicPr>
+        <p:blipFill>
+          <a:blip r:embed="rId2"/>
+          <a:stretch>
+            <a:fillRect/>
+          </a:stretch>
+        </p:blipFill>
+        <p:spPr>
+          <a:xfrm>
+            <a:off x="2009775" y="2449619"/>
+            <a:ext cx="5124450" cy="3419475"/>
+          </a:xfrm>
+          <a:prstGeom prst="rect">
+            <a:avLst/>
+          </a:prstGeom>
+        </p:spPr>
+      </p:pic>
+    </p:spTree>
+    <p:extLst>
+      <p:ext uri="{BB962C8B-B14F-4D97-AF65-F5344CB8AC3E}">
+        <p14:creationId xmlns:p14="http://schemas.microsoft.com/office/powerpoint/2010/main" val="2879575017"/>
+      </p:ext>
+    </p:extLst>
+  </p:cSld>
+  <p:clrMapOvr>
+    <a:masterClrMapping/>
+  </p:clrMapOvr>
+</p:sld>
+</file>
+
+<file path=ppt/slides/slide31.xml><?xml version="1.0" encoding="utf-8"?>
+<p:sld xmlns:a="http://schemas.openxmlformats.org/drawingml/2006/main" xmlns:r="http://schemas.openxmlformats.org/officeDocument/2006/relationships" xmlns:p="http://schemas.openxmlformats.org/presentationml/2006/main">
+  <p:cSld>
+    <p:spTree>
+      <p:nvGrpSpPr>
+        <p:cNvPr id="1" name=""/>
+        <p:cNvGrpSpPr/>
+        <p:nvPr/>
+      </p:nvGrpSpPr>
+      <p:grpSpPr>
+        <a:xfrm>
+          <a:off x="0" y="0"/>
+          <a:ext cx="0" cy="0"/>
+          <a:chOff x="0" y="0"/>
+          <a:chExt cx="0" cy="0"/>
+        </a:xfrm>
+      </p:grpSpPr>
+      <p:sp>
+        <p:nvSpPr>
+          <p:cNvPr id="2" name="Title 1">
+            <a:extLst>
+              <a:ext uri="{FF2B5EF4-FFF2-40B4-BE49-F238E27FC236}">
+                <a16:creationId xmlns:a16="http://schemas.microsoft.com/office/drawing/2014/main" id="{362A1E0F-03AA-431A-A1B0-6AFBC89C6B8A}"/>
+              </a:ext>
+            </a:extLst>
+          </p:cNvPr>
+          <p:cNvSpPr>
+            <a:spLocks noGrp="1"/>
+          </p:cNvSpPr>
+          <p:nvPr>
+            <p:ph type="title"/>
+          </p:nvPr>
+        </p:nvSpPr>
+        <p:spPr/>
+        <p:txBody>
+          <a:bodyPr/>
+          <a:lstStyle/>
+          <a:p>
+            <a:r>
+              <a:rPr lang="en-US" dirty="0"/>
+              <a:t>How to </a:t>
+            </a:r>
+            <a:r>
+              <a:rPr lang="en-US" dirty="0" err="1"/>
+              <a:t>JASP</a:t>
+            </a:r>
+            <a:endParaRPr lang="en-US" dirty="0"/>
+          </a:p>
+        </p:txBody>
+      </p:sp>
+      <p:sp>
+        <p:nvSpPr>
+          <p:cNvPr id="3" name="Content Placeholder 2">
+            <a:extLst>
+              <a:ext uri="{FF2B5EF4-FFF2-40B4-BE49-F238E27FC236}">
+                <a16:creationId xmlns:a16="http://schemas.microsoft.com/office/drawing/2014/main" id="{6527D935-1F48-4574-8080-6EC37C18FE39}"/>
+              </a:ext>
+            </a:extLst>
+          </p:cNvPr>
+          <p:cNvSpPr>
+            <a:spLocks noGrp="1"/>
+          </p:cNvSpPr>
+          <p:nvPr>
+            <p:ph idx="1"/>
+          </p:nvPr>
+        </p:nvSpPr>
+        <p:spPr/>
+        <p:txBody>
+          <a:bodyPr/>
+          <a:lstStyle/>
+          <a:p>
+            <a:endParaRPr lang="en-US" dirty="0"/>
+          </a:p>
+          <a:p>
+            <a:endParaRPr lang="en-US" dirty="0"/>
+          </a:p>
+          <a:p>
+            <a:endParaRPr lang="en-US" dirty="0"/>
+          </a:p>
+          <a:p>
+            <a:endParaRPr lang="en-US" dirty="0"/>
+          </a:p>
+          <a:p>
+            <a:endParaRPr lang="en-US" dirty="0"/>
+          </a:p>
+          <a:p>
+            <a:r>
+              <a:rPr lang="en-US" dirty="0"/>
+              <a:t>The advertisement was more engaging to male viewers (</a:t>
+            </a:r>
+            <a:r>
+              <a:rPr lang="en-US" i="1" dirty="0"/>
+              <a:t>M</a:t>
+            </a:r>
+            <a:r>
+              <a:rPr lang="en-US" dirty="0"/>
+              <a:t> = 5.56, </a:t>
+            </a:r>
+            <a:r>
+              <a:rPr lang="en-US" i="1" dirty="0"/>
+              <a:t>SD</a:t>
+            </a:r>
+            <a:r>
+              <a:rPr lang="en-US" dirty="0"/>
+              <a:t> = 0.35) than female viewers (</a:t>
+            </a:r>
+            <a:r>
+              <a:rPr lang="en-US" i="1" dirty="0"/>
+              <a:t>M</a:t>
+            </a:r>
+            <a:r>
+              <a:rPr lang="en-US" dirty="0"/>
+              <a:t> = 5.30, </a:t>
+            </a:r>
+            <a:r>
+              <a:rPr lang="en-US" i="1" dirty="0"/>
+              <a:t>SD</a:t>
+            </a:r>
+            <a:r>
+              <a:rPr lang="en-US" dirty="0"/>
+              <a:t> = 0.35), a large and significant difference, </a:t>
+            </a:r>
+            <a:r>
+              <a:rPr lang="en-US" i="1" dirty="0"/>
+              <a:t>t</a:t>
+            </a:r>
+            <a:r>
+              <a:rPr lang="en-US" dirty="0"/>
+              <a:t>(38) = 2.37, </a:t>
+            </a:r>
+            <a:r>
+              <a:rPr lang="en-US" i="1" dirty="0"/>
+              <a:t>p</a:t>
+            </a:r>
+            <a:r>
+              <a:rPr lang="en-US" dirty="0"/>
+              <a:t> = .023, </a:t>
+            </a:r>
+            <a:r>
+              <a:rPr lang="en-US" i="1" dirty="0"/>
+              <a:t>d</a:t>
+            </a:r>
+            <a:r>
+              <a:rPr lang="en-US" dirty="0"/>
+              <a:t> = 0.75.</a:t>
+            </a:r>
+          </a:p>
+          <a:p>
+            <a:endParaRPr lang="en-US" dirty="0"/>
+          </a:p>
+        </p:txBody>
+      </p:sp>
+      <p:pic>
+        <p:nvPicPr>
+          <p:cNvPr id="4" name="Picture 3">
+            <a:extLst>
+              <a:ext uri="{FF2B5EF4-FFF2-40B4-BE49-F238E27FC236}">
+                <a16:creationId xmlns:a16="http://schemas.microsoft.com/office/drawing/2014/main" id="{147AF958-701A-4FEA-92BE-1A4E21462028}"/>
+              </a:ext>
+            </a:extLst>
+          </p:cNvPr>
+          <p:cNvPicPr>
+            <a:picLocks noChangeAspect="1"/>
+          </p:cNvPicPr>
+          <p:nvPr/>
+        </p:nvPicPr>
+        <p:blipFill>
+          <a:blip r:embed="rId2"/>
+          <a:stretch>
+            <a:fillRect/>
+          </a:stretch>
+        </p:blipFill>
+        <p:spPr>
+          <a:xfrm>
+            <a:off x="4726304" y="2416834"/>
+            <a:ext cx="3686175" cy="1628775"/>
+          </a:xfrm>
+          <a:prstGeom prst="rect">
+            <a:avLst/>
+          </a:prstGeom>
+        </p:spPr>
+      </p:pic>
+      <p:pic>
+        <p:nvPicPr>
+          <p:cNvPr id="5" name="Picture 4">
+            <a:extLst>
+              <a:ext uri="{FF2B5EF4-FFF2-40B4-BE49-F238E27FC236}">
+                <a16:creationId xmlns:a16="http://schemas.microsoft.com/office/drawing/2014/main" id="{01ACE675-5A4C-439E-B753-3D88944F13B6}"/>
+              </a:ext>
+            </a:extLst>
+          </p:cNvPr>
+          <p:cNvPicPr>
+            <a:picLocks noChangeAspect="1"/>
+          </p:cNvPicPr>
+          <p:nvPr/>
+        </p:nvPicPr>
+        <p:blipFill>
+          <a:blip r:embed="rId3"/>
+          <a:stretch>
+            <a:fillRect/>
+          </a:stretch>
+        </p:blipFill>
+        <p:spPr>
+          <a:xfrm>
+            <a:off x="777240" y="2602572"/>
+            <a:ext cx="3810000" cy="1257300"/>
+          </a:xfrm>
+          <a:prstGeom prst="rect">
+            <a:avLst/>
+          </a:prstGeom>
+        </p:spPr>
+      </p:pic>
+    </p:spTree>
+    <p:extLst>
+      <p:ext uri="{BB962C8B-B14F-4D97-AF65-F5344CB8AC3E}">
+        <p14:creationId xmlns:p14="http://schemas.microsoft.com/office/powerpoint/2010/main" val="2733884956"/>
       </p:ext>
     </p:extLst>
   </p:cSld>
@@ -10762,7 +11122,7 @@
         </p:blipFill>
         <p:spPr bwMode="auto">
           <a:xfrm>
-            <a:off x="457200" y="2438400"/>
+            <a:off x="457200" y="2286000"/>
             <a:ext cx="8039101" cy="3391495"/>
           </a:xfrm>
           <a:prstGeom prst="rect">
@@ -10847,7 +11207,7 @@
           </p:nvPr>
         </p:nvPicPr>
         <p:blipFill>
-          <a:blip r:embed="rId2"/>
+          <a:blip r:embed="rId3"/>
           <a:srcRect/>
           <a:stretch>
             <a:fillRect/>
@@ -11520,7 +11880,7 @@
           <p:nvPr>
             <p:extLst>
               <p:ext uri="{D42A27DB-BD31-4B8C-83A1-F6EECF244321}">
-                <p14:modId xmlns:p14="http://schemas.microsoft.com/office/powerpoint/2010/main" val="3319837194"/>
+                <p14:modId xmlns:p14="http://schemas.microsoft.com/office/powerpoint/2010/main" val="2719150778"/>
               </p:ext>
             </p:extLst>
           </p:nvPr>
@@ -11581,74 +11941,51 @@
           </a:graphicData>
         </a:graphic>
       </p:graphicFrame>
-      <p:sp>
-        <p:nvSpPr>
-          <p:cNvPr id="11" name="TextBox 10"/>
-          <p:cNvSpPr txBox="1"/>
-          <p:nvPr/>
-        </p:nvSpPr>
-        <p:spPr>
-          <a:xfrm>
-            <a:off x="4038600" y="2133600"/>
-            <a:ext cx="4561809" cy="1200328"/>
-          </a:xfrm>
-          <a:prstGeom prst="rect">
-            <a:avLst/>
-          </a:prstGeom>
-          <a:noFill/>
-        </p:spPr>
-        <p:txBody>
-          <a:bodyPr wrap="square" rtlCol="0">
-            <a:spAutoFit/>
-          </a:bodyPr>
-          <a:lstStyle/>
-          <a:p>
-            <a:r>
-              <a:rPr lang="en-US" dirty="0"/>
-              <a:t>Variance = same for all tests, but paired t is on difference scores</a:t>
-            </a:r>
-          </a:p>
-        </p:txBody>
-      </p:sp>
       <p:graphicFrame>
         <p:nvGraphicFramePr>
-          <p:cNvPr id="14" name="Object 3"/>
+          <p:cNvPr id="9" name="Object 5"/>
           <p:cNvGraphicFramePr>
             <a:graphicFrameLocks noChangeAspect="1"/>
           </p:cNvGraphicFramePr>
           <p:nvPr>
             <p:extLst>
               <p:ext uri="{D42A27DB-BD31-4B8C-83A1-F6EECF244321}">
-                <p14:modId xmlns:p14="http://schemas.microsoft.com/office/powerpoint/2010/main" val="2095629447"/>
+                <p14:modId xmlns:p14="http://schemas.microsoft.com/office/powerpoint/2010/main" val="2844790712"/>
               </p:ext>
             </p:extLst>
           </p:nvPr>
         </p:nvGraphicFramePr>
         <p:xfrm>
-          <a:off x="838200" y="3962400"/>
-          <a:ext cx="1330325" cy="1063625"/>
+          <a:off x="762000" y="3505200"/>
+          <a:ext cx="5021262" cy="1262063"/>
         </p:xfrm>
         <a:graphic>
           <a:graphicData uri="http://schemas.openxmlformats.org/presentationml/2006/ole">
             <mc:AlternateContent xmlns:mc="http://schemas.openxmlformats.org/markup-compatibility/2006">
               <mc:Choice xmlns:v="urn:schemas-microsoft-com:vml" Requires="v">
-                <p:oleObj spid="_x0000_s1027" name="Equation" r:id="rId6" imgW="508000" imgH="406400" progId="Equation.3">
+                <p:oleObj spid="_x0000_s1027" name="Equation" r:id="rId6" imgW="1917360" imgH="482400" progId="Equation.3">
                   <p:embed/>
                 </p:oleObj>
               </mc:Choice>
               <mc:Fallback>
-                <p:oleObj name="Equation" r:id="rId6" imgW="508000" imgH="406400" progId="Equation.3">
+                <p:oleObj name="Equation" r:id="rId6" imgW="1917360" imgH="482400" progId="Equation.3">
                   <p:embed/>
                   <p:pic>
                     <p:nvPicPr>
-                      <p:cNvPr id="14" name="Object 3"/>
+                      <p:cNvPr id="9" name="Object 5"/>
                       <p:cNvPicPr>
                         <a:picLocks noChangeAspect="1" noChangeArrowheads="1"/>
                       </p:cNvPicPr>
                       <p:nvPr/>
                     </p:nvPicPr>
                     <p:blipFill>
-                      <a:blip r:embed="rId7"/>
+                      <a:blip r:embed="rId7">
+                        <a:extLst>
+                          <a:ext uri="{28A0092B-C50C-407E-A947-70E740481C1C}">
+                            <a14:useLocalDpi xmlns:a14="http://schemas.microsoft.com/office/drawing/2010/main" val="0"/>
+                          </a:ext>
+                        </a:extLst>
+                      </a:blip>
                       <a:srcRect/>
                       <a:stretch>
                         <a:fillRect/>
@@ -11656,8 +11993,8 @@
                     </p:blipFill>
                     <p:spPr bwMode="auto">
                       <a:xfrm>
-                        <a:off x="838200" y="3962400"/>
-                        <a:ext cx="1330325" cy="1063625"/>
+                        <a:off x="762000" y="3505200"/>
+                        <a:ext cx="5021262" cy="1262063"/>
                       </a:xfrm>
                       <a:prstGeom prst="rect">
                         <a:avLst/>
@@ -11680,16 +12017,92 @@
           </a:graphicData>
         </a:graphic>
       </p:graphicFrame>
-      <p:sp>
-        <p:nvSpPr>
-          <p:cNvPr id="15" name="TextBox 14"/>
+      <p:graphicFrame>
+        <p:nvGraphicFramePr>
+          <p:cNvPr id="10" name="Object 6"/>
+          <p:cNvGraphicFramePr>
+            <a:graphicFrameLocks noChangeAspect="1"/>
+          </p:cNvGraphicFramePr>
+          <p:nvPr>
+            <p:extLst>
+              <p:ext uri="{D42A27DB-BD31-4B8C-83A1-F6EECF244321}">
+                <p14:modId xmlns:p14="http://schemas.microsoft.com/office/powerpoint/2010/main" val="703810170"/>
+              </p:ext>
+            </p:extLst>
+          </p:nvPr>
+        </p:nvGraphicFramePr>
+        <p:xfrm>
+          <a:off x="762000" y="5105400"/>
+          <a:ext cx="3159125" cy="663575"/>
+        </p:xfrm>
+        <a:graphic>
+          <a:graphicData uri="http://schemas.openxmlformats.org/presentationml/2006/ole">
+            <mc:AlternateContent xmlns:mc="http://schemas.openxmlformats.org/markup-compatibility/2006">
+              <mc:Choice xmlns:v="urn:schemas-microsoft-com:vml" Requires="v">
+                <p:oleObj spid="_x0000_s1028" name="Equation" r:id="rId8" imgW="1206360" imgH="253800" progId="Equation.3">
+                  <p:embed/>
+                </p:oleObj>
+              </mc:Choice>
+              <mc:Fallback>
+                <p:oleObj name="Equation" r:id="rId8" imgW="1206360" imgH="253800" progId="Equation.3">
+                  <p:embed/>
+                  <p:pic>
+                    <p:nvPicPr>
+                      <p:cNvPr id="10" name="Object 6"/>
+                      <p:cNvPicPr>
+                        <a:picLocks noChangeAspect="1" noChangeArrowheads="1"/>
+                      </p:cNvPicPr>
+                      <p:nvPr/>
+                    </p:nvPicPr>
+                    <p:blipFill>
+                      <a:blip r:embed="rId9">
+                        <a:extLst>
+                          <a:ext uri="{28A0092B-C50C-407E-A947-70E740481C1C}">
+                            <a14:useLocalDpi xmlns:a14="http://schemas.microsoft.com/office/drawing/2010/main" val="0"/>
+                          </a:ext>
+                        </a:extLst>
+                      </a:blip>
+                      <a:srcRect/>
+                      <a:stretch>
+                        <a:fillRect/>
+                      </a:stretch>
+                    </p:blipFill>
+                    <p:spPr bwMode="auto">
+                      <a:xfrm>
+                        <a:off x="762000" y="5105400"/>
+                        <a:ext cx="3159125" cy="663575"/>
+                      </a:xfrm>
+                      <a:prstGeom prst="rect">
+                        <a:avLst/>
+                      </a:prstGeom>
+                      <a:noFill/>
+                      <a:extLst>
+                        <a:ext uri="{909E8E84-426E-40dd-AFC4-6F175D3DCCD1}">
+                          <a14:hiddenFill xmlns:a14="http://schemas.microsoft.com/office/drawing/2010/main" xmlns="">
+                            <a:solidFill>
+                              <a:srgbClr val="FFFFFF"/>
+                            </a:solidFill>
+                          </a14:hiddenFill>
+                        </a:ext>
+                      </a:extLst>
+                    </p:spPr>
+                  </p:pic>
+                </p:oleObj>
+              </mc:Fallback>
+            </mc:AlternateContent>
+          </a:graphicData>
+        </a:graphic>
+      </p:graphicFrame>
+      <p:sp>
+        <p:nvSpPr>
+          <p:cNvPr id="12" name="TextBox 11"/>
           <p:cNvSpPr txBox="1"/>
           <p:nvPr/>
         </p:nvSpPr>
         <p:spPr>
           <a:xfrm>
-            <a:off x="4114800" y="3962400"/>
-            <a:ext cx="4561809" cy="830997"/>
+            <a:off x="4800600" y="5101768"/>
+            <a:ext cx="3991811" cy="369332"/>
           </a:xfrm>
           <a:prstGeom prst="rect">
             <a:avLst/>
@@ -11704,7 +12117,7 @@
           <a:p>
             <a:r>
               <a:rPr lang="en-US" dirty="0"/>
-              <a:t>Standard error = same for paired and single t</a:t>
+              <a:t>This section is for independent t only</a:t>
             </a:r>
           </a:p>
         </p:txBody>
@@ -11712,7 +12125,7 @@
     </p:spTree>
     <p:extLst>
       <p:ext uri="{BB962C8B-B14F-4D97-AF65-F5344CB8AC3E}">
-        <p14:creationId xmlns:p14="http://schemas.microsoft.com/office/powerpoint/2010/main" val="2037292784"/>
+        <p14:creationId xmlns:p14="http://schemas.microsoft.com/office/powerpoint/2010/main" val="3329505346"/>
       </p:ext>
     </p:extLst>
   </p:cSld>
